--- a/figures/fit_2col.pptx
+++ b/figures/fit_2col.pptx
@@ -6,11 +6,14 @@
   </p:sldMasterIdLst>
   <p:sldIdLst>
     <p:sldId id="259" r:id="rId2"/>
-    <p:sldId id="267" r:id="rId3"/>
-    <p:sldId id="268" r:id="rId4"/>
+    <p:sldId id="270" r:id="rId3"/>
+    <p:sldId id="269" r:id="rId4"/>
+    <p:sldId id="267" r:id="rId5"/>
+    <p:sldId id="268" r:id="rId6"/>
+    <p:sldId id="271" r:id="rId7"/>
   </p:sldIdLst>
   <p:sldSz cx="6235700" cy="1828800"/>
-  <p:notesSz cx="6797675" cy="9928225"/>
+  <p:notesSz cx="7104063" cy="10234613"/>
   <p:defaultTextStyle>
     <a:defPPr>
       <a:defRPr lang="en-US"/>
@@ -114,6 +117,1044 @@
 </p:presentation>
 </file>
 
+<file path=ppt/charts/chart1.xml><?xml version="1.0" encoding="utf-8"?>
+<c:chartSpace xmlns:c="http://schemas.openxmlformats.org/drawingml/2006/chart" xmlns:a="http://schemas.openxmlformats.org/drawingml/2006/main" xmlns:r="http://schemas.openxmlformats.org/officeDocument/2006/relationships">
+  <c:date1904 val="0"/>
+  <c:lang val="ko-KR"/>
+  <c:roundedCorners val="0"/>
+  <mc:AlternateContent xmlns:mc="http://schemas.openxmlformats.org/markup-compatibility/2006">
+    <mc:Choice xmlns:c14="http://schemas.microsoft.com/office/drawing/2007/8/2/chart" Requires="c14">
+      <c14:style val="102"/>
+    </mc:Choice>
+    <mc:Fallback>
+      <c:style val="2"/>
+    </mc:Fallback>
+  </mc:AlternateContent>
+  <c:chart>
+    <c:autoTitleDeleted val="1"/>
+    <c:plotArea>
+      <c:layout/>
+      <c:barChart>
+        <c:barDir val="col"/>
+        <c:grouping val="clustered"/>
+        <c:varyColors val="0"/>
+        <c:ser>
+          <c:idx val="0"/>
+          <c:order val="0"/>
+          <c:tx>
+            <c:strRef>
+              <c:f>[result_v0.1.xlsx]Sheet1!$C$39</c:f>
+              <c:strCache>
+                <c:ptCount val="1"/>
+                <c:pt idx="0">
+                  <c:v>CPU (12thread)</c:v>
+                </c:pt>
+              </c:strCache>
+            </c:strRef>
+          </c:tx>
+          <c:spPr>
+            <a:solidFill>
+              <a:schemeClr val="accent1"/>
+            </a:solidFill>
+            <a:ln>
+              <a:noFill/>
+            </a:ln>
+            <a:effectLst/>
+          </c:spPr>
+          <c:invertIfNegative val="0"/>
+          <c:cat>
+            <c:numRef>
+              <c:f>[result_v0.1.xlsx]Sheet1!$D$38:$K$38</c:f>
+              <c:numCache>
+                <c:formatCode>_(* #,##0_);_(* \(#,##0\);_(* "-"_);_(@_)</c:formatCode>
+                <c:ptCount val="8"/>
+                <c:pt idx="0">
+                  <c:v>1</c:v>
+                </c:pt>
+                <c:pt idx="1">
+                  <c:v>10</c:v>
+                </c:pt>
+                <c:pt idx="2">
+                  <c:v>100</c:v>
+                </c:pt>
+                <c:pt idx="3">
+                  <c:v>1000</c:v>
+                </c:pt>
+                <c:pt idx="4">
+                  <c:v>10000</c:v>
+                </c:pt>
+                <c:pt idx="5" formatCode="0.E+00">
+                  <c:v>100000</c:v>
+                </c:pt>
+                <c:pt idx="6" formatCode="0.E+00">
+                  <c:v>1000000</c:v>
+                </c:pt>
+                <c:pt idx="7" formatCode="0.E+00">
+                  <c:v>10000000</c:v>
+                </c:pt>
+              </c:numCache>
+            </c:numRef>
+          </c:cat>
+          <c:val>
+            <c:numRef>
+              <c:f>[result_v0.1.xlsx]Sheet1!$D$39:$K$39</c:f>
+              <c:numCache>
+                <c:formatCode>General</c:formatCode>
+                <c:ptCount val="8"/>
+                <c:pt idx="0">
+                  <c:v>0.88081359228079137</c:v>
+                </c:pt>
+                <c:pt idx="1">
+                  <c:v>1.1072099696478683</c:v>
+                </c:pt>
+                <c:pt idx="2">
+                  <c:v>1.3263358609287514</c:v>
+                </c:pt>
+                <c:pt idx="3">
+                  <c:v>1.7024305364455252</c:v>
+                </c:pt>
+                <c:pt idx="4">
+                  <c:v>2.4007106367732312</c:v>
+                </c:pt>
+                <c:pt idx="5">
+                  <c:v>3.2096758345710947</c:v>
+                </c:pt>
+                <c:pt idx="6">
+                  <c:v>4.1505599654115581</c:v>
+                </c:pt>
+                <c:pt idx="7">
+                  <c:v>5.1518495465252441</c:v>
+                </c:pt>
+              </c:numCache>
+            </c:numRef>
+          </c:val>
+          <c:extLst xmlns:c16r2="http://schemas.microsoft.com/office/drawing/2015/06/chart">
+            <c:ext xmlns:c16="http://schemas.microsoft.com/office/drawing/2014/chart" uri="{C3380CC4-5D6E-409C-BE32-E72D297353CC}">
+              <c16:uniqueId val="{00000000-C8F4-46A9-A41E-2F63BCCC2243}"/>
+            </c:ext>
+          </c:extLst>
+        </c:ser>
+        <c:ser>
+          <c:idx val="1"/>
+          <c:order val="1"/>
+          <c:tx>
+            <c:strRef>
+              <c:f>[result_v0.1.xlsx]Sheet1!$C$40</c:f>
+              <c:strCache>
+                <c:ptCount val="1"/>
+                <c:pt idx="0">
+                  <c:v>GPU (32thread)</c:v>
+                </c:pt>
+              </c:strCache>
+            </c:strRef>
+          </c:tx>
+          <c:spPr>
+            <a:solidFill>
+              <a:schemeClr val="accent2"/>
+            </a:solidFill>
+            <a:ln>
+              <a:noFill/>
+            </a:ln>
+            <a:effectLst/>
+          </c:spPr>
+          <c:invertIfNegative val="0"/>
+          <c:cat>
+            <c:numRef>
+              <c:f>[result_v0.1.xlsx]Sheet1!$D$38:$K$38</c:f>
+              <c:numCache>
+                <c:formatCode>_(* #,##0_);_(* \(#,##0\);_(* "-"_);_(@_)</c:formatCode>
+                <c:ptCount val="8"/>
+                <c:pt idx="0">
+                  <c:v>1</c:v>
+                </c:pt>
+                <c:pt idx="1">
+                  <c:v>10</c:v>
+                </c:pt>
+                <c:pt idx="2">
+                  <c:v>100</c:v>
+                </c:pt>
+                <c:pt idx="3">
+                  <c:v>1000</c:v>
+                </c:pt>
+                <c:pt idx="4">
+                  <c:v>10000</c:v>
+                </c:pt>
+                <c:pt idx="5" formatCode="0.E+00">
+                  <c:v>100000</c:v>
+                </c:pt>
+                <c:pt idx="6" formatCode="0.E+00">
+                  <c:v>1000000</c:v>
+                </c:pt>
+                <c:pt idx="7" formatCode="0.E+00">
+                  <c:v>10000000</c:v>
+                </c:pt>
+              </c:numCache>
+            </c:numRef>
+          </c:cat>
+          <c:val>
+            <c:numRef>
+              <c:f>[result_v0.1.xlsx]Sheet1!$D$40:$K$40</c:f>
+              <c:numCache>
+                <c:formatCode>General</c:formatCode>
+                <c:ptCount val="8"/>
+                <c:pt idx="0">
+                  <c:v>1.2551216822221571</c:v>
+                </c:pt>
+                <c:pt idx="1">
+                  <c:v>1.2813885021778966</c:v>
+                </c:pt>
+                <c:pt idx="2">
+                  <c:v>1.3736589540392996</c:v>
+                </c:pt>
+                <c:pt idx="3">
+                  <c:v>1.7569853618696387</c:v>
+                </c:pt>
+                <c:pt idx="4">
+                  <c:v>2.6044454406142377</c:v>
+                </c:pt>
+                <c:pt idx="5">
+                  <c:v>3.584348895495721</c:v>
+                </c:pt>
+                <c:pt idx="6">
+                  <c:v>4.5801377450479777</c:v>
+                </c:pt>
+                <c:pt idx="7">
+                  <c:v>5.5790404819381392</c:v>
+                </c:pt>
+              </c:numCache>
+            </c:numRef>
+          </c:val>
+          <c:extLst xmlns:c16r2="http://schemas.microsoft.com/office/drawing/2015/06/chart">
+            <c:ext xmlns:c16="http://schemas.microsoft.com/office/drawing/2014/chart" uri="{C3380CC4-5D6E-409C-BE32-E72D297353CC}">
+              <c16:uniqueId val="{00000001-C8F4-46A9-A41E-2F63BCCC2243}"/>
+            </c:ext>
+          </c:extLst>
+        </c:ser>
+        <c:dLbls>
+          <c:showLegendKey val="0"/>
+          <c:showVal val="0"/>
+          <c:showCatName val="0"/>
+          <c:showSerName val="0"/>
+          <c:showPercent val="0"/>
+          <c:showBubbleSize val="0"/>
+        </c:dLbls>
+        <c:gapWidth val="219"/>
+        <c:overlap val="-27"/>
+        <c:axId val="-852507888"/>
+        <c:axId val="-852501904"/>
+      </c:barChart>
+      <c:catAx>
+        <c:axId val="-852507888"/>
+        <c:scaling>
+          <c:orientation val="minMax"/>
+        </c:scaling>
+        <c:delete val="0"/>
+        <c:axPos val="b"/>
+        <c:title>
+          <c:tx>
+            <c:rich>
+              <a:bodyPr rot="0" spcFirstLastPara="1" vertOverflow="ellipsis" vert="horz" wrap="square" anchor="ctr" anchorCtr="1"/>
+              <a:lstStyle/>
+              <a:p>
+                <a:pPr>
+                  <a:defRPr sz="1000" b="1" i="0" u="none" strike="noStrike" kern="1200" baseline="0">
+                    <a:solidFill>
+                      <a:schemeClr val="tx1"/>
+                    </a:solidFill>
+                    <a:latin typeface="Times New Roman" panose="02020603050405020304" pitchFamily="18" charset="0"/>
+                    <a:ea typeface="+mn-ea"/>
+                    <a:cs typeface="Times New Roman" panose="02020603050405020304" pitchFamily="18" charset="0"/>
+                  </a:defRPr>
+                </a:pPr>
+                <a:r>
+                  <a:rPr lang="en-US"/>
+                  <a:t>Number of Iterations (10x scale)</a:t>
+                </a:r>
+                <a:endParaRPr lang="ko-KR"/>
+              </a:p>
+            </c:rich>
+          </c:tx>
+          <c:layout/>
+          <c:overlay val="0"/>
+          <c:spPr>
+            <a:noFill/>
+            <a:ln>
+              <a:noFill/>
+            </a:ln>
+            <a:effectLst/>
+          </c:spPr>
+          <c:txPr>
+            <a:bodyPr rot="0" spcFirstLastPara="1" vertOverflow="ellipsis" vert="horz" wrap="square" anchor="ctr" anchorCtr="1"/>
+            <a:lstStyle/>
+            <a:p>
+              <a:pPr>
+                <a:defRPr sz="1000" b="1" i="0" u="none" strike="noStrike" kern="1200" baseline="0">
+                  <a:solidFill>
+                    <a:schemeClr val="tx1"/>
+                  </a:solidFill>
+                  <a:latin typeface="Times New Roman" panose="02020603050405020304" pitchFamily="18" charset="0"/>
+                  <a:ea typeface="+mn-ea"/>
+                  <a:cs typeface="Times New Roman" panose="02020603050405020304" pitchFamily="18" charset="0"/>
+                </a:defRPr>
+              </a:pPr>
+              <a:endParaRPr lang="ko-KR"/>
+            </a:p>
+          </c:txPr>
+        </c:title>
+        <c:numFmt formatCode="_(* #,##0_);_(* \(#,##0\);_(* &quot;-&quot;_);_(@_)" sourceLinked="1"/>
+        <c:majorTickMark val="none"/>
+        <c:minorTickMark val="none"/>
+        <c:tickLblPos val="nextTo"/>
+        <c:spPr>
+          <a:noFill/>
+          <a:ln w="9525" cap="flat" cmpd="sng" algn="ctr">
+            <a:solidFill>
+              <a:schemeClr val="tx1"/>
+            </a:solidFill>
+            <a:round/>
+          </a:ln>
+          <a:effectLst/>
+        </c:spPr>
+        <c:txPr>
+          <a:bodyPr rot="-60000000" spcFirstLastPara="1" vertOverflow="ellipsis" vert="horz" wrap="square" anchor="ctr" anchorCtr="1"/>
+          <a:lstStyle/>
+          <a:p>
+            <a:pPr>
+              <a:defRPr sz="1000" b="1" i="0" u="none" strike="noStrike" kern="1200" baseline="0">
+                <a:solidFill>
+                  <a:schemeClr val="tx1"/>
+                </a:solidFill>
+                <a:latin typeface="Times New Roman" panose="02020603050405020304" pitchFamily="18" charset="0"/>
+                <a:ea typeface="+mn-ea"/>
+                <a:cs typeface="Times New Roman" panose="02020603050405020304" pitchFamily="18" charset="0"/>
+              </a:defRPr>
+            </a:pPr>
+            <a:endParaRPr lang="ko-KR"/>
+          </a:p>
+        </c:txPr>
+        <c:crossAx val="-852501904"/>
+        <c:crosses val="autoZero"/>
+        <c:auto val="1"/>
+        <c:lblAlgn val="ctr"/>
+        <c:lblOffset val="100"/>
+        <c:noMultiLvlLbl val="0"/>
+      </c:catAx>
+      <c:valAx>
+        <c:axId val="-852501904"/>
+        <c:scaling>
+          <c:orientation val="minMax"/>
+        </c:scaling>
+        <c:delete val="0"/>
+        <c:axPos val="l"/>
+        <c:title>
+          <c:tx>
+            <c:rich>
+              <a:bodyPr rot="-5400000" spcFirstLastPara="1" vertOverflow="ellipsis" vert="horz" wrap="square" anchor="ctr" anchorCtr="1"/>
+              <a:lstStyle/>
+              <a:p>
+                <a:pPr>
+                  <a:defRPr sz="1000" b="1" i="0" u="none" strike="noStrike" kern="1200" baseline="0">
+                    <a:solidFill>
+                      <a:schemeClr val="tx1"/>
+                    </a:solidFill>
+                    <a:latin typeface="Times New Roman" panose="02020603050405020304" pitchFamily="18" charset="0"/>
+                    <a:ea typeface="+mn-ea"/>
+                    <a:cs typeface="Times New Roman" panose="02020603050405020304" pitchFamily="18" charset="0"/>
+                  </a:defRPr>
+                </a:pPr>
+                <a:r>
+                  <a:rPr lang="en-US"/>
+                  <a:t>Log Based Execution Time (ms)</a:t>
+                </a:r>
+                <a:endParaRPr lang="ko-KR"/>
+              </a:p>
+            </c:rich>
+          </c:tx>
+          <c:layout/>
+          <c:overlay val="0"/>
+          <c:spPr>
+            <a:noFill/>
+            <a:ln>
+              <a:noFill/>
+            </a:ln>
+            <a:effectLst/>
+          </c:spPr>
+          <c:txPr>
+            <a:bodyPr rot="-5400000" spcFirstLastPara="1" vertOverflow="ellipsis" vert="horz" wrap="square" anchor="ctr" anchorCtr="1"/>
+            <a:lstStyle/>
+            <a:p>
+              <a:pPr>
+                <a:defRPr sz="1000" b="1" i="0" u="none" strike="noStrike" kern="1200" baseline="0">
+                  <a:solidFill>
+                    <a:schemeClr val="tx1"/>
+                  </a:solidFill>
+                  <a:latin typeface="Times New Roman" panose="02020603050405020304" pitchFamily="18" charset="0"/>
+                  <a:ea typeface="+mn-ea"/>
+                  <a:cs typeface="Times New Roman" panose="02020603050405020304" pitchFamily="18" charset="0"/>
+                </a:defRPr>
+              </a:pPr>
+              <a:endParaRPr lang="ko-KR"/>
+            </a:p>
+          </c:txPr>
+        </c:title>
+        <c:numFmt formatCode="General" sourceLinked="1"/>
+        <c:majorTickMark val="in"/>
+        <c:minorTickMark val="none"/>
+        <c:tickLblPos val="nextTo"/>
+        <c:spPr>
+          <a:noFill/>
+          <a:ln>
+            <a:solidFill>
+              <a:schemeClr val="tx1"/>
+            </a:solidFill>
+          </a:ln>
+          <a:effectLst/>
+        </c:spPr>
+        <c:txPr>
+          <a:bodyPr rot="-60000000" spcFirstLastPara="1" vertOverflow="ellipsis" vert="horz" wrap="square" anchor="ctr" anchorCtr="1"/>
+          <a:lstStyle/>
+          <a:p>
+            <a:pPr>
+              <a:defRPr sz="1000" b="1" i="0" u="none" strike="noStrike" kern="1200" baseline="0">
+                <a:solidFill>
+                  <a:schemeClr val="tx1"/>
+                </a:solidFill>
+                <a:latin typeface="Times New Roman" panose="02020603050405020304" pitchFamily="18" charset="0"/>
+                <a:ea typeface="+mn-ea"/>
+                <a:cs typeface="Times New Roman" panose="02020603050405020304" pitchFamily="18" charset="0"/>
+              </a:defRPr>
+            </a:pPr>
+            <a:endParaRPr lang="ko-KR"/>
+          </a:p>
+        </c:txPr>
+        <c:crossAx val="-852507888"/>
+        <c:crosses val="autoZero"/>
+        <c:crossBetween val="between"/>
+      </c:valAx>
+      <c:spPr>
+        <a:noFill/>
+        <a:ln>
+          <a:noFill/>
+        </a:ln>
+        <a:effectLst/>
+      </c:spPr>
+    </c:plotArea>
+    <c:legend>
+      <c:legendPos val="b"/>
+      <c:layout>
+        <c:manualLayout>
+          <c:xMode val="edge"/>
+          <c:yMode val="edge"/>
+          <c:x val="0.12741815593778327"/>
+          <c:y val="8.4926093975980041E-2"/>
+          <c:w val="0.18621556485350488"/>
+          <c:h val="0.20301350359545928"/>
+        </c:manualLayout>
+      </c:layout>
+      <c:overlay val="0"/>
+      <c:spPr>
+        <a:noFill/>
+        <a:ln>
+          <a:solidFill>
+            <a:schemeClr val="tx1"/>
+          </a:solidFill>
+        </a:ln>
+        <a:effectLst/>
+      </c:spPr>
+      <c:txPr>
+        <a:bodyPr rot="0" spcFirstLastPara="1" vertOverflow="ellipsis" vert="horz" wrap="square" anchor="ctr" anchorCtr="1"/>
+        <a:lstStyle/>
+        <a:p>
+          <a:pPr>
+            <a:defRPr sz="1000" b="1" i="0" u="none" strike="noStrike" kern="1200" baseline="0">
+              <a:solidFill>
+                <a:schemeClr val="tx1"/>
+              </a:solidFill>
+              <a:latin typeface="Times New Roman" panose="02020603050405020304" pitchFamily="18" charset="0"/>
+              <a:ea typeface="+mn-ea"/>
+              <a:cs typeface="Times New Roman" panose="02020603050405020304" pitchFamily="18" charset="0"/>
+            </a:defRPr>
+          </a:pPr>
+          <a:endParaRPr lang="ko-KR"/>
+        </a:p>
+      </c:txPr>
+    </c:legend>
+    <c:plotVisOnly val="1"/>
+    <c:dispBlanksAs val="gap"/>
+    <c:showDLblsOverMax val="0"/>
+  </c:chart>
+  <c:spPr>
+    <a:noFill/>
+    <a:ln>
+      <a:noFill/>
+    </a:ln>
+    <a:effectLst/>
+  </c:spPr>
+  <c:txPr>
+    <a:bodyPr/>
+    <a:lstStyle/>
+    <a:p>
+      <a:pPr>
+        <a:defRPr sz="1000" b="1">
+          <a:solidFill>
+            <a:schemeClr val="tx1"/>
+          </a:solidFill>
+          <a:latin typeface="Times New Roman" panose="02020603050405020304" pitchFamily="18" charset="0"/>
+          <a:cs typeface="Times New Roman" panose="02020603050405020304" pitchFamily="18" charset="0"/>
+        </a:defRPr>
+      </a:pPr>
+      <a:endParaRPr lang="ko-KR"/>
+    </a:p>
+  </c:txPr>
+  <c:externalData r:id="rId3">
+    <c:autoUpdate val="0"/>
+  </c:externalData>
+</c:chartSpace>
+</file>
+
+<file path=ppt/charts/colors1.xml><?xml version="1.0" encoding="utf-8"?>
+<cs:colorStyle xmlns:cs="http://schemas.microsoft.com/office/drawing/2012/chartStyle" xmlns:a="http://schemas.openxmlformats.org/drawingml/2006/main" meth="cycle" id="10">
+  <a:schemeClr val="accent1"/>
+  <a:schemeClr val="accent2"/>
+  <a:schemeClr val="accent3"/>
+  <a:schemeClr val="accent4"/>
+  <a:schemeClr val="accent5"/>
+  <a:schemeClr val="accent6"/>
+  <cs:variation/>
+  <cs:variation>
+    <a:lumMod val="60000"/>
+  </cs:variation>
+  <cs:variation>
+    <a:lumMod val="80000"/>
+    <a:lumOff val="20000"/>
+  </cs:variation>
+  <cs:variation>
+    <a:lumMod val="80000"/>
+  </cs:variation>
+  <cs:variation>
+    <a:lumMod val="60000"/>
+    <a:lumOff val="40000"/>
+  </cs:variation>
+  <cs:variation>
+    <a:lumMod val="50000"/>
+  </cs:variation>
+  <cs:variation>
+    <a:lumMod val="70000"/>
+    <a:lumOff val="30000"/>
+  </cs:variation>
+  <cs:variation>
+    <a:lumMod val="70000"/>
+  </cs:variation>
+  <cs:variation>
+    <a:lumMod val="50000"/>
+    <a:lumOff val="50000"/>
+  </cs:variation>
+</cs:colorStyle>
+</file>
+
+<file path=ppt/charts/style1.xml><?xml version="1.0" encoding="utf-8"?>
+<cs:chartStyle xmlns:cs="http://schemas.microsoft.com/office/drawing/2012/chartStyle" xmlns:a="http://schemas.openxmlformats.org/drawingml/2006/main" id="201">
+  <cs:axisTitle>
+    <cs:lnRef idx="0"/>
+    <cs:fillRef idx="0"/>
+    <cs:effectRef idx="0"/>
+    <cs:fontRef idx="minor">
+      <a:schemeClr val="tx1">
+        <a:lumMod val="65000"/>
+        <a:lumOff val="35000"/>
+      </a:schemeClr>
+    </cs:fontRef>
+    <cs:defRPr sz="1000" kern="1200"/>
+  </cs:axisTitle>
+  <cs:categoryAxis>
+    <cs:lnRef idx="0"/>
+    <cs:fillRef idx="0"/>
+    <cs:effectRef idx="0"/>
+    <cs:fontRef idx="minor">
+      <a:schemeClr val="tx1">
+        <a:lumMod val="65000"/>
+        <a:lumOff val="35000"/>
+      </a:schemeClr>
+    </cs:fontRef>
+    <cs:spPr>
+      <a:ln w="9525" cap="flat" cmpd="sng" algn="ctr">
+        <a:solidFill>
+          <a:schemeClr val="tx1">
+            <a:lumMod val="15000"/>
+            <a:lumOff val="85000"/>
+          </a:schemeClr>
+        </a:solidFill>
+        <a:round/>
+      </a:ln>
+    </cs:spPr>
+    <cs:defRPr sz="900" kern="1200"/>
+  </cs:categoryAxis>
+  <cs:chartArea mods="allowNoFillOverride allowNoLineOverride">
+    <cs:lnRef idx="0"/>
+    <cs:fillRef idx="0"/>
+    <cs:effectRef idx="0"/>
+    <cs:fontRef idx="minor">
+      <a:schemeClr val="tx1"/>
+    </cs:fontRef>
+    <cs:spPr>
+      <a:solidFill>
+        <a:schemeClr val="bg1"/>
+      </a:solidFill>
+      <a:ln w="9525" cap="flat" cmpd="sng" algn="ctr">
+        <a:solidFill>
+          <a:schemeClr val="tx1">
+            <a:lumMod val="15000"/>
+            <a:lumOff val="85000"/>
+          </a:schemeClr>
+        </a:solidFill>
+        <a:round/>
+      </a:ln>
+    </cs:spPr>
+    <cs:defRPr sz="1000" kern="1200"/>
+  </cs:chartArea>
+  <cs:dataLabel>
+    <cs:lnRef idx="0"/>
+    <cs:fillRef idx="0"/>
+    <cs:effectRef idx="0"/>
+    <cs:fontRef idx="minor">
+      <a:schemeClr val="tx1">
+        <a:lumMod val="75000"/>
+        <a:lumOff val="25000"/>
+      </a:schemeClr>
+    </cs:fontRef>
+    <cs:defRPr sz="900" kern="1200"/>
+  </cs:dataLabel>
+  <cs:dataLabelCallout>
+    <cs:lnRef idx="0"/>
+    <cs:fillRef idx="0"/>
+    <cs:effectRef idx="0"/>
+    <cs:fontRef idx="minor">
+      <a:schemeClr val="dk1">
+        <a:lumMod val="65000"/>
+        <a:lumOff val="35000"/>
+      </a:schemeClr>
+    </cs:fontRef>
+    <cs:spPr>
+      <a:solidFill>
+        <a:schemeClr val="lt1"/>
+      </a:solidFill>
+      <a:ln>
+        <a:solidFill>
+          <a:schemeClr val="dk1">
+            <a:lumMod val="25000"/>
+            <a:lumOff val="75000"/>
+          </a:schemeClr>
+        </a:solidFill>
+      </a:ln>
+    </cs:spPr>
+    <cs:defRPr sz="900" kern="1200"/>
+    <cs:bodyPr rot="0" spcFirstLastPara="1" vertOverflow="clip" horzOverflow="clip" vert="horz" wrap="square" lIns="36576" tIns="18288" rIns="36576" bIns="18288" anchor="ctr" anchorCtr="1">
+      <a:spAutoFit/>
+    </cs:bodyPr>
+  </cs:dataLabelCallout>
+  <cs:dataPoint>
+    <cs:lnRef idx="0"/>
+    <cs:fillRef idx="1">
+      <cs:styleClr val="auto"/>
+    </cs:fillRef>
+    <cs:effectRef idx="0"/>
+    <cs:fontRef idx="minor">
+      <a:schemeClr val="tx1"/>
+    </cs:fontRef>
+  </cs:dataPoint>
+  <cs:dataPoint3D>
+    <cs:lnRef idx="0"/>
+    <cs:fillRef idx="1">
+      <cs:styleClr val="auto"/>
+    </cs:fillRef>
+    <cs:effectRef idx="0"/>
+    <cs:fontRef idx="minor">
+      <a:schemeClr val="tx1"/>
+    </cs:fontRef>
+  </cs:dataPoint3D>
+  <cs:dataPointLine>
+    <cs:lnRef idx="0">
+      <cs:styleClr val="auto"/>
+    </cs:lnRef>
+    <cs:fillRef idx="1"/>
+    <cs:effectRef idx="0"/>
+    <cs:fontRef idx="minor">
+      <a:schemeClr val="tx1"/>
+    </cs:fontRef>
+    <cs:spPr>
+      <a:ln w="28575" cap="rnd">
+        <a:solidFill>
+          <a:schemeClr val="phClr"/>
+        </a:solidFill>
+        <a:round/>
+      </a:ln>
+    </cs:spPr>
+  </cs:dataPointLine>
+  <cs:dataPointMarker>
+    <cs:lnRef idx="0">
+      <cs:styleClr val="auto"/>
+    </cs:lnRef>
+    <cs:fillRef idx="1">
+      <cs:styleClr val="auto"/>
+    </cs:fillRef>
+    <cs:effectRef idx="0"/>
+    <cs:fontRef idx="minor">
+      <a:schemeClr val="tx1"/>
+    </cs:fontRef>
+    <cs:spPr>
+      <a:ln w="9525">
+        <a:solidFill>
+          <a:schemeClr val="phClr"/>
+        </a:solidFill>
+      </a:ln>
+    </cs:spPr>
+  </cs:dataPointMarker>
+  <cs:dataPointMarkerLayout symbol="circle" size="5"/>
+  <cs:dataPointWireframe>
+    <cs:lnRef idx="0">
+      <cs:styleClr val="auto"/>
+    </cs:lnRef>
+    <cs:fillRef idx="1"/>
+    <cs:effectRef idx="0"/>
+    <cs:fontRef idx="minor">
+      <a:schemeClr val="tx1"/>
+    </cs:fontRef>
+    <cs:spPr>
+      <a:ln w="9525" cap="rnd">
+        <a:solidFill>
+          <a:schemeClr val="phClr"/>
+        </a:solidFill>
+        <a:round/>
+      </a:ln>
+    </cs:spPr>
+  </cs:dataPointWireframe>
+  <cs:dataTable>
+    <cs:lnRef idx="0"/>
+    <cs:fillRef idx="0"/>
+    <cs:effectRef idx="0"/>
+    <cs:fontRef idx="minor">
+      <a:schemeClr val="tx1">
+        <a:lumMod val="65000"/>
+        <a:lumOff val="35000"/>
+      </a:schemeClr>
+    </cs:fontRef>
+    <cs:spPr>
+      <a:noFill/>
+      <a:ln w="9525" cap="flat" cmpd="sng" algn="ctr">
+        <a:solidFill>
+          <a:schemeClr val="tx1">
+            <a:lumMod val="15000"/>
+            <a:lumOff val="85000"/>
+          </a:schemeClr>
+        </a:solidFill>
+        <a:round/>
+      </a:ln>
+    </cs:spPr>
+    <cs:defRPr sz="900" kern="1200"/>
+  </cs:dataTable>
+  <cs:downBar>
+    <cs:lnRef idx="0"/>
+    <cs:fillRef idx="0"/>
+    <cs:effectRef idx="0"/>
+    <cs:fontRef idx="minor">
+      <a:schemeClr val="dk1"/>
+    </cs:fontRef>
+    <cs:spPr>
+      <a:solidFill>
+        <a:schemeClr val="dk1">
+          <a:lumMod val="65000"/>
+          <a:lumOff val="35000"/>
+        </a:schemeClr>
+      </a:solidFill>
+      <a:ln w="9525">
+        <a:solidFill>
+          <a:schemeClr val="tx1">
+            <a:lumMod val="65000"/>
+            <a:lumOff val="35000"/>
+          </a:schemeClr>
+        </a:solidFill>
+      </a:ln>
+    </cs:spPr>
+  </cs:downBar>
+  <cs:dropLine>
+    <cs:lnRef idx="0"/>
+    <cs:fillRef idx="0"/>
+    <cs:effectRef idx="0"/>
+    <cs:fontRef idx="minor">
+      <a:schemeClr val="tx1"/>
+    </cs:fontRef>
+    <cs:spPr>
+      <a:ln w="9525" cap="flat" cmpd="sng" algn="ctr">
+        <a:solidFill>
+          <a:schemeClr val="tx1">
+            <a:lumMod val="35000"/>
+            <a:lumOff val="65000"/>
+          </a:schemeClr>
+        </a:solidFill>
+        <a:round/>
+      </a:ln>
+    </cs:spPr>
+  </cs:dropLine>
+  <cs:errorBar>
+    <cs:lnRef idx="0"/>
+    <cs:fillRef idx="0"/>
+    <cs:effectRef idx="0"/>
+    <cs:fontRef idx="minor">
+      <a:schemeClr val="tx1"/>
+    </cs:fontRef>
+    <cs:spPr>
+      <a:ln w="9525" cap="flat" cmpd="sng" algn="ctr">
+        <a:solidFill>
+          <a:schemeClr val="tx1">
+            <a:lumMod val="65000"/>
+            <a:lumOff val="35000"/>
+          </a:schemeClr>
+        </a:solidFill>
+        <a:round/>
+      </a:ln>
+    </cs:spPr>
+  </cs:errorBar>
+  <cs:floor>
+    <cs:lnRef idx="0"/>
+    <cs:fillRef idx="0"/>
+    <cs:effectRef idx="0"/>
+    <cs:fontRef idx="minor">
+      <a:schemeClr val="tx1"/>
+    </cs:fontRef>
+    <cs:spPr>
+      <a:noFill/>
+      <a:ln>
+        <a:noFill/>
+      </a:ln>
+    </cs:spPr>
+  </cs:floor>
+  <cs:gridlineMajor>
+    <cs:lnRef idx="0"/>
+    <cs:fillRef idx="0"/>
+    <cs:effectRef idx="0"/>
+    <cs:fontRef idx="minor">
+      <a:schemeClr val="tx1"/>
+    </cs:fontRef>
+    <cs:spPr>
+      <a:ln w="9525" cap="flat" cmpd="sng" algn="ctr">
+        <a:solidFill>
+          <a:schemeClr val="tx1">
+            <a:lumMod val="15000"/>
+            <a:lumOff val="85000"/>
+          </a:schemeClr>
+        </a:solidFill>
+        <a:round/>
+      </a:ln>
+    </cs:spPr>
+  </cs:gridlineMajor>
+  <cs:gridlineMinor>
+    <cs:lnRef idx="0"/>
+    <cs:fillRef idx="0"/>
+    <cs:effectRef idx="0"/>
+    <cs:fontRef idx="minor">
+      <a:schemeClr val="tx1"/>
+    </cs:fontRef>
+    <cs:spPr>
+      <a:ln w="9525" cap="flat" cmpd="sng" algn="ctr">
+        <a:solidFill>
+          <a:schemeClr val="tx1">
+            <a:lumMod val="5000"/>
+            <a:lumOff val="95000"/>
+          </a:schemeClr>
+        </a:solidFill>
+        <a:round/>
+      </a:ln>
+    </cs:spPr>
+  </cs:gridlineMinor>
+  <cs:hiLoLine>
+    <cs:lnRef idx="0"/>
+    <cs:fillRef idx="0"/>
+    <cs:effectRef idx="0"/>
+    <cs:fontRef idx="minor">
+      <a:schemeClr val="tx1"/>
+    </cs:fontRef>
+    <cs:spPr>
+      <a:ln w="9525" cap="flat" cmpd="sng" algn="ctr">
+        <a:solidFill>
+          <a:schemeClr val="tx1">
+            <a:lumMod val="75000"/>
+            <a:lumOff val="25000"/>
+          </a:schemeClr>
+        </a:solidFill>
+        <a:round/>
+      </a:ln>
+    </cs:spPr>
+  </cs:hiLoLine>
+  <cs:leaderLine>
+    <cs:lnRef idx="0"/>
+    <cs:fillRef idx="0"/>
+    <cs:effectRef idx="0"/>
+    <cs:fontRef idx="minor">
+      <a:schemeClr val="tx1"/>
+    </cs:fontRef>
+    <cs:spPr>
+      <a:ln w="9525" cap="flat" cmpd="sng" algn="ctr">
+        <a:solidFill>
+          <a:schemeClr val="tx1">
+            <a:lumMod val="35000"/>
+            <a:lumOff val="65000"/>
+          </a:schemeClr>
+        </a:solidFill>
+        <a:round/>
+      </a:ln>
+    </cs:spPr>
+  </cs:leaderLine>
+  <cs:legend>
+    <cs:lnRef idx="0"/>
+    <cs:fillRef idx="0"/>
+    <cs:effectRef idx="0"/>
+    <cs:fontRef idx="minor">
+      <a:schemeClr val="tx1">
+        <a:lumMod val="65000"/>
+        <a:lumOff val="35000"/>
+      </a:schemeClr>
+    </cs:fontRef>
+    <cs:defRPr sz="900" kern="1200"/>
+  </cs:legend>
+  <cs:plotArea mods="allowNoFillOverride allowNoLineOverride">
+    <cs:lnRef idx="0"/>
+    <cs:fillRef idx="0"/>
+    <cs:effectRef idx="0"/>
+    <cs:fontRef idx="minor">
+      <a:schemeClr val="tx1"/>
+    </cs:fontRef>
+  </cs:plotArea>
+  <cs:plotArea3D mods="allowNoFillOverride allowNoLineOverride">
+    <cs:lnRef idx="0"/>
+    <cs:fillRef idx="0"/>
+    <cs:effectRef idx="0"/>
+    <cs:fontRef idx="minor">
+      <a:schemeClr val="tx1"/>
+    </cs:fontRef>
+  </cs:plotArea3D>
+  <cs:seriesAxis>
+    <cs:lnRef idx="0"/>
+    <cs:fillRef idx="0"/>
+    <cs:effectRef idx="0"/>
+    <cs:fontRef idx="minor">
+      <a:schemeClr val="tx1">
+        <a:lumMod val="65000"/>
+        <a:lumOff val="35000"/>
+      </a:schemeClr>
+    </cs:fontRef>
+    <cs:defRPr sz="900" kern="1200"/>
+  </cs:seriesAxis>
+  <cs:seriesLine>
+    <cs:lnRef idx="0"/>
+    <cs:fillRef idx="0"/>
+    <cs:effectRef idx="0"/>
+    <cs:fontRef idx="minor">
+      <a:schemeClr val="tx1"/>
+    </cs:fontRef>
+    <cs:spPr>
+      <a:ln w="9525" cap="flat" cmpd="sng" algn="ctr">
+        <a:solidFill>
+          <a:schemeClr val="tx1">
+            <a:lumMod val="35000"/>
+            <a:lumOff val="65000"/>
+          </a:schemeClr>
+        </a:solidFill>
+        <a:round/>
+      </a:ln>
+    </cs:spPr>
+  </cs:seriesLine>
+  <cs:title>
+    <cs:lnRef idx="0"/>
+    <cs:fillRef idx="0"/>
+    <cs:effectRef idx="0"/>
+    <cs:fontRef idx="minor">
+      <a:schemeClr val="tx1">
+        <a:lumMod val="65000"/>
+        <a:lumOff val="35000"/>
+      </a:schemeClr>
+    </cs:fontRef>
+    <cs:defRPr sz="1400" b="0" kern="1200" spc="0" baseline="0"/>
+  </cs:title>
+  <cs:trendline>
+    <cs:lnRef idx="0">
+      <cs:styleClr val="auto"/>
+    </cs:lnRef>
+    <cs:fillRef idx="0"/>
+    <cs:effectRef idx="0"/>
+    <cs:fontRef idx="minor">
+      <a:schemeClr val="tx1"/>
+    </cs:fontRef>
+    <cs:spPr>
+      <a:ln w="19050" cap="rnd">
+        <a:solidFill>
+          <a:schemeClr val="phClr"/>
+        </a:solidFill>
+        <a:prstDash val="sysDot"/>
+      </a:ln>
+    </cs:spPr>
+  </cs:trendline>
+  <cs:trendlineLabel>
+    <cs:lnRef idx="0"/>
+    <cs:fillRef idx="0"/>
+    <cs:effectRef idx="0"/>
+    <cs:fontRef idx="minor">
+      <a:schemeClr val="tx1">
+        <a:lumMod val="65000"/>
+        <a:lumOff val="35000"/>
+      </a:schemeClr>
+    </cs:fontRef>
+    <cs:defRPr sz="900" kern="1200"/>
+  </cs:trendlineLabel>
+  <cs:upBar>
+    <cs:lnRef idx="0"/>
+    <cs:fillRef idx="0"/>
+    <cs:effectRef idx="0"/>
+    <cs:fontRef idx="minor">
+      <a:schemeClr val="dk1"/>
+    </cs:fontRef>
+    <cs:spPr>
+      <a:solidFill>
+        <a:schemeClr val="lt1"/>
+      </a:solidFill>
+      <a:ln w="9525">
+        <a:solidFill>
+          <a:schemeClr val="tx1">
+            <a:lumMod val="15000"/>
+            <a:lumOff val="85000"/>
+          </a:schemeClr>
+        </a:solidFill>
+      </a:ln>
+    </cs:spPr>
+  </cs:upBar>
+  <cs:valueAxis>
+    <cs:lnRef idx="0"/>
+    <cs:fillRef idx="0"/>
+    <cs:effectRef idx="0"/>
+    <cs:fontRef idx="minor">
+      <a:schemeClr val="tx1">
+        <a:lumMod val="65000"/>
+        <a:lumOff val="35000"/>
+      </a:schemeClr>
+    </cs:fontRef>
+    <cs:defRPr sz="900" kern="1200"/>
+  </cs:valueAxis>
+  <cs:wall>
+    <cs:lnRef idx="0"/>
+    <cs:fillRef idx="0"/>
+    <cs:effectRef idx="0"/>
+    <cs:fontRef idx="minor">
+      <a:schemeClr val="tx1"/>
+    </cs:fontRef>
+    <cs:spPr>
+      <a:noFill/>
+      <a:ln>
+        <a:noFill/>
+      </a:ln>
+    </cs:spPr>
+  </cs:wall>
+</cs:chartStyle>
+</file>
+
 <file path=ppt/slideLayouts/slideLayout1.xml><?xml version="1.0" encoding="utf-8"?>
 <p:sldLayout xmlns:a="http://schemas.openxmlformats.org/drawingml/2006/main" xmlns:r="http://schemas.openxmlformats.org/officeDocument/2006/relationships" xmlns:p="http://schemas.openxmlformats.org/presentationml/2006/main" type="title" preserve="1">
   <p:cSld name="제목 슬라이드">
@@ -245,7 +1286,7 @@
           <a:p>
             <a:fld id="{413483E3-EBBD-4E11-9A48-51855DBD0980}" type="datetimeFigureOut">
               <a:rPr lang="en-US" smtClean="0"/>
-              <a:t>12/15/2017</a:t>
+              <a:t>12/23/2017</a:t>
             </a:fld>
             <a:endParaRPr lang="en-US"/>
           </a:p>
@@ -415,7 +1456,7 @@
           <a:p>
             <a:fld id="{413483E3-EBBD-4E11-9A48-51855DBD0980}" type="datetimeFigureOut">
               <a:rPr lang="en-US" smtClean="0"/>
-              <a:t>12/15/2017</a:t>
+              <a:t>12/23/2017</a:t>
             </a:fld>
             <a:endParaRPr lang="en-US"/>
           </a:p>
@@ -595,7 +1636,7 @@
           <a:p>
             <a:fld id="{413483E3-EBBD-4E11-9A48-51855DBD0980}" type="datetimeFigureOut">
               <a:rPr lang="en-US" smtClean="0"/>
-              <a:t>12/15/2017</a:t>
+              <a:t>12/23/2017</a:t>
             </a:fld>
             <a:endParaRPr lang="en-US"/>
           </a:p>
@@ -765,7 +1806,7 @@
           <a:p>
             <a:fld id="{413483E3-EBBD-4E11-9A48-51855DBD0980}" type="datetimeFigureOut">
               <a:rPr lang="en-US" smtClean="0"/>
-              <a:t>12/15/2017</a:t>
+              <a:t>12/23/2017</a:t>
             </a:fld>
             <a:endParaRPr lang="en-US"/>
           </a:p>
@@ -1011,7 +2052,7 @@
           <a:p>
             <a:fld id="{413483E3-EBBD-4E11-9A48-51855DBD0980}" type="datetimeFigureOut">
               <a:rPr lang="en-US" smtClean="0"/>
-              <a:t>12/15/2017</a:t>
+              <a:t>12/23/2017</a:t>
             </a:fld>
             <a:endParaRPr lang="en-US"/>
           </a:p>
@@ -1243,7 +2284,7 @@
           <a:p>
             <a:fld id="{413483E3-EBBD-4E11-9A48-51855DBD0980}" type="datetimeFigureOut">
               <a:rPr lang="en-US" smtClean="0"/>
-              <a:t>12/15/2017</a:t>
+              <a:t>12/23/2017</a:t>
             </a:fld>
             <a:endParaRPr lang="en-US"/>
           </a:p>
@@ -1610,7 +2651,7 @@
           <a:p>
             <a:fld id="{413483E3-EBBD-4E11-9A48-51855DBD0980}" type="datetimeFigureOut">
               <a:rPr lang="en-US" smtClean="0"/>
-              <a:t>12/15/2017</a:t>
+              <a:t>12/23/2017</a:t>
             </a:fld>
             <a:endParaRPr lang="en-US"/>
           </a:p>
@@ -1728,7 +2769,7 @@
           <a:p>
             <a:fld id="{413483E3-EBBD-4E11-9A48-51855DBD0980}" type="datetimeFigureOut">
               <a:rPr lang="en-US" smtClean="0"/>
-              <a:t>12/15/2017</a:t>
+              <a:t>12/23/2017</a:t>
             </a:fld>
             <a:endParaRPr lang="en-US"/>
           </a:p>
@@ -1823,7 +2864,7 @@
           <a:p>
             <a:fld id="{413483E3-EBBD-4E11-9A48-51855DBD0980}" type="datetimeFigureOut">
               <a:rPr lang="en-US" smtClean="0"/>
-              <a:t>12/15/2017</a:t>
+              <a:t>12/23/2017</a:t>
             </a:fld>
             <a:endParaRPr lang="en-US"/>
           </a:p>
@@ -2100,7 +3141,7 @@
           <a:p>
             <a:fld id="{413483E3-EBBD-4E11-9A48-51855DBD0980}" type="datetimeFigureOut">
               <a:rPr lang="en-US" smtClean="0"/>
-              <a:t>12/15/2017</a:t>
+              <a:t>12/23/2017</a:t>
             </a:fld>
             <a:endParaRPr lang="en-US"/>
           </a:p>
@@ -2357,7 +3398,7 @@
           <a:p>
             <a:fld id="{413483E3-EBBD-4E11-9A48-51855DBD0980}" type="datetimeFigureOut">
               <a:rPr lang="en-US" smtClean="0"/>
-              <a:t>12/15/2017</a:t>
+              <a:t>12/23/2017</a:t>
             </a:fld>
             <a:endParaRPr lang="en-US"/>
           </a:p>
@@ -2570,7 +3611,7 @@
           <a:p>
             <a:fld id="{413483E3-EBBD-4E11-9A48-51855DBD0980}" type="datetimeFigureOut">
               <a:rPr lang="en-US" smtClean="0"/>
-              <a:t>12/15/2017</a:t>
+              <a:t>12/23/2017</a:t>
             </a:fld>
             <a:endParaRPr lang="en-US"/>
           </a:p>
@@ -3269,6 +4310,503 @@
           </p:style>
         </p:cxnSp>
       </p:grpSp>
+      <p:grpSp>
+        <p:nvGrpSpPr>
+          <p:cNvPr id="55" name="그룹 54"/>
+          <p:cNvGrpSpPr/>
+          <p:nvPr/>
+        </p:nvGrpSpPr>
+        <p:grpSpPr>
+          <a:xfrm>
+            <a:off x="27401" y="24267"/>
+            <a:ext cx="6181600" cy="1776674"/>
+            <a:chOff x="523714" y="4143356"/>
+            <a:chExt cx="8096572" cy="2678296"/>
+          </a:xfrm>
+        </p:grpSpPr>
+        <p:pic>
+          <p:nvPicPr>
+            <p:cNvPr id="56" name="Picture 2" descr="https://upload.wikimedia.org/wikipedia/commons/thumb/6/62/MCTS_%28English%29_-_Updated_2017-11-19.svg/808px-MCTS_%28English%29_-_Updated_2017-11-19.svg.png"/>
+            <p:cNvPicPr>
+              <a:picLocks noChangeAspect="1" noChangeArrowheads="1"/>
+            </p:cNvPicPr>
+            <p:nvPr/>
+          </p:nvPicPr>
+          <p:blipFill>
+            <a:blip r:embed="rId2">
+              <a:extLst>
+                <a:ext uri="{28A0092B-C50C-407E-A947-70E740481C1C}">
+                  <a14:useLocalDpi xmlns:a14="http://schemas.microsoft.com/office/drawing/2010/main" val="0"/>
+                </a:ext>
+              </a:extLst>
+            </a:blip>
+            <a:srcRect/>
+            <a:stretch>
+              <a:fillRect/>
+            </a:stretch>
+          </p:blipFill>
+          <p:spPr bwMode="auto">
+            <a:xfrm>
+              <a:off x="523714" y="4143356"/>
+              <a:ext cx="8096572" cy="2678296"/>
+            </a:xfrm>
+            <a:prstGeom prst="rect">
+              <a:avLst/>
+            </a:prstGeom>
+            <a:noFill/>
+            <a:extLst>
+              <a:ext uri="{909E8E84-426E-40DD-AFC4-6F175D3DCCD1}">
+                <a14:hiddenFill xmlns:a14="http://schemas.microsoft.com/office/drawing/2010/main">
+                  <a:solidFill>
+                    <a:srgbClr val="FFFFFF"/>
+                  </a:solidFill>
+                </a14:hiddenFill>
+              </a:ext>
+            </a:extLst>
+          </p:spPr>
+        </p:pic>
+        <p:grpSp>
+          <p:nvGrpSpPr>
+            <p:cNvPr id="57" name="그룹 56"/>
+            <p:cNvGrpSpPr/>
+            <p:nvPr/>
+          </p:nvGrpSpPr>
+          <p:grpSpPr>
+            <a:xfrm>
+              <a:off x="884352" y="4663296"/>
+              <a:ext cx="653152" cy="1115182"/>
+              <a:chOff x="884352" y="4663296"/>
+              <a:chExt cx="653152" cy="1115182"/>
+            </a:xfrm>
+          </p:grpSpPr>
+          <p:cxnSp>
+            <p:nvCxnSpPr>
+              <p:cNvPr id="65" name="직선 화살표 연결선 64"/>
+              <p:cNvCxnSpPr/>
+              <p:nvPr/>
+            </p:nvCxnSpPr>
+            <p:spPr>
+              <a:xfrm flipH="1">
+                <a:off x="961440" y="4663296"/>
+                <a:ext cx="576064" cy="288032"/>
+              </a:xfrm>
+              <a:prstGeom prst="straightConnector1">
+                <a:avLst/>
+              </a:prstGeom>
+              <a:ln w="38100">
+                <a:solidFill>
+                  <a:srgbClr val="FF0000"/>
+                </a:solidFill>
+                <a:tailEnd type="triangle"/>
+              </a:ln>
+            </p:spPr>
+            <p:style>
+              <a:lnRef idx="1">
+                <a:schemeClr val="accent1"/>
+              </a:lnRef>
+              <a:fillRef idx="0">
+                <a:schemeClr val="accent1"/>
+              </a:fillRef>
+              <a:effectRef idx="0">
+                <a:schemeClr val="accent1"/>
+              </a:effectRef>
+              <a:fontRef idx="minor">
+                <a:schemeClr val="tx1"/>
+              </a:fontRef>
+            </p:style>
+          </p:cxnSp>
+          <p:cxnSp>
+            <p:nvCxnSpPr>
+              <p:cNvPr id="66" name="직선 화살표 연결선 65"/>
+              <p:cNvCxnSpPr/>
+              <p:nvPr/>
+            </p:nvCxnSpPr>
+            <p:spPr>
+              <a:xfrm>
+                <a:off x="884352" y="5162272"/>
+                <a:ext cx="72008" cy="144016"/>
+              </a:xfrm>
+              <a:prstGeom prst="straightConnector1">
+                <a:avLst/>
+              </a:prstGeom>
+              <a:ln w="38100">
+                <a:solidFill>
+                  <a:srgbClr val="FF0000"/>
+                </a:solidFill>
+                <a:tailEnd type="triangle"/>
+              </a:ln>
+            </p:spPr>
+            <p:style>
+              <a:lnRef idx="1">
+                <a:schemeClr val="accent1"/>
+              </a:lnRef>
+              <a:fillRef idx="0">
+                <a:schemeClr val="accent1"/>
+              </a:fillRef>
+              <a:effectRef idx="0">
+                <a:schemeClr val="accent1"/>
+              </a:effectRef>
+              <a:fontRef idx="minor">
+                <a:schemeClr val="tx1"/>
+              </a:fontRef>
+            </p:style>
+          </p:cxnSp>
+          <p:cxnSp>
+            <p:nvCxnSpPr>
+              <p:cNvPr id="67" name="직선 화살표 연결선 66"/>
+              <p:cNvCxnSpPr/>
+              <p:nvPr/>
+            </p:nvCxnSpPr>
+            <p:spPr>
+              <a:xfrm>
+                <a:off x="1028368" y="5522312"/>
+                <a:ext cx="144016" cy="256166"/>
+              </a:xfrm>
+              <a:prstGeom prst="straightConnector1">
+                <a:avLst/>
+              </a:prstGeom>
+              <a:ln w="38100">
+                <a:solidFill>
+                  <a:srgbClr val="FF0000"/>
+                </a:solidFill>
+                <a:tailEnd type="triangle"/>
+              </a:ln>
+            </p:spPr>
+            <p:style>
+              <a:lnRef idx="1">
+                <a:schemeClr val="accent1"/>
+              </a:lnRef>
+              <a:fillRef idx="0">
+                <a:schemeClr val="accent1"/>
+              </a:fillRef>
+              <a:effectRef idx="0">
+                <a:schemeClr val="accent1"/>
+              </a:effectRef>
+              <a:fontRef idx="minor">
+                <a:schemeClr val="tx1"/>
+              </a:fontRef>
+            </p:style>
+          </p:cxnSp>
+        </p:grpSp>
+        <p:cxnSp>
+          <p:nvCxnSpPr>
+            <p:cNvPr id="58" name="직선 화살표 연결선 57"/>
+            <p:cNvCxnSpPr/>
+            <p:nvPr/>
+          </p:nvCxnSpPr>
+          <p:spPr>
+            <a:xfrm>
+              <a:off x="3327544" y="5949280"/>
+              <a:ext cx="0" cy="220162"/>
+            </a:xfrm>
+            <a:prstGeom prst="straightConnector1">
+              <a:avLst/>
+            </a:prstGeom>
+            <a:ln w="38100">
+              <a:solidFill>
+                <a:srgbClr val="FF0000"/>
+              </a:solidFill>
+              <a:tailEnd type="triangle"/>
+            </a:ln>
+          </p:spPr>
+          <p:style>
+            <a:lnRef idx="1">
+              <a:schemeClr val="accent1"/>
+            </a:lnRef>
+            <a:fillRef idx="0">
+              <a:schemeClr val="accent1"/>
+            </a:fillRef>
+            <a:effectRef idx="0">
+              <a:schemeClr val="accent1"/>
+            </a:effectRef>
+            <a:fontRef idx="minor">
+              <a:schemeClr val="tx1"/>
+            </a:fontRef>
+          </p:style>
+        </p:cxnSp>
+        <p:sp>
+          <p:nvSpPr>
+            <p:cNvPr id="59" name="줄무늬가 있는 오른쪽 화살표 58"/>
+            <p:cNvSpPr/>
+            <p:nvPr/>
+          </p:nvSpPr>
+          <p:spPr>
+            <a:xfrm rot="5400000">
+              <a:off x="5297254" y="6353320"/>
+              <a:ext cx="333691" cy="378328"/>
+            </a:xfrm>
+            <a:prstGeom prst="stripedRightArrow">
+              <a:avLst>
+                <a:gd name="adj1" fmla="val 36656"/>
+                <a:gd name="adj2" fmla="val 37301"/>
+              </a:avLst>
+            </a:prstGeom>
+            <a:solidFill>
+              <a:srgbClr val="FF0000"/>
+            </a:solidFill>
+            <a:ln/>
+          </p:spPr>
+          <p:style>
+            <a:lnRef idx="2">
+              <a:schemeClr val="accent2">
+                <a:shade val="50000"/>
+              </a:schemeClr>
+            </a:lnRef>
+            <a:fillRef idx="1">
+              <a:schemeClr val="accent2"/>
+            </a:fillRef>
+            <a:effectRef idx="0">
+              <a:schemeClr val="accent2"/>
+            </a:effectRef>
+            <a:fontRef idx="minor">
+              <a:schemeClr val="lt1"/>
+            </a:fontRef>
+          </p:style>
+          <p:txBody>
+            <a:bodyPr rtlCol="0" anchor="ctr"/>
+            <a:lstStyle/>
+            <a:p>
+              <a:pPr algn="ctr"/>
+              <a:endParaRPr lang="ko-KR" altLang="en-US"/>
+            </a:p>
+          </p:txBody>
+        </p:sp>
+        <p:grpSp>
+          <p:nvGrpSpPr>
+            <p:cNvPr id="60" name="그룹 59"/>
+            <p:cNvGrpSpPr/>
+            <p:nvPr/>
+          </p:nvGrpSpPr>
+          <p:grpSpPr>
+            <a:xfrm>
+              <a:off x="7264309" y="4645008"/>
+              <a:ext cx="732704" cy="1133470"/>
+              <a:chOff x="846453" y="4639509"/>
+              <a:chExt cx="732704" cy="1133470"/>
+            </a:xfrm>
+          </p:grpSpPr>
+          <p:cxnSp>
+            <p:nvCxnSpPr>
+              <p:cNvPr id="62" name="직선 화살표 연결선 61"/>
+              <p:cNvCxnSpPr/>
+              <p:nvPr/>
+            </p:nvCxnSpPr>
+            <p:spPr>
+              <a:xfrm flipV="1">
+                <a:off x="981072" y="4639509"/>
+                <a:ext cx="598085" cy="299044"/>
+              </a:xfrm>
+              <a:prstGeom prst="straightConnector1">
+                <a:avLst/>
+              </a:prstGeom>
+              <a:ln w="38100">
+                <a:solidFill>
+                  <a:srgbClr val="FF0000"/>
+                </a:solidFill>
+                <a:tailEnd type="triangle"/>
+              </a:ln>
+            </p:spPr>
+            <p:style>
+              <a:lnRef idx="1">
+                <a:schemeClr val="accent1"/>
+              </a:lnRef>
+              <a:fillRef idx="0">
+                <a:schemeClr val="accent1"/>
+              </a:fillRef>
+              <a:effectRef idx="0">
+                <a:schemeClr val="accent1"/>
+              </a:effectRef>
+              <a:fontRef idx="minor">
+                <a:schemeClr val="tx1"/>
+              </a:fontRef>
+            </p:style>
+          </p:cxnSp>
+          <p:cxnSp>
+            <p:nvCxnSpPr>
+              <p:cNvPr id="63" name="직선 화살표 연결선 62"/>
+              <p:cNvCxnSpPr/>
+              <p:nvPr/>
+            </p:nvCxnSpPr>
+            <p:spPr>
+              <a:xfrm flipH="1" flipV="1">
+                <a:off x="846453" y="5085781"/>
+                <a:ext cx="116003" cy="232004"/>
+              </a:xfrm>
+              <a:prstGeom prst="straightConnector1">
+                <a:avLst/>
+              </a:prstGeom>
+              <a:ln w="38100">
+                <a:solidFill>
+                  <a:srgbClr val="FF0000"/>
+                </a:solidFill>
+                <a:tailEnd type="triangle"/>
+              </a:ln>
+            </p:spPr>
+            <p:style>
+              <a:lnRef idx="1">
+                <a:schemeClr val="accent1"/>
+              </a:lnRef>
+              <a:fillRef idx="0">
+                <a:schemeClr val="accent1"/>
+              </a:fillRef>
+              <a:effectRef idx="0">
+                <a:schemeClr val="accent1"/>
+              </a:effectRef>
+              <a:fontRef idx="minor">
+                <a:schemeClr val="tx1"/>
+              </a:fontRef>
+            </p:style>
+          </p:cxnSp>
+          <p:cxnSp>
+            <p:nvCxnSpPr>
+              <p:cNvPr id="64" name="직선 화살표 연결선 63"/>
+              <p:cNvCxnSpPr/>
+              <p:nvPr/>
+            </p:nvCxnSpPr>
+            <p:spPr>
+              <a:xfrm flipH="1" flipV="1">
+                <a:off x="1014736" y="5505970"/>
+                <a:ext cx="150112" cy="267009"/>
+              </a:xfrm>
+              <a:prstGeom prst="straightConnector1">
+                <a:avLst/>
+              </a:prstGeom>
+              <a:ln w="38100">
+                <a:solidFill>
+                  <a:srgbClr val="FF0000"/>
+                </a:solidFill>
+                <a:tailEnd type="triangle"/>
+              </a:ln>
+            </p:spPr>
+            <p:style>
+              <a:lnRef idx="1">
+                <a:schemeClr val="accent1"/>
+              </a:lnRef>
+              <a:fillRef idx="0">
+                <a:schemeClr val="accent1"/>
+              </a:fillRef>
+              <a:effectRef idx="0">
+                <a:schemeClr val="accent1"/>
+              </a:effectRef>
+              <a:fontRef idx="minor">
+                <a:schemeClr val="tx1"/>
+              </a:fontRef>
+            </p:style>
+          </p:cxnSp>
+        </p:grpSp>
+        <p:cxnSp>
+          <p:nvCxnSpPr>
+            <p:cNvPr id="61" name="직선 화살표 연결선 60"/>
+            <p:cNvCxnSpPr/>
+            <p:nvPr/>
+          </p:nvCxnSpPr>
+          <p:spPr>
+            <a:xfrm flipV="1">
+              <a:off x="7602432" y="5949280"/>
+              <a:ext cx="0" cy="220162"/>
+            </a:xfrm>
+            <a:prstGeom prst="straightConnector1">
+              <a:avLst/>
+            </a:prstGeom>
+            <a:ln w="38100">
+              <a:solidFill>
+                <a:srgbClr val="FF0000"/>
+              </a:solidFill>
+              <a:tailEnd type="triangle"/>
+            </a:ln>
+          </p:spPr>
+          <p:style>
+            <a:lnRef idx="1">
+              <a:schemeClr val="accent1"/>
+            </a:lnRef>
+            <a:fillRef idx="0">
+              <a:schemeClr val="accent1"/>
+            </a:fillRef>
+            <a:effectRef idx="0">
+              <a:schemeClr val="accent1"/>
+            </a:effectRef>
+            <a:fontRef idx="minor">
+              <a:schemeClr val="tx1"/>
+            </a:fontRef>
+          </p:style>
+        </p:cxnSp>
+      </p:grpSp>
+      <p:sp>
+        <p:nvSpPr>
+          <p:cNvPr id="7" name="TextBox 6"/>
+          <p:cNvSpPr txBox="1"/>
+          <p:nvPr/>
+        </p:nvSpPr>
+        <p:spPr>
+          <a:xfrm>
+            <a:off x="547322" y="1017902"/>
+            <a:ext cx="243978" cy="261610"/>
+          </a:xfrm>
+          <a:prstGeom prst="rect">
+            <a:avLst/>
+          </a:prstGeom>
+          <a:noFill/>
+        </p:spPr>
+        <p:txBody>
+          <a:bodyPr wrap="none" rtlCol="0">
+            <a:spAutoFit/>
+          </a:bodyPr>
+          <a:lstStyle/>
+          <a:p>
+            <a:r>
+              <a:rPr lang="en-US" altLang="ko-KR" sz="1050" b="1" dirty="0" smtClean="0">
+                <a:solidFill>
+                  <a:srgbClr val="FF0000"/>
+                </a:solidFill>
+              </a:rPr>
+              <a:t>L</a:t>
+            </a:r>
+            <a:endParaRPr lang="ko-KR" altLang="en-US" sz="1050" b="1" dirty="0">
+              <a:solidFill>
+                <a:srgbClr val="FF0000"/>
+              </a:solidFill>
+            </a:endParaRPr>
+          </a:p>
+        </p:txBody>
+      </p:sp>
+      <p:sp>
+        <p:nvSpPr>
+          <p:cNvPr id="68" name="TextBox 67"/>
+          <p:cNvSpPr txBox="1"/>
+          <p:nvPr/>
+        </p:nvSpPr>
+        <p:spPr>
+          <a:xfrm>
+            <a:off x="2199236" y="1295267"/>
+            <a:ext cx="255198" cy="253916"/>
+          </a:xfrm>
+          <a:prstGeom prst="rect">
+            <a:avLst/>
+          </a:prstGeom>
+          <a:noFill/>
+        </p:spPr>
+        <p:txBody>
+          <a:bodyPr wrap="none" rtlCol="0">
+            <a:spAutoFit/>
+          </a:bodyPr>
+          <a:lstStyle/>
+          <a:p>
+            <a:r>
+              <a:rPr lang="en-US" altLang="ko-KR" sz="1050" b="1" dirty="0">
+                <a:solidFill>
+                  <a:srgbClr val="FF0000"/>
+                </a:solidFill>
+              </a:rPr>
+              <a:t>C</a:t>
+            </a:r>
+            <a:endParaRPr lang="ko-KR" altLang="en-US" sz="1050" b="1" dirty="0">
+              <a:solidFill>
+                <a:srgbClr val="FF0000"/>
+              </a:solidFill>
+            </a:endParaRPr>
+          </a:p>
+        </p:txBody>
+      </p:sp>
     </p:spTree>
     <p:extLst>
       <p:ext uri="{BB962C8B-B14F-4D97-AF65-F5344CB8AC3E}">
@@ -3283,6 +4821,3687 @@
 </file>
 
 <file path=ppt/slides/slide2.xml><?xml version="1.0" encoding="utf-8"?>
+<p:sld xmlns:a="http://schemas.openxmlformats.org/drawingml/2006/main" xmlns:r="http://schemas.openxmlformats.org/officeDocument/2006/relationships" xmlns:p="http://schemas.openxmlformats.org/presentationml/2006/main">
+  <p:cSld>
+    <p:spTree>
+      <p:nvGrpSpPr>
+        <p:cNvPr id="1" name=""/>
+        <p:cNvGrpSpPr/>
+        <p:nvPr/>
+      </p:nvGrpSpPr>
+      <p:grpSpPr>
+        <a:xfrm>
+          <a:off x="0" y="0"/>
+          <a:ext cx="0" cy="0"/>
+          <a:chOff x="0" y="0"/>
+          <a:chExt cx="0" cy="0"/>
+        </a:xfrm>
+      </p:grpSpPr>
+      <p:grpSp>
+        <p:nvGrpSpPr>
+          <p:cNvPr id="20" name="그룹 19"/>
+          <p:cNvGrpSpPr/>
+          <p:nvPr/>
+        </p:nvGrpSpPr>
+        <p:grpSpPr>
+          <a:xfrm>
+            <a:off x="102941" y="81768"/>
+            <a:ext cx="3013091" cy="1558568"/>
+            <a:chOff x="126650" y="3773521"/>
+            <a:chExt cx="4093072" cy="2231606"/>
+          </a:xfrm>
+        </p:grpSpPr>
+        <p:sp>
+          <p:nvSpPr>
+            <p:cNvPr id="21" name="타원 20"/>
+            <p:cNvSpPr/>
+            <p:nvPr/>
+          </p:nvSpPr>
+          <p:spPr>
+            <a:xfrm>
+              <a:off x="1547664" y="3773521"/>
+              <a:ext cx="1008112" cy="288032"/>
+            </a:xfrm>
+            <a:prstGeom prst="ellipse">
+              <a:avLst/>
+            </a:prstGeom>
+            <a:solidFill>
+              <a:schemeClr val="bg1"/>
+            </a:solidFill>
+            <a:ln>
+              <a:solidFill>
+                <a:schemeClr val="tx1"/>
+              </a:solidFill>
+            </a:ln>
+            <a:effectLst/>
+          </p:spPr>
+          <p:style>
+            <a:lnRef idx="2">
+              <a:schemeClr val="accent1">
+                <a:shade val="50000"/>
+              </a:schemeClr>
+            </a:lnRef>
+            <a:fillRef idx="1">
+              <a:schemeClr val="accent1"/>
+            </a:fillRef>
+            <a:effectRef idx="0">
+              <a:schemeClr val="accent1"/>
+            </a:effectRef>
+            <a:fontRef idx="minor">
+              <a:schemeClr val="lt1"/>
+            </a:fontRef>
+          </p:style>
+          <p:txBody>
+            <a:bodyPr rtlCol="0" anchor="ctr"/>
+            <a:lstStyle/>
+            <a:p>
+              <a:pPr algn="ctr"/>
+              <a:r>
+                <a:rPr lang="en-US" sz="1000" dirty="0" smtClean="0">
+                  <a:solidFill>
+                    <a:schemeClr val="tx1"/>
+                  </a:solidFill>
+                </a:rPr>
+                <a:t>Root</a:t>
+              </a:r>
+              <a:endParaRPr lang="en-US" sz="1000" dirty="0">
+                <a:solidFill>
+                  <a:schemeClr val="tx1"/>
+                </a:solidFill>
+              </a:endParaRPr>
+            </a:p>
+          </p:txBody>
+        </p:sp>
+        <p:sp>
+          <p:nvSpPr>
+            <p:cNvPr id="22" name="타원 21"/>
+            <p:cNvSpPr/>
+            <p:nvPr/>
+          </p:nvSpPr>
+          <p:spPr>
+            <a:xfrm>
+              <a:off x="553953" y="4269800"/>
+              <a:ext cx="993711" cy="351536"/>
+            </a:xfrm>
+            <a:prstGeom prst="ellipse">
+              <a:avLst/>
+            </a:prstGeom>
+            <a:solidFill>
+              <a:schemeClr val="bg1">
+                <a:lumMod val="85000"/>
+              </a:schemeClr>
+            </a:solidFill>
+            <a:ln>
+              <a:solidFill>
+                <a:schemeClr val="tx1"/>
+              </a:solidFill>
+            </a:ln>
+            <a:effectLst/>
+          </p:spPr>
+          <p:style>
+            <a:lnRef idx="2">
+              <a:schemeClr val="accent1">
+                <a:shade val="50000"/>
+              </a:schemeClr>
+            </a:lnRef>
+            <a:fillRef idx="1">
+              <a:schemeClr val="accent1"/>
+            </a:fillRef>
+            <a:effectRef idx="0">
+              <a:schemeClr val="accent1"/>
+            </a:effectRef>
+            <a:fontRef idx="minor">
+              <a:schemeClr val="lt1"/>
+            </a:fontRef>
+          </p:style>
+          <p:txBody>
+            <a:bodyPr rtlCol="0" anchor="ctr"/>
+            <a:lstStyle/>
+            <a:p>
+              <a:pPr algn="ctr"/>
+              <a:r>
+                <a:rPr lang="en-US" sz="1000" dirty="0" smtClean="0">
+                  <a:solidFill>
+                    <a:schemeClr val="tx1"/>
+                  </a:solidFill>
+                </a:rPr>
+                <a:t>N</a:t>
+              </a:r>
+              <a:r>
+                <a:rPr lang="en-US" sz="1000" baseline="-25000" dirty="0" smtClean="0">
+                  <a:solidFill>
+                    <a:schemeClr val="tx1"/>
+                  </a:solidFill>
+                </a:rPr>
+                <a:t>&lt;0,1&gt;</a:t>
+              </a:r>
+              <a:endParaRPr lang="en-US" sz="1000" baseline="-25000" dirty="0">
+                <a:solidFill>
+                  <a:schemeClr val="tx1"/>
+                </a:solidFill>
+              </a:endParaRPr>
+            </a:p>
+          </p:txBody>
+        </p:sp>
+        <p:sp>
+          <p:nvSpPr>
+            <p:cNvPr id="23" name="타원 22"/>
+            <p:cNvSpPr/>
+            <p:nvPr/>
+          </p:nvSpPr>
+          <p:spPr>
+            <a:xfrm>
+              <a:off x="1818218" y="4269800"/>
+              <a:ext cx="993711" cy="351536"/>
+            </a:xfrm>
+            <a:prstGeom prst="ellipse">
+              <a:avLst/>
+            </a:prstGeom>
+            <a:solidFill>
+              <a:schemeClr val="bg1">
+                <a:lumMod val="85000"/>
+              </a:schemeClr>
+            </a:solidFill>
+            <a:ln>
+              <a:solidFill>
+                <a:schemeClr val="tx1"/>
+              </a:solidFill>
+            </a:ln>
+            <a:effectLst/>
+          </p:spPr>
+          <p:style>
+            <a:lnRef idx="2">
+              <a:schemeClr val="accent1">
+                <a:shade val="50000"/>
+              </a:schemeClr>
+            </a:lnRef>
+            <a:fillRef idx="1">
+              <a:schemeClr val="accent1"/>
+            </a:fillRef>
+            <a:effectRef idx="0">
+              <a:schemeClr val="accent1"/>
+            </a:effectRef>
+            <a:fontRef idx="minor">
+              <a:schemeClr val="lt1"/>
+            </a:fontRef>
+          </p:style>
+          <p:txBody>
+            <a:bodyPr rtlCol="0" anchor="ctr"/>
+            <a:lstStyle/>
+            <a:p>
+              <a:pPr algn="ctr"/>
+              <a:r>
+                <a:rPr lang="en-US" sz="1000" dirty="0" smtClean="0">
+                  <a:solidFill>
+                    <a:schemeClr val="tx1"/>
+                  </a:solidFill>
+                </a:rPr>
+                <a:t>N</a:t>
+              </a:r>
+              <a:r>
+                <a:rPr lang="en-US" sz="1000" baseline="-25000" dirty="0" smtClean="0">
+                  <a:solidFill>
+                    <a:schemeClr val="tx1"/>
+                  </a:solidFill>
+                </a:rPr>
+                <a:t>&lt;0,1&gt;</a:t>
+              </a:r>
+              <a:endParaRPr lang="en-US" sz="1000" baseline="-25000" dirty="0">
+                <a:solidFill>
+                  <a:schemeClr val="tx1"/>
+                </a:solidFill>
+              </a:endParaRPr>
+            </a:p>
+          </p:txBody>
+        </p:sp>
+        <p:sp>
+          <p:nvSpPr>
+            <p:cNvPr id="24" name="타원 23"/>
+            <p:cNvSpPr/>
+            <p:nvPr/>
+          </p:nvSpPr>
+          <p:spPr>
+            <a:xfrm>
+              <a:off x="3186203" y="4269800"/>
+              <a:ext cx="1033519" cy="351536"/>
+            </a:xfrm>
+            <a:prstGeom prst="ellipse">
+              <a:avLst/>
+            </a:prstGeom>
+            <a:solidFill>
+              <a:schemeClr val="bg1">
+                <a:lumMod val="85000"/>
+              </a:schemeClr>
+            </a:solidFill>
+            <a:ln>
+              <a:solidFill>
+                <a:schemeClr val="tx1"/>
+              </a:solidFill>
+            </a:ln>
+            <a:effectLst/>
+          </p:spPr>
+          <p:style>
+            <a:lnRef idx="2">
+              <a:schemeClr val="accent1">
+                <a:shade val="50000"/>
+              </a:schemeClr>
+            </a:lnRef>
+            <a:fillRef idx="1">
+              <a:schemeClr val="accent1"/>
+            </a:fillRef>
+            <a:effectRef idx="0">
+              <a:schemeClr val="accent1"/>
+            </a:effectRef>
+            <a:fontRef idx="minor">
+              <a:schemeClr val="lt1"/>
+            </a:fontRef>
+          </p:style>
+          <p:txBody>
+            <a:bodyPr rtlCol="0" anchor="ctr"/>
+            <a:lstStyle/>
+            <a:p>
+              <a:pPr algn="ctr"/>
+              <a:r>
+                <a:rPr lang="en-US" sz="1000" dirty="0" smtClean="0">
+                  <a:solidFill>
+                    <a:schemeClr val="tx1"/>
+                  </a:solidFill>
+                </a:rPr>
+                <a:t>N</a:t>
+              </a:r>
+              <a:r>
+                <a:rPr lang="en-US" sz="1000" baseline="-25000" dirty="0" smtClean="0">
+                  <a:solidFill>
+                    <a:schemeClr val="tx1"/>
+                  </a:solidFill>
+                </a:rPr>
+                <a:t>&lt;m,-&gt;</a:t>
+              </a:r>
+              <a:endParaRPr lang="en-US" sz="1000" baseline="-25000" dirty="0">
+                <a:solidFill>
+                  <a:schemeClr val="tx1"/>
+                </a:solidFill>
+              </a:endParaRPr>
+            </a:p>
+          </p:txBody>
+        </p:sp>
+        <p:cxnSp>
+          <p:nvCxnSpPr>
+            <p:cNvPr id="25" name="직선 연결선 24"/>
+            <p:cNvCxnSpPr>
+              <a:stCxn id="21" idx="4"/>
+              <a:endCxn id="22" idx="0"/>
+            </p:cNvCxnSpPr>
+            <p:nvPr/>
+          </p:nvCxnSpPr>
+          <p:spPr>
+            <a:xfrm flipH="1">
+              <a:off x="1050808" y="4061553"/>
+              <a:ext cx="1000912" cy="208247"/>
+            </a:xfrm>
+            <a:prstGeom prst="line">
+              <a:avLst/>
+            </a:prstGeom>
+            <a:ln>
+              <a:solidFill>
+                <a:schemeClr val="tx1"/>
+              </a:solidFill>
+            </a:ln>
+          </p:spPr>
+          <p:style>
+            <a:lnRef idx="1">
+              <a:schemeClr val="accent1"/>
+            </a:lnRef>
+            <a:fillRef idx="0">
+              <a:schemeClr val="accent1"/>
+            </a:fillRef>
+            <a:effectRef idx="0">
+              <a:schemeClr val="accent1"/>
+            </a:effectRef>
+            <a:fontRef idx="minor">
+              <a:schemeClr val="tx1"/>
+            </a:fontRef>
+          </p:style>
+        </p:cxnSp>
+        <p:cxnSp>
+          <p:nvCxnSpPr>
+            <p:cNvPr id="26" name="직선 연결선 25"/>
+            <p:cNvCxnSpPr>
+              <a:stCxn id="21" idx="4"/>
+              <a:endCxn id="23" idx="0"/>
+            </p:cNvCxnSpPr>
+            <p:nvPr/>
+          </p:nvCxnSpPr>
+          <p:spPr>
+            <a:xfrm>
+              <a:off x="2051720" y="4061553"/>
+              <a:ext cx="263353" cy="208247"/>
+            </a:xfrm>
+            <a:prstGeom prst="line">
+              <a:avLst/>
+            </a:prstGeom>
+            <a:ln>
+              <a:solidFill>
+                <a:schemeClr val="tx1"/>
+              </a:solidFill>
+            </a:ln>
+          </p:spPr>
+          <p:style>
+            <a:lnRef idx="1">
+              <a:schemeClr val="accent1"/>
+            </a:lnRef>
+            <a:fillRef idx="0">
+              <a:schemeClr val="accent1"/>
+            </a:fillRef>
+            <a:effectRef idx="0">
+              <a:schemeClr val="accent1"/>
+            </a:effectRef>
+            <a:fontRef idx="minor">
+              <a:schemeClr val="tx1"/>
+            </a:fontRef>
+          </p:style>
+        </p:cxnSp>
+        <p:cxnSp>
+          <p:nvCxnSpPr>
+            <p:cNvPr id="27" name="직선 연결선 26"/>
+            <p:cNvCxnSpPr>
+              <a:stCxn id="21" idx="4"/>
+              <a:endCxn id="24" idx="0"/>
+            </p:cNvCxnSpPr>
+            <p:nvPr/>
+          </p:nvCxnSpPr>
+          <p:spPr>
+            <a:xfrm>
+              <a:off x="2051720" y="4061553"/>
+              <a:ext cx="1651243" cy="208247"/>
+            </a:xfrm>
+            <a:prstGeom prst="line">
+              <a:avLst/>
+            </a:prstGeom>
+            <a:ln>
+              <a:solidFill>
+                <a:schemeClr val="tx1"/>
+              </a:solidFill>
+            </a:ln>
+          </p:spPr>
+          <p:style>
+            <a:lnRef idx="1">
+              <a:schemeClr val="accent1"/>
+            </a:lnRef>
+            <a:fillRef idx="0">
+              <a:schemeClr val="accent1"/>
+            </a:fillRef>
+            <a:effectRef idx="0">
+              <a:schemeClr val="accent1"/>
+            </a:effectRef>
+            <a:fontRef idx="minor">
+              <a:schemeClr val="tx1"/>
+            </a:fontRef>
+          </p:style>
+        </p:cxnSp>
+        <p:sp>
+          <p:nvSpPr>
+            <p:cNvPr id="28" name="타원 27"/>
+            <p:cNvSpPr/>
+            <p:nvPr/>
+          </p:nvSpPr>
+          <p:spPr>
+            <a:xfrm>
+              <a:off x="126650" y="4776900"/>
+              <a:ext cx="993711" cy="351536"/>
+            </a:xfrm>
+            <a:prstGeom prst="ellipse">
+              <a:avLst/>
+            </a:prstGeom>
+            <a:solidFill>
+              <a:schemeClr val="bg1"/>
+            </a:solidFill>
+            <a:ln>
+              <a:solidFill>
+                <a:schemeClr val="tx1"/>
+              </a:solidFill>
+            </a:ln>
+            <a:effectLst/>
+          </p:spPr>
+          <p:style>
+            <a:lnRef idx="2">
+              <a:schemeClr val="accent1">
+                <a:shade val="50000"/>
+              </a:schemeClr>
+            </a:lnRef>
+            <a:fillRef idx="1">
+              <a:schemeClr val="accent1"/>
+            </a:fillRef>
+            <a:effectRef idx="0">
+              <a:schemeClr val="accent1"/>
+            </a:effectRef>
+            <a:fontRef idx="minor">
+              <a:schemeClr val="lt1"/>
+            </a:fontRef>
+          </p:style>
+          <p:txBody>
+            <a:bodyPr rtlCol="0" anchor="ctr"/>
+            <a:lstStyle/>
+            <a:p>
+              <a:pPr algn="ctr"/>
+              <a:r>
+                <a:rPr lang="en-US" sz="1000" dirty="0" smtClean="0">
+                  <a:solidFill>
+                    <a:schemeClr val="tx1"/>
+                  </a:solidFill>
+                </a:rPr>
+                <a:t>N</a:t>
+              </a:r>
+              <a:r>
+                <a:rPr lang="en-US" sz="1000" baseline="-25000" dirty="0" smtClean="0">
+                  <a:solidFill>
+                    <a:schemeClr val="tx1"/>
+                  </a:solidFill>
+                </a:rPr>
+                <a:t>&lt;0,1&gt;</a:t>
+              </a:r>
+              <a:endParaRPr lang="en-US" sz="1000" baseline="-25000" dirty="0">
+                <a:solidFill>
+                  <a:schemeClr val="tx1"/>
+                </a:solidFill>
+              </a:endParaRPr>
+            </a:p>
+          </p:txBody>
+        </p:sp>
+        <p:cxnSp>
+          <p:nvCxnSpPr>
+            <p:cNvPr id="29" name="직선 연결선 28"/>
+            <p:cNvCxnSpPr>
+              <a:stCxn id="22" idx="4"/>
+              <a:endCxn id="28" idx="0"/>
+            </p:cNvCxnSpPr>
+            <p:nvPr/>
+          </p:nvCxnSpPr>
+          <p:spPr>
+            <a:xfrm flipH="1">
+              <a:off x="623506" y="4621336"/>
+              <a:ext cx="427303" cy="155564"/>
+            </a:xfrm>
+            <a:prstGeom prst="line">
+              <a:avLst/>
+            </a:prstGeom>
+            <a:ln>
+              <a:solidFill>
+                <a:schemeClr val="tx1"/>
+              </a:solidFill>
+            </a:ln>
+          </p:spPr>
+          <p:style>
+            <a:lnRef idx="1">
+              <a:schemeClr val="accent1"/>
+            </a:lnRef>
+            <a:fillRef idx="0">
+              <a:schemeClr val="accent1"/>
+            </a:fillRef>
+            <a:effectRef idx="0">
+              <a:schemeClr val="accent1"/>
+            </a:effectRef>
+            <a:fontRef idx="minor">
+              <a:schemeClr val="tx1"/>
+            </a:fontRef>
+          </p:style>
+        </p:cxnSp>
+        <p:sp>
+          <p:nvSpPr>
+            <p:cNvPr id="30" name="타원 29"/>
+            <p:cNvSpPr/>
+            <p:nvPr/>
+          </p:nvSpPr>
+          <p:spPr>
+            <a:xfrm>
+              <a:off x="1249027" y="4776900"/>
+              <a:ext cx="993711" cy="351536"/>
+            </a:xfrm>
+            <a:prstGeom prst="ellipse">
+              <a:avLst/>
+            </a:prstGeom>
+            <a:solidFill>
+              <a:schemeClr val="bg1"/>
+            </a:solidFill>
+            <a:ln>
+              <a:solidFill>
+                <a:schemeClr val="tx1"/>
+              </a:solidFill>
+            </a:ln>
+            <a:effectLst/>
+          </p:spPr>
+          <p:style>
+            <a:lnRef idx="2">
+              <a:schemeClr val="accent1">
+                <a:shade val="50000"/>
+              </a:schemeClr>
+            </a:lnRef>
+            <a:fillRef idx="1">
+              <a:schemeClr val="accent1"/>
+            </a:fillRef>
+            <a:effectRef idx="0">
+              <a:schemeClr val="accent1"/>
+            </a:effectRef>
+            <a:fontRef idx="minor">
+              <a:schemeClr val="lt1"/>
+            </a:fontRef>
+          </p:style>
+          <p:txBody>
+            <a:bodyPr rtlCol="0" anchor="ctr"/>
+            <a:lstStyle/>
+            <a:p>
+              <a:pPr algn="ctr"/>
+              <a:r>
+                <a:rPr lang="en-US" sz="1000" dirty="0" smtClean="0">
+                  <a:solidFill>
+                    <a:schemeClr val="tx1"/>
+                  </a:solidFill>
+                </a:rPr>
+                <a:t>N</a:t>
+              </a:r>
+              <a:r>
+                <a:rPr lang="en-US" sz="1000" baseline="-25000" dirty="0" smtClean="0">
+                  <a:solidFill>
+                    <a:schemeClr val="tx1"/>
+                  </a:solidFill>
+                </a:rPr>
+                <a:t>&lt;n,-&gt;</a:t>
+              </a:r>
+              <a:endParaRPr lang="en-US" sz="1000" baseline="-25000" dirty="0">
+                <a:solidFill>
+                  <a:schemeClr val="tx1"/>
+                </a:solidFill>
+              </a:endParaRPr>
+            </a:p>
+          </p:txBody>
+        </p:sp>
+        <p:cxnSp>
+          <p:nvCxnSpPr>
+            <p:cNvPr id="31" name="직선 연결선 30"/>
+            <p:cNvCxnSpPr>
+              <a:stCxn id="22" idx="4"/>
+              <a:endCxn id="30" idx="0"/>
+            </p:cNvCxnSpPr>
+            <p:nvPr/>
+          </p:nvCxnSpPr>
+          <p:spPr>
+            <a:xfrm>
+              <a:off x="1050808" y="4621336"/>
+              <a:ext cx="695074" cy="155564"/>
+            </a:xfrm>
+            <a:prstGeom prst="line">
+              <a:avLst/>
+            </a:prstGeom>
+            <a:ln>
+              <a:solidFill>
+                <a:schemeClr val="tx1"/>
+              </a:solidFill>
+            </a:ln>
+          </p:spPr>
+          <p:style>
+            <a:lnRef idx="1">
+              <a:schemeClr val="accent1"/>
+            </a:lnRef>
+            <a:fillRef idx="0">
+              <a:schemeClr val="accent1"/>
+            </a:fillRef>
+            <a:effectRef idx="0">
+              <a:schemeClr val="accent1"/>
+            </a:effectRef>
+            <a:fontRef idx="minor">
+              <a:schemeClr val="tx1"/>
+            </a:fontRef>
+          </p:style>
+        </p:cxnSp>
+        <p:sp>
+          <p:nvSpPr>
+            <p:cNvPr id="32" name="타원 31"/>
+            <p:cNvSpPr/>
+            <p:nvPr/>
+          </p:nvSpPr>
+          <p:spPr>
+            <a:xfrm>
+              <a:off x="2901384" y="4776900"/>
+              <a:ext cx="993711" cy="351536"/>
+            </a:xfrm>
+            <a:prstGeom prst="ellipse">
+              <a:avLst/>
+            </a:prstGeom>
+            <a:solidFill>
+              <a:schemeClr val="bg1"/>
+            </a:solidFill>
+            <a:ln>
+              <a:solidFill>
+                <a:schemeClr val="tx1"/>
+              </a:solidFill>
+            </a:ln>
+            <a:effectLst/>
+          </p:spPr>
+          <p:style>
+            <a:lnRef idx="2">
+              <a:schemeClr val="accent1">
+                <a:shade val="50000"/>
+              </a:schemeClr>
+            </a:lnRef>
+            <a:fillRef idx="1">
+              <a:schemeClr val="accent1"/>
+            </a:fillRef>
+            <a:effectRef idx="0">
+              <a:schemeClr val="accent1"/>
+            </a:effectRef>
+            <a:fontRef idx="minor">
+              <a:schemeClr val="lt1"/>
+            </a:fontRef>
+          </p:style>
+          <p:txBody>
+            <a:bodyPr rtlCol="0" anchor="ctr"/>
+            <a:lstStyle/>
+            <a:p>
+              <a:pPr algn="ctr"/>
+              <a:r>
+                <a:rPr lang="en-US" sz="1000" dirty="0" smtClean="0">
+                  <a:solidFill>
+                    <a:schemeClr val="tx1"/>
+                  </a:solidFill>
+                </a:rPr>
+                <a:t>N</a:t>
+              </a:r>
+              <a:r>
+                <a:rPr lang="en-US" sz="1000" baseline="-25000" dirty="0" smtClean="0">
+                  <a:solidFill>
+                    <a:schemeClr val="tx1"/>
+                  </a:solidFill>
+                </a:rPr>
+                <a:t>&lt;0,1&gt;</a:t>
+              </a:r>
+              <a:endParaRPr lang="en-US" sz="1000" baseline="-25000" dirty="0">
+                <a:solidFill>
+                  <a:schemeClr val="tx1"/>
+                </a:solidFill>
+              </a:endParaRPr>
+            </a:p>
+          </p:txBody>
+        </p:sp>
+        <p:cxnSp>
+          <p:nvCxnSpPr>
+            <p:cNvPr id="33" name="직선 연결선 32"/>
+            <p:cNvCxnSpPr>
+              <a:stCxn id="24" idx="4"/>
+              <a:endCxn id="32" idx="0"/>
+            </p:cNvCxnSpPr>
+            <p:nvPr/>
+          </p:nvCxnSpPr>
+          <p:spPr>
+            <a:xfrm flipH="1">
+              <a:off x="3398240" y="4621336"/>
+              <a:ext cx="304724" cy="155564"/>
+            </a:xfrm>
+            <a:prstGeom prst="line">
+              <a:avLst/>
+            </a:prstGeom>
+            <a:ln>
+              <a:solidFill>
+                <a:schemeClr val="tx1"/>
+              </a:solidFill>
+            </a:ln>
+          </p:spPr>
+          <p:style>
+            <a:lnRef idx="1">
+              <a:schemeClr val="accent1"/>
+            </a:lnRef>
+            <a:fillRef idx="0">
+              <a:schemeClr val="accent1"/>
+            </a:fillRef>
+            <a:effectRef idx="0">
+              <a:schemeClr val="accent1"/>
+            </a:effectRef>
+            <a:fontRef idx="minor">
+              <a:schemeClr val="tx1"/>
+            </a:fontRef>
+          </p:style>
+        </p:cxnSp>
+        <p:sp>
+          <p:nvSpPr>
+            <p:cNvPr id="34" name="TextBox 33"/>
+            <p:cNvSpPr txBox="1"/>
+            <p:nvPr/>
+          </p:nvSpPr>
+          <p:spPr>
+            <a:xfrm>
+              <a:off x="2812393" y="4194862"/>
+              <a:ext cx="340211" cy="373346"/>
+            </a:xfrm>
+            <a:prstGeom prst="rect">
+              <a:avLst/>
+            </a:prstGeom>
+            <a:noFill/>
+          </p:spPr>
+          <p:txBody>
+            <a:bodyPr wrap="none" rtlCol="0">
+              <a:spAutoFit/>
+            </a:bodyPr>
+            <a:lstStyle/>
+            <a:p>
+              <a:r>
+                <a:rPr lang="en-US" sz="1000" dirty="0" smtClean="0"/>
+                <a:t>…</a:t>
+              </a:r>
+              <a:endParaRPr lang="en-US" sz="1000" dirty="0"/>
+            </a:p>
+          </p:txBody>
+        </p:sp>
+        <p:sp>
+          <p:nvSpPr>
+            <p:cNvPr id="35" name="TextBox 34"/>
+            <p:cNvSpPr txBox="1"/>
+            <p:nvPr/>
+          </p:nvSpPr>
+          <p:spPr>
+            <a:xfrm>
+              <a:off x="2393966" y="4738139"/>
+              <a:ext cx="340211" cy="373346"/>
+            </a:xfrm>
+            <a:prstGeom prst="rect">
+              <a:avLst/>
+            </a:prstGeom>
+            <a:noFill/>
+          </p:spPr>
+          <p:txBody>
+            <a:bodyPr wrap="none" rtlCol="0">
+              <a:spAutoFit/>
+            </a:bodyPr>
+            <a:lstStyle/>
+            <a:p>
+              <a:r>
+                <a:rPr lang="en-US" sz="1000" dirty="0" smtClean="0"/>
+                <a:t>…</a:t>
+              </a:r>
+              <a:endParaRPr lang="en-US" sz="1000" dirty="0"/>
+            </a:p>
+          </p:txBody>
+        </p:sp>
+        <p:sp>
+          <p:nvSpPr>
+            <p:cNvPr id="36" name="타원 35"/>
+            <p:cNvSpPr/>
+            <p:nvPr/>
+          </p:nvSpPr>
+          <p:spPr>
+            <a:xfrm>
+              <a:off x="1818218" y="5308153"/>
+              <a:ext cx="993711" cy="351536"/>
+            </a:xfrm>
+            <a:prstGeom prst="ellipse">
+              <a:avLst/>
+            </a:prstGeom>
+            <a:solidFill>
+              <a:schemeClr val="bg1">
+                <a:lumMod val="85000"/>
+              </a:schemeClr>
+            </a:solidFill>
+            <a:ln>
+              <a:solidFill>
+                <a:schemeClr val="tx1"/>
+              </a:solidFill>
+            </a:ln>
+            <a:effectLst/>
+          </p:spPr>
+          <p:style>
+            <a:lnRef idx="2">
+              <a:schemeClr val="accent1">
+                <a:shade val="50000"/>
+              </a:schemeClr>
+            </a:lnRef>
+            <a:fillRef idx="1">
+              <a:schemeClr val="accent1"/>
+            </a:fillRef>
+            <a:effectRef idx="0">
+              <a:schemeClr val="accent1"/>
+            </a:effectRef>
+            <a:fontRef idx="minor">
+              <a:schemeClr val="lt1"/>
+            </a:fontRef>
+          </p:style>
+          <p:txBody>
+            <a:bodyPr rtlCol="0" anchor="ctr"/>
+            <a:lstStyle/>
+            <a:p>
+              <a:pPr algn="ctr"/>
+              <a:r>
+                <a:rPr lang="en-US" sz="1000" dirty="0" smtClean="0">
+                  <a:solidFill>
+                    <a:schemeClr val="tx1"/>
+                  </a:solidFill>
+                </a:rPr>
+                <a:t>N</a:t>
+              </a:r>
+              <a:r>
+                <a:rPr lang="en-US" sz="1000" baseline="-25000" dirty="0" smtClean="0">
+                  <a:solidFill>
+                    <a:schemeClr val="tx1"/>
+                  </a:solidFill>
+                </a:rPr>
+                <a:t>&lt;1,1&gt;</a:t>
+              </a:r>
+              <a:endParaRPr lang="en-US" sz="1000" baseline="-25000" dirty="0">
+                <a:solidFill>
+                  <a:schemeClr val="tx1"/>
+                </a:solidFill>
+              </a:endParaRPr>
+            </a:p>
+          </p:txBody>
+        </p:sp>
+        <p:cxnSp>
+          <p:nvCxnSpPr>
+            <p:cNvPr id="37" name="직선 연결선 36"/>
+            <p:cNvCxnSpPr>
+              <a:stCxn id="30" idx="4"/>
+              <a:endCxn id="36" idx="0"/>
+            </p:cNvCxnSpPr>
+            <p:nvPr/>
+          </p:nvCxnSpPr>
+          <p:spPr>
+            <a:xfrm>
+              <a:off x="1745883" y="5128436"/>
+              <a:ext cx="569191" cy="179717"/>
+            </a:xfrm>
+            <a:prstGeom prst="line">
+              <a:avLst/>
+            </a:prstGeom>
+            <a:ln>
+              <a:solidFill>
+                <a:schemeClr val="tx1"/>
+              </a:solidFill>
+            </a:ln>
+          </p:spPr>
+          <p:style>
+            <a:lnRef idx="1">
+              <a:schemeClr val="accent1"/>
+            </a:lnRef>
+            <a:fillRef idx="0">
+              <a:schemeClr val="accent1"/>
+            </a:fillRef>
+            <a:effectRef idx="0">
+              <a:schemeClr val="accent1"/>
+            </a:effectRef>
+            <a:fontRef idx="minor">
+              <a:schemeClr val="tx1"/>
+            </a:fontRef>
+          </p:style>
+        </p:cxnSp>
+        <p:sp>
+          <p:nvSpPr>
+            <p:cNvPr id="38" name="TextBox 37"/>
+            <p:cNvSpPr txBox="1"/>
+            <p:nvPr/>
+          </p:nvSpPr>
+          <p:spPr>
+            <a:xfrm>
+              <a:off x="2102037" y="5631781"/>
+              <a:ext cx="340211" cy="373346"/>
+            </a:xfrm>
+            <a:prstGeom prst="rect">
+              <a:avLst/>
+            </a:prstGeom>
+            <a:noFill/>
+          </p:spPr>
+          <p:txBody>
+            <a:bodyPr wrap="none" rtlCol="0">
+              <a:spAutoFit/>
+            </a:bodyPr>
+            <a:lstStyle/>
+            <a:p>
+              <a:r>
+                <a:rPr lang="en-US" sz="1000" dirty="0" smtClean="0"/>
+                <a:t>…</a:t>
+              </a:r>
+              <a:endParaRPr lang="en-US" sz="1000" dirty="0"/>
+            </a:p>
+          </p:txBody>
+        </p:sp>
+      </p:grpSp>
+      <p:grpSp>
+        <p:nvGrpSpPr>
+          <p:cNvPr id="5" name="그룹 4"/>
+          <p:cNvGrpSpPr/>
+          <p:nvPr/>
+        </p:nvGrpSpPr>
+        <p:grpSpPr>
+          <a:xfrm>
+            <a:off x="3401167" y="81768"/>
+            <a:ext cx="2768427" cy="1209739"/>
+            <a:chOff x="5677557" y="3429000"/>
+            <a:chExt cx="3306961" cy="2188912"/>
+          </a:xfrm>
+        </p:grpSpPr>
+        <p:sp>
+          <p:nvSpPr>
+            <p:cNvPr id="39" name="타원 38"/>
+            <p:cNvSpPr/>
+            <p:nvPr/>
+          </p:nvSpPr>
+          <p:spPr>
+            <a:xfrm>
+              <a:off x="6574003" y="3429000"/>
+              <a:ext cx="909437" cy="344892"/>
+            </a:xfrm>
+            <a:prstGeom prst="ellipse">
+              <a:avLst/>
+            </a:prstGeom>
+            <a:solidFill>
+              <a:schemeClr val="bg1"/>
+            </a:solidFill>
+            <a:ln>
+              <a:solidFill>
+                <a:schemeClr val="tx1"/>
+              </a:solidFill>
+            </a:ln>
+            <a:effectLst/>
+          </p:spPr>
+          <p:style>
+            <a:lnRef idx="2">
+              <a:schemeClr val="accent1">
+                <a:shade val="50000"/>
+              </a:schemeClr>
+            </a:lnRef>
+            <a:fillRef idx="1">
+              <a:schemeClr val="accent1"/>
+            </a:fillRef>
+            <a:effectRef idx="0">
+              <a:schemeClr val="accent1"/>
+            </a:effectRef>
+            <a:fontRef idx="minor">
+              <a:schemeClr val="lt1"/>
+            </a:fontRef>
+          </p:style>
+          <p:txBody>
+            <a:bodyPr rtlCol="0" anchor="ctr"/>
+            <a:lstStyle/>
+            <a:p>
+              <a:pPr algn="ctr"/>
+              <a:r>
+                <a:rPr lang="en-US" sz="1000" dirty="0" smtClean="0">
+                  <a:solidFill>
+                    <a:schemeClr val="tx1"/>
+                  </a:solidFill>
+                </a:rPr>
+                <a:t>Root</a:t>
+              </a:r>
+              <a:endParaRPr lang="en-US" sz="1000" dirty="0">
+                <a:solidFill>
+                  <a:schemeClr val="tx1"/>
+                </a:solidFill>
+              </a:endParaRPr>
+            </a:p>
+          </p:txBody>
+        </p:sp>
+        <p:sp>
+          <p:nvSpPr>
+            <p:cNvPr id="40" name="타원 39"/>
+            <p:cNvSpPr/>
+            <p:nvPr/>
+          </p:nvSpPr>
+          <p:spPr>
+            <a:xfrm>
+              <a:off x="5677557" y="4164814"/>
+              <a:ext cx="896446" cy="420932"/>
+            </a:xfrm>
+            <a:prstGeom prst="ellipse">
+              <a:avLst/>
+            </a:prstGeom>
+            <a:solidFill>
+              <a:schemeClr val="bg1">
+                <a:lumMod val="85000"/>
+              </a:schemeClr>
+            </a:solidFill>
+            <a:ln>
+              <a:solidFill>
+                <a:schemeClr val="tx1"/>
+              </a:solidFill>
+            </a:ln>
+            <a:effectLst/>
+          </p:spPr>
+          <p:style>
+            <a:lnRef idx="2">
+              <a:schemeClr val="accent1">
+                <a:shade val="50000"/>
+              </a:schemeClr>
+            </a:lnRef>
+            <a:fillRef idx="1">
+              <a:schemeClr val="accent1"/>
+            </a:fillRef>
+            <a:effectRef idx="0">
+              <a:schemeClr val="accent1"/>
+            </a:effectRef>
+            <a:fontRef idx="minor">
+              <a:schemeClr val="lt1"/>
+            </a:fontRef>
+          </p:style>
+          <p:txBody>
+            <a:bodyPr rtlCol="0" anchor="ctr"/>
+            <a:lstStyle/>
+            <a:p>
+              <a:pPr algn="ctr"/>
+              <a:r>
+                <a:rPr lang="en-US" sz="1000" dirty="0" smtClean="0">
+                  <a:solidFill>
+                    <a:schemeClr val="tx1"/>
+                  </a:solidFill>
+                </a:rPr>
+                <a:t>N</a:t>
+              </a:r>
+              <a:r>
+                <a:rPr lang="en-US" sz="1000" baseline="-25000" dirty="0" smtClean="0">
+                  <a:solidFill>
+                    <a:schemeClr val="tx1"/>
+                  </a:solidFill>
+                </a:rPr>
+                <a:t>&lt;0,1&gt;</a:t>
+              </a:r>
+              <a:endParaRPr lang="en-US" sz="1000" baseline="-25000" dirty="0">
+                <a:solidFill>
+                  <a:schemeClr val="tx1"/>
+                </a:solidFill>
+              </a:endParaRPr>
+            </a:p>
+          </p:txBody>
+        </p:sp>
+        <p:sp>
+          <p:nvSpPr>
+            <p:cNvPr id="41" name="타원 40"/>
+            <p:cNvSpPr/>
+            <p:nvPr/>
+          </p:nvSpPr>
+          <p:spPr>
+            <a:xfrm>
+              <a:off x="6818075" y="4164814"/>
+              <a:ext cx="896446" cy="420932"/>
+            </a:xfrm>
+            <a:prstGeom prst="ellipse">
+              <a:avLst/>
+            </a:prstGeom>
+            <a:solidFill>
+              <a:schemeClr val="bg1">
+                <a:lumMod val="85000"/>
+              </a:schemeClr>
+            </a:solidFill>
+            <a:ln>
+              <a:solidFill>
+                <a:schemeClr val="tx1"/>
+              </a:solidFill>
+            </a:ln>
+            <a:effectLst/>
+          </p:spPr>
+          <p:style>
+            <a:lnRef idx="2">
+              <a:schemeClr val="accent1">
+                <a:shade val="50000"/>
+              </a:schemeClr>
+            </a:lnRef>
+            <a:fillRef idx="1">
+              <a:schemeClr val="accent1"/>
+            </a:fillRef>
+            <a:effectRef idx="0">
+              <a:schemeClr val="accent1"/>
+            </a:effectRef>
+            <a:fontRef idx="minor">
+              <a:schemeClr val="lt1"/>
+            </a:fontRef>
+          </p:style>
+          <p:txBody>
+            <a:bodyPr rtlCol="0" anchor="ctr"/>
+            <a:lstStyle/>
+            <a:p>
+              <a:pPr algn="ctr"/>
+              <a:r>
+                <a:rPr lang="en-US" sz="1000" dirty="0" smtClean="0">
+                  <a:solidFill>
+                    <a:schemeClr val="tx1"/>
+                  </a:solidFill>
+                </a:rPr>
+                <a:t>N</a:t>
+              </a:r>
+              <a:r>
+                <a:rPr lang="en-US" sz="1000" baseline="-25000" dirty="0" smtClean="0">
+                  <a:solidFill>
+                    <a:schemeClr val="tx1"/>
+                  </a:solidFill>
+                </a:rPr>
+                <a:t>&lt;0,1&gt;</a:t>
+              </a:r>
+              <a:endParaRPr lang="en-US" sz="1000" baseline="-25000" dirty="0">
+                <a:solidFill>
+                  <a:schemeClr val="tx1"/>
+                </a:solidFill>
+              </a:endParaRPr>
+            </a:p>
+          </p:txBody>
+        </p:sp>
+        <p:sp>
+          <p:nvSpPr>
+            <p:cNvPr id="42" name="타원 41"/>
+            <p:cNvSpPr/>
+            <p:nvPr/>
+          </p:nvSpPr>
+          <p:spPr>
+            <a:xfrm>
+              <a:off x="8052161" y="4164814"/>
+              <a:ext cx="932357" cy="420932"/>
+            </a:xfrm>
+            <a:prstGeom prst="ellipse">
+              <a:avLst/>
+            </a:prstGeom>
+            <a:solidFill>
+              <a:schemeClr val="bg1">
+                <a:lumMod val="85000"/>
+              </a:schemeClr>
+            </a:solidFill>
+            <a:ln>
+              <a:solidFill>
+                <a:schemeClr val="tx1"/>
+              </a:solidFill>
+            </a:ln>
+            <a:effectLst/>
+          </p:spPr>
+          <p:style>
+            <a:lnRef idx="2">
+              <a:schemeClr val="accent1">
+                <a:shade val="50000"/>
+              </a:schemeClr>
+            </a:lnRef>
+            <a:fillRef idx="1">
+              <a:schemeClr val="accent1"/>
+            </a:fillRef>
+            <a:effectRef idx="0">
+              <a:schemeClr val="accent1"/>
+            </a:effectRef>
+            <a:fontRef idx="minor">
+              <a:schemeClr val="lt1"/>
+            </a:fontRef>
+          </p:style>
+          <p:txBody>
+            <a:bodyPr rtlCol="0" anchor="ctr"/>
+            <a:lstStyle/>
+            <a:p>
+              <a:pPr algn="ctr"/>
+              <a:r>
+                <a:rPr lang="en-US" sz="1000" dirty="0" smtClean="0">
+                  <a:solidFill>
+                    <a:schemeClr val="tx1"/>
+                  </a:solidFill>
+                </a:rPr>
+                <a:t>N</a:t>
+              </a:r>
+              <a:r>
+                <a:rPr lang="en-US" sz="1000" baseline="-25000" dirty="0" smtClean="0">
+                  <a:solidFill>
+                    <a:schemeClr val="tx1"/>
+                  </a:solidFill>
+                </a:rPr>
+                <a:t>&lt;m,-&gt;</a:t>
+              </a:r>
+              <a:endParaRPr lang="en-US" sz="1000" baseline="-25000" dirty="0">
+                <a:solidFill>
+                  <a:schemeClr val="tx1"/>
+                </a:solidFill>
+              </a:endParaRPr>
+            </a:p>
+          </p:txBody>
+        </p:sp>
+        <p:cxnSp>
+          <p:nvCxnSpPr>
+            <p:cNvPr id="43" name="직선 연결선 42"/>
+            <p:cNvCxnSpPr>
+              <a:stCxn id="39" idx="4"/>
+              <a:endCxn id="40" idx="0"/>
+            </p:cNvCxnSpPr>
+            <p:nvPr/>
+          </p:nvCxnSpPr>
+          <p:spPr>
+            <a:xfrm flipH="1">
+              <a:off x="6125781" y="3773892"/>
+              <a:ext cx="902941" cy="390922"/>
+            </a:xfrm>
+            <a:prstGeom prst="line">
+              <a:avLst/>
+            </a:prstGeom>
+            <a:ln>
+              <a:solidFill>
+                <a:schemeClr val="tx1"/>
+              </a:solidFill>
+            </a:ln>
+          </p:spPr>
+          <p:style>
+            <a:lnRef idx="1">
+              <a:schemeClr val="accent1"/>
+            </a:lnRef>
+            <a:fillRef idx="0">
+              <a:schemeClr val="accent1"/>
+            </a:fillRef>
+            <a:effectRef idx="0">
+              <a:schemeClr val="accent1"/>
+            </a:effectRef>
+            <a:fontRef idx="minor">
+              <a:schemeClr val="tx1"/>
+            </a:fontRef>
+          </p:style>
+        </p:cxnSp>
+        <p:cxnSp>
+          <p:nvCxnSpPr>
+            <p:cNvPr id="44" name="직선 연결선 43"/>
+            <p:cNvCxnSpPr>
+              <a:stCxn id="39" idx="4"/>
+              <a:endCxn id="41" idx="0"/>
+            </p:cNvCxnSpPr>
+            <p:nvPr/>
+          </p:nvCxnSpPr>
+          <p:spPr>
+            <a:xfrm>
+              <a:off x="7028722" y="3773892"/>
+              <a:ext cx="237577" cy="390922"/>
+            </a:xfrm>
+            <a:prstGeom prst="line">
+              <a:avLst/>
+            </a:prstGeom>
+            <a:ln>
+              <a:solidFill>
+                <a:schemeClr val="tx1"/>
+              </a:solidFill>
+            </a:ln>
+          </p:spPr>
+          <p:style>
+            <a:lnRef idx="1">
+              <a:schemeClr val="accent1"/>
+            </a:lnRef>
+            <a:fillRef idx="0">
+              <a:schemeClr val="accent1"/>
+            </a:fillRef>
+            <a:effectRef idx="0">
+              <a:schemeClr val="accent1"/>
+            </a:effectRef>
+            <a:fontRef idx="minor">
+              <a:schemeClr val="tx1"/>
+            </a:fontRef>
+          </p:style>
+        </p:cxnSp>
+        <p:cxnSp>
+          <p:nvCxnSpPr>
+            <p:cNvPr id="45" name="직선 연결선 44"/>
+            <p:cNvCxnSpPr>
+              <a:stCxn id="39" idx="4"/>
+              <a:endCxn id="42" idx="0"/>
+            </p:cNvCxnSpPr>
+            <p:nvPr/>
+          </p:nvCxnSpPr>
+          <p:spPr>
+            <a:xfrm>
+              <a:off x="7028722" y="3773892"/>
+              <a:ext cx="1489618" cy="390922"/>
+            </a:xfrm>
+            <a:prstGeom prst="line">
+              <a:avLst/>
+            </a:prstGeom>
+            <a:ln>
+              <a:solidFill>
+                <a:schemeClr val="tx1"/>
+              </a:solidFill>
+            </a:ln>
+          </p:spPr>
+          <p:style>
+            <a:lnRef idx="1">
+              <a:schemeClr val="accent1"/>
+            </a:lnRef>
+            <a:fillRef idx="0">
+              <a:schemeClr val="accent1"/>
+            </a:fillRef>
+            <a:effectRef idx="0">
+              <a:schemeClr val="accent1"/>
+            </a:effectRef>
+            <a:fontRef idx="minor">
+              <a:schemeClr val="tx1"/>
+            </a:fontRef>
+          </p:style>
+        </p:cxnSp>
+        <p:sp>
+          <p:nvSpPr>
+            <p:cNvPr id="46" name="TextBox 45"/>
+            <p:cNvSpPr txBox="1"/>
+            <p:nvPr/>
+          </p:nvSpPr>
+          <p:spPr>
+            <a:xfrm>
+              <a:off x="7714939" y="4075082"/>
+              <a:ext cx="336073" cy="445514"/>
+            </a:xfrm>
+            <a:prstGeom prst="rect">
+              <a:avLst/>
+            </a:prstGeom>
+            <a:noFill/>
+          </p:spPr>
+          <p:txBody>
+            <a:bodyPr wrap="none" rtlCol="0">
+              <a:spAutoFit/>
+            </a:bodyPr>
+            <a:lstStyle/>
+            <a:p>
+              <a:r>
+                <a:rPr lang="en-US" sz="1000" dirty="0" smtClean="0"/>
+                <a:t>…</a:t>
+              </a:r>
+              <a:endParaRPr lang="en-US" sz="1000" dirty="0"/>
+            </a:p>
+          </p:txBody>
+        </p:sp>
+        <p:grpSp>
+          <p:nvGrpSpPr>
+            <p:cNvPr id="47" name="그룹 46"/>
+            <p:cNvGrpSpPr/>
+            <p:nvPr/>
+          </p:nvGrpSpPr>
+          <p:grpSpPr>
+            <a:xfrm>
+              <a:off x="5966411" y="4581128"/>
+              <a:ext cx="220713" cy="1036784"/>
+              <a:chOff x="1951074" y="5510892"/>
+              <a:chExt cx="220713" cy="1036784"/>
+            </a:xfrm>
+          </p:grpSpPr>
+          <p:sp>
+            <p:nvSpPr>
+              <p:cNvPr id="48" name="자유형 47"/>
+              <p:cNvSpPr/>
+              <p:nvPr/>
+            </p:nvSpPr>
+            <p:spPr>
+              <a:xfrm>
+                <a:off x="1951074" y="5510892"/>
+                <a:ext cx="220713" cy="1004207"/>
+              </a:xfrm>
+              <a:custGeom>
+                <a:avLst/>
+                <a:gdLst>
+                  <a:gd name="connsiteX0" fmla="*/ 212462 w 327899"/>
+                  <a:gd name="connsiteY0" fmla="*/ 0 h 971550"/>
+                  <a:gd name="connsiteX1" fmla="*/ 122655 w 327899"/>
+                  <a:gd name="connsiteY1" fmla="*/ 16329 h 971550"/>
+                  <a:gd name="connsiteX2" fmla="*/ 98162 w 327899"/>
+                  <a:gd name="connsiteY2" fmla="*/ 32657 h 971550"/>
+                  <a:gd name="connsiteX3" fmla="*/ 65505 w 327899"/>
+                  <a:gd name="connsiteY3" fmla="*/ 48986 h 971550"/>
+                  <a:gd name="connsiteX4" fmla="*/ 16519 w 327899"/>
+                  <a:gd name="connsiteY4" fmla="*/ 81643 h 971550"/>
+                  <a:gd name="connsiteX5" fmla="*/ 16519 w 327899"/>
+                  <a:gd name="connsiteY5" fmla="*/ 138793 h 971550"/>
+                  <a:gd name="connsiteX6" fmla="*/ 65505 w 327899"/>
+                  <a:gd name="connsiteY6" fmla="*/ 171450 h 971550"/>
+                  <a:gd name="connsiteX7" fmla="*/ 89997 w 327899"/>
+                  <a:gd name="connsiteY7" fmla="*/ 187779 h 971550"/>
+                  <a:gd name="connsiteX8" fmla="*/ 147147 w 327899"/>
+                  <a:gd name="connsiteY8" fmla="*/ 212271 h 971550"/>
+                  <a:gd name="connsiteX9" fmla="*/ 212462 w 327899"/>
+                  <a:gd name="connsiteY9" fmla="*/ 244929 h 971550"/>
+                  <a:gd name="connsiteX10" fmla="*/ 196133 w 327899"/>
+                  <a:gd name="connsiteY10" fmla="*/ 302079 h 971550"/>
+                  <a:gd name="connsiteX11" fmla="*/ 171640 w 327899"/>
+                  <a:gd name="connsiteY11" fmla="*/ 326571 h 971550"/>
+                  <a:gd name="connsiteX12" fmla="*/ 114490 w 327899"/>
+                  <a:gd name="connsiteY12" fmla="*/ 359229 h 971550"/>
+                  <a:gd name="connsiteX13" fmla="*/ 89997 w 327899"/>
+                  <a:gd name="connsiteY13" fmla="*/ 367393 h 971550"/>
+                  <a:gd name="connsiteX14" fmla="*/ 65505 w 327899"/>
+                  <a:gd name="connsiteY14" fmla="*/ 383721 h 971550"/>
+                  <a:gd name="connsiteX15" fmla="*/ 32847 w 327899"/>
+                  <a:gd name="connsiteY15" fmla="*/ 391886 h 971550"/>
+                  <a:gd name="connsiteX16" fmla="*/ 8355 w 327899"/>
+                  <a:gd name="connsiteY16" fmla="*/ 400050 h 971550"/>
+                  <a:gd name="connsiteX17" fmla="*/ 190 w 327899"/>
+                  <a:gd name="connsiteY17" fmla="*/ 424543 h 971550"/>
+                  <a:gd name="connsiteX18" fmla="*/ 65505 w 327899"/>
+                  <a:gd name="connsiteY18" fmla="*/ 481693 h 971550"/>
+                  <a:gd name="connsiteX19" fmla="*/ 98162 w 327899"/>
+                  <a:gd name="connsiteY19" fmla="*/ 498021 h 971550"/>
+                  <a:gd name="connsiteX20" fmla="*/ 122655 w 327899"/>
+                  <a:gd name="connsiteY20" fmla="*/ 514350 h 971550"/>
+                  <a:gd name="connsiteX21" fmla="*/ 155312 w 327899"/>
+                  <a:gd name="connsiteY21" fmla="*/ 522514 h 971550"/>
+                  <a:gd name="connsiteX22" fmla="*/ 236955 w 327899"/>
+                  <a:gd name="connsiteY22" fmla="*/ 538843 h 971550"/>
+                  <a:gd name="connsiteX23" fmla="*/ 302269 w 327899"/>
+                  <a:gd name="connsiteY23" fmla="*/ 547007 h 971550"/>
+                  <a:gd name="connsiteX24" fmla="*/ 326762 w 327899"/>
+                  <a:gd name="connsiteY24" fmla="*/ 555171 h 971550"/>
+                  <a:gd name="connsiteX25" fmla="*/ 318597 w 327899"/>
+                  <a:gd name="connsiteY25" fmla="*/ 579664 h 971550"/>
+                  <a:gd name="connsiteX26" fmla="*/ 269612 w 327899"/>
+                  <a:gd name="connsiteY26" fmla="*/ 628650 h 971550"/>
+                  <a:gd name="connsiteX27" fmla="*/ 220626 w 327899"/>
+                  <a:gd name="connsiteY27" fmla="*/ 661307 h 971550"/>
+                  <a:gd name="connsiteX28" fmla="*/ 138983 w 327899"/>
+                  <a:gd name="connsiteY28" fmla="*/ 685800 h 971550"/>
+                  <a:gd name="connsiteX29" fmla="*/ 114490 w 327899"/>
+                  <a:gd name="connsiteY29" fmla="*/ 693964 h 971550"/>
+                  <a:gd name="connsiteX30" fmla="*/ 81833 w 327899"/>
+                  <a:gd name="connsiteY30" fmla="*/ 702129 h 971550"/>
+                  <a:gd name="connsiteX31" fmla="*/ 57340 w 327899"/>
+                  <a:gd name="connsiteY31" fmla="*/ 718457 h 971550"/>
+                  <a:gd name="connsiteX32" fmla="*/ 32847 w 327899"/>
+                  <a:gd name="connsiteY32" fmla="*/ 726621 h 971550"/>
+                  <a:gd name="connsiteX33" fmla="*/ 16519 w 327899"/>
+                  <a:gd name="connsiteY33" fmla="*/ 751114 h 971550"/>
+                  <a:gd name="connsiteX34" fmla="*/ 24683 w 327899"/>
+                  <a:gd name="connsiteY34" fmla="*/ 791936 h 971550"/>
+                  <a:gd name="connsiteX35" fmla="*/ 81833 w 327899"/>
+                  <a:gd name="connsiteY35" fmla="*/ 824593 h 971550"/>
+                  <a:gd name="connsiteX36" fmla="*/ 122655 w 327899"/>
+                  <a:gd name="connsiteY36" fmla="*/ 832757 h 971550"/>
+                  <a:gd name="connsiteX37" fmla="*/ 204297 w 327899"/>
+                  <a:gd name="connsiteY37" fmla="*/ 849086 h 971550"/>
+                  <a:gd name="connsiteX38" fmla="*/ 171640 w 327899"/>
+                  <a:gd name="connsiteY38" fmla="*/ 922564 h 971550"/>
+                  <a:gd name="connsiteX39" fmla="*/ 163476 w 327899"/>
+                  <a:gd name="connsiteY39" fmla="*/ 971550 h 971550"/>
+                  <a:gd name="connsiteX0" fmla="*/ 212462 w 327899"/>
+                  <a:gd name="connsiteY0" fmla="*/ 0 h 971550"/>
+                  <a:gd name="connsiteX1" fmla="*/ 122655 w 327899"/>
+                  <a:gd name="connsiteY1" fmla="*/ 16329 h 971550"/>
+                  <a:gd name="connsiteX2" fmla="*/ 98162 w 327899"/>
+                  <a:gd name="connsiteY2" fmla="*/ 32657 h 971550"/>
+                  <a:gd name="connsiteX3" fmla="*/ 65505 w 327899"/>
+                  <a:gd name="connsiteY3" fmla="*/ 48986 h 971550"/>
+                  <a:gd name="connsiteX4" fmla="*/ 16519 w 327899"/>
+                  <a:gd name="connsiteY4" fmla="*/ 81643 h 971550"/>
+                  <a:gd name="connsiteX5" fmla="*/ 16519 w 327899"/>
+                  <a:gd name="connsiteY5" fmla="*/ 138793 h 971550"/>
+                  <a:gd name="connsiteX6" fmla="*/ 65505 w 327899"/>
+                  <a:gd name="connsiteY6" fmla="*/ 171450 h 971550"/>
+                  <a:gd name="connsiteX7" fmla="*/ 89997 w 327899"/>
+                  <a:gd name="connsiteY7" fmla="*/ 187779 h 971550"/>
+                  <a:gd name="connsiteX8" fmla="*/ 147147 w 327899"/>
+                  <a:gd name="connsiteY8" fmla="*/ 212271 h 971550"/>
+                  <a:gd name="connsiteX9" fmla="*/ 212462 w 327899"/>
+                  <a:gd name="connsiteY9" fmla="*/ 244929 h 971550"/>
+                  <a:gd name="connsiteX10" fmla="*/ 196133 w 327899"/>
+                  <a:gd name="connsiteY10" fmla="*/ 302079 h 971550"/>
+                  <a:gd name="connsiteX11" fmla="*/ 171640 w 327899"/>
+                  <a:gd name="connsiteY11" fmla="*/ 326571 h 971550"/>
+                  <a:gd name="connsiteX12" fmla="*/ 114490 w 327899"/>
+                  <a:gd name="connsiteY12" fmla="*/ 359229 h 971550"/>
+                  <a:gd name="connsiteX13" fmla="*/ 89997 w 327899"/>
+                  <a:gd name="connsiteY13" fmla="*/ 367393 h 971550"/>
+                  <a:gd name="connsiteX14" fmla="*/ 65505 w 327899"/>
+                  <a:gd name="connsiteY14" fmla="*/ 383721 h 971550"/>
+                  <a:gd name="connsiteX15" fmla="*/ 32847 w 327899"/>
+                  <a:gd name="connsiteY15" fmla="*/ 391886 h 971550"/>
+                  <a:gd name="connsiteX16" fmla="*/ 8355 w 327899"/>
+                  <a:gd name="connsiteY16" fmla="*/ 400050 h 971550"/>
+                  <a:gd name="connsiteX17" fmla="*/ 190 w 327899"/>
+                  <a:gd name="connsiteY17" fmla="*/ 424543 h 971550"/>
+                  <a:gd name="connsiteX18" fmla="*/ 65505 w 327899"/>
+                  <a:gd name="connsiteY18" fmla="*/ 481693 h 971550"/>
+                  <a:gd name="connsiteX19" fmla="*/ 98162 w 327899"/>
+                  <a:gd name="connsiteY19" fmla="*/ 498021 h 971550"/>
+                  <a:gd name="connsiteX20" fmla="*/ 122655 w 327899"/>
+                  <a:gd name="connsiteY20" fmla="*/ 514350 h 971550"/>
+                  <a:gd name="connsiteX21" fmla="*/ 155312 w 327899"/>
+                  <a:gd name="connsiteY21" fmla="*/ 522514 h 971550"/>
+                  <a:gd name="connsiteX22" fmla="*/ 236955 w 327899"/>
+                  <a:gd name="connsiteY22" fmla="*/ 538843 h 971550"/>
+                  <a:gd name="connsiteX23" fmla="*/ 302269 w 327899"/>
+                  <a:gd name="connsiteY23" fmla="*/ 547007 h 971550"/>
+                  <a:gd name="connsiteX24" fmla="*/ 326762 w 327899"/>
+                  <a:gd name="connsiteY24" fmla="*/ 555171 h 971550"/>
+                  <a:gd name="connsiteX25" fmla="*/ 318597 w 327899"/>
+                  <a:gd name="connsiteY25" fmla="*/ 579664 h 971550"/>
+                  <a:gd name="connsiteX26" fmla="*/ 269612 w 327899"/>
+                  <a:gd name="connsiteY26" fmla="*/ 628650 h 971550"/>
+                  <a:gd name="connsiteX27" fmla="*/ 179805 w 327899"/>
+                  <a:gd name="connsiteY27" fmla="*/ 653142 h 971550"/>
+                  <a:gd name="connsiteX28" fmla="*/ 138983 w 327899"/>
+                  <a:gd name="connsiteY28" fmla="*/ 685800 h 971550"/>
+                  <a:gd name="connsiteX29" fmla="*/ 114490 w 327899"/>
+                  <a:gd name="connsiteY29" fmla="*/ 693964 h 971550"/>
+                  <a:gd name="connsiteX30" fmla="*/ 81833 w 327899"/>
+                  <a:gd name="connsiteY30" fmla="*/ 702129 h 971550"/>
+                  <a:gd name="connsiteX31" fmla="*/ 57340 w 327899"/>
+                  <a:gd name="connsiteY31" fmla="*/ 718457 h 971550"/>
+                  <a:gd name="connsiteX32" fmla="*/ 32847 w 327899"/>
+                  <a:gd name="connsiteY32" fmla="*/ 726621 h 971550"/>
+                  <a:gd name="connsiteX33" fmla="*/ 16519 w 327899"/>
+                  <a:gd name="connsiteY33" fmla="*/ 751114 h 971550"/>
+                  <a:gd name="connsiteX34" fmla="*/ 24683 w 327899"/>
+                  <a:gd name="connsiteY34" fmla="*/ 791936 h 971550"/>
+                  <a:gd name="connsiteX35" fmla="*/ 81833 w 327899"/>
+                  <a:gd name="connsiteY35" fmla="*/ 824593 h 971550"/>
+                  <a:gd name="connsiteX36" fmla="*/ 122655 w 327899"/>
+                  <a:gd name="connsiteY36" fmla="*/ 832757 h 971550"/>
+                  <a:gd name="connsiteX37" fmla="*/ 204297 w 327899"/>
+                  <a:gd name="connsiteY37" fmla="*/ 849086 h 971550"/>
+                  <a:gd name="connsiteX38" fmla="*/ 171640 w 327899"/>
+                  <a:gd name="connsiteY38" fmla="*/ 922564 h 971550"/>
+                  <a:gd name="connsiteX39" fmla="*/ 163476 w 327899"/>
+                  <a:gd name="connsiteY39" fmla="*/ 971550 h 971550"/>
+                  <a:gd name="connsiteX0" fmla="*/ 212462 w 331271"/>
+                  <a:gd name="connsiteY0" fmla="*/ 0 h 971550"/>
+                  <a:gd name="connsiteX1" fmla="*/ 122655 w 331271"/>
+                  <a:gd name="connsiteY1" fmla="*/ 16329 h 971550"/>
+                  <a:gd name="connsiteX2" fmla="*/ 98162 w 331271"/>
+                  <a:gd name="connsiteY2" fmla="*/ 32657 h 971550"/>
+                  <a:gd name="connsiteX3" fmla="*/ 65505 w 331271"/>
+                  <a:gd name="connsiteY3" fmla="*/ 48986 h 971550"/>
+                  <a:gd name="connsiteX4" fmla="*/ 16519 w 331271"/>
+                  <a:gd name="connsiteY4" fmla="*/ 81643 h 971550"/>
+                  <a:gd name="connsiteX5" fmla="*/ 16519 w 331271"/>
+                  <a:gd name="connsiteY5" fmla="*/ 138793 h 971550"/>
+                  <a:gd name="connsiteX6" fmla="*/ 65505 w 331271"/>
+                  <a:gd name="connsiteY6" fmla="*/ 171450 h 971550"/>
+                  <a:gd name="connsiteX7" fmla="*/ 89997 w 331271"/>
+                  <a:gd name="connsiteY7" fmla="*/ 187779 h 971550"/>
+                  <a:gd name="connsiteX8" fmla="*/ 147147 w 331271"/>
+                  <a:gd name="connsiteY8" fmla="*/ 212271 h 971550"/>
+                  <a:gd name="connsiteX9" fmla="*/ 212462 w 331271"/>
+                  <a:gd name="connsiteY9" fmla="*/ 244929 h 971550"/>
+                  <a:gd name="connsiteX10" fmla="*/ 196133 w 331271"/>
+                  <a:gd name="connsiteY10" fmla="*/ 302079 h 971550"/>
+                  <a:gd name="connsiteX11" fmla="*/ 171640 w 331271"/>
+                  <a:gd name="connsiteY11" fmla="*/ 326571 h 971550"/>
+                  <a:gd name="connsiteX12" fmla="*/ 114490 w 331271"/>
+                  <a:gd name="connsiteY12" fmla="*/ 359229 h 971550"/>
+                  <a:gd name="connsiteX13" fmla="*/ 89997 w 331271"/>
+                  <a:gd name="connsiteY13" fmla="*/ 367393 h 971550"/>
+                  <a:gd name="connsiteX14" fmla="*/ 65505 w 331271"/>
+                  <a:gd name="connsiteY14" fmla="*/ 383721 h 971550"/>
+                  <a:gd name="connsiteX15" fmla="*/ 32847 w 331271"/>
+                  <a:gd name="connsiteY15" fmla="*/ 391886 h 971550"/>
+                  <a:gd name="connsiteX16" fmla="*/ 8355 w 331271"/>
+                  <a:gd name="connsiteY16" fmla="*/ 400050 h 971550"/>
+                  <a:gd name="connsiteX17" fmla="*/ 190 w 331271"/>
+                  <a:gd name="connsiteY17" fmla="*/ 424543 h 971550"/>
+                  <a:gd name="connsiteX18" fmla="*/ 65505 w 331271"/>
+                  <a:gd name="connsiteY18" fmla="*/ 481693 h 971550"/>
+                  <a:gd name="connsiteX19" fmla="*/ 98162 w 331271"/>
+                  <a:gd name="connsiteY19" fmla="*/ 498021 h 971550"/>
+                  <a:gd name="connsiteX20" fmla="*/ 122655 w 331271"/>
+                  <a:gd name="connsiteY20" fmla="*/ 514350 h 971550"/>
+                  <a:gd name="connsiteX21" fmla="*/ 155312 w 331271"/>
+                  <a:gd name="connsiteY21" fmla="*/ 522514 h 971550"/>
+                  <a:gd name="connsiteX22" fmla="*/ 236955 w 331271"/>
+                  <a:gd name="connsiteY22" fmla="*/ 538843 h 971550"/>
+                  <a:gd name="connsiteX23" fmla="*/ 302269 w 331271"/>
+                  <a:gd name="connsiteY23" fmla="*/ 547007 h 971550"/>
+                  <a:gd name="connsiteX24" fmla="*/ 326762 w 331271"/>
+                  <a:gd name="connsiteY24" fmla="*/ 555171 h 971550"/>
+                  <a:gd name="connsiteX25" fmla="*/ 204297 w 331271"/>
+                  <a:gd name="connsiteY25" fmla="*/ 620486 h 971550"/>
+                  <a:gd name="connsiteX26" fmla="*/ 269612 w 331271"/>
+                  <a:gd name="connsiteY26" fmla="*/ 628650 h 971550"/>
+                  <a:gd name="connsiteX27" fmla="*/ 179805 w 331271"/>
+                  <a:gd name="connsiteY27" fmla="*/ 653142 h 971550"/>
+                  <a:gd name="connsiteX28" fmla="*/ 138983 w 331271"/>
+                  <a:gd name="connsiteY28" fmla="*/ 685800 h 971550"/>
+                  <a:gd name="connsiteX29" fmla="*/ 114490 w 331271"/>
+                  <a:gd name="connsiteY29" fmla="*/ 693964 h 971550"/>
+                  <a:gd name="connsiteX30" fmla="*/ 81833 w 331271"/>
+                  <a:gd name="connsiteY30" fmla="*/ 702129 h 971550"/>
+                  <a:gd name="connsiteX31" fmla="*/ 57340 w 331271"/>
+                  <a:gd name="connsiteY31" fmla="*/ 718457 h 971550"/>
+                  <a:gd name="connsiteX32" fmla="*/ 32847 w 331271"/>
+                  <a:gd name="connsiteY32" fmla="*/ 726621 h 971550"/>
+                  <a:gd name="connsiteX33" fmla="*/ 16519 w 331271"/>
+                  <a:gd name="connsiteY33" fmla="*/ 751114 h 971550"/>
+                  <a:gd name="connsiteX34" fmla="*/ 24683 w 331271"/>
+                  <a:gd name="connsiteY34" fmla="*/ 791936 h 971550"/>
+                  <a:gd name="connsiteX35" fmla="*/ 81833 w 331271"/>
+                  <a:gd name="connsiteY35" fmla="*/ 824593 h 971550"/>
+                  <a:gd name="connsiteX36" fmla="*/ 122655 w 331271"/>
+                  <a:gd name="connsiteY36" fmla="*/ 832757 h 971550"/>
+                  <a:gd name="connsiteX37" fmla="*/ 204297 w 331271"/>
+                  <a:gd name="connsiteY37" fmla="*/ 849086 h 971550"/>
+                  <a:gd name="connsiteX38" fmla="*/ 171640 w 331271"/>
+                  <a:gd name="connsiteY38" fmla="*/ 922564 h 971550"/>
+                  <a:gd name="connsiteX39" fmla="*/ 163476 w 331271"/>
+                  <a:gd name="connsiteY39" fmla="*/ 971550 h 971550"/>
+                  <a:gd name="connsiteX0" fmla="*/ 212462 w 302899"/>
+                  <a:gd name="connsiteY0" fmla="*/ 0 h 971550"/>
+                  <a:gd name="connsiteX1" fmla="*/ 122655 w 302899"/>
+                  <a:gd name="connsiteY1" fmla="*/ 16329 h 971550"/>
+                  <a:gd name="connsiteX2" fmla="*/ 98162 w 302899"/>
+                  <a:gd name="connsiteY2" fmla="*/ 32657 h 971550"/>
+                  <a:gd name="connsiteX3" fmla="*/ 65505 w 302899"/>
+                  <a:gd name="connsiteY3" fmla="*/ 48986 h 971550"/>
+                  <a:gd name="connsiteX4" fmla="*/ 16519 w 302899"/>
+                  <a:gd name="connsiteY4" fmla="*/ 81643 h 971550"/>
+                  <a:gd name="connsiteX5" fmla="*/ 16519 w 302899"/>
+                  <a:gd name="connsiteY5" fmla="*/ 138793 h 971550"/>
+                  <a:gd name="connsiteX6" fmla="*/ 65505 w 302899"/>
+                  <a:gd name="connsiteY6" fmla="*/ 171450 h 971550"/>
+                  <a:gd name="connsiteX7" fmla="*/ 89997 w 302899"/>
+                  <a:gd name="connsiteY7" fmla="*/ 187779 h 971550"/>
+                  <a:gd name="connsiteX8" fmla="*/ 147147 w 302899"/>
+                  <a:gd name="connsiteY8" fmla="*/ 212271 h 971550"/>
+                  <a:gd name="connsiteX9" fmla="*/ 212462 w 302899"/>
+                  <a:gd name="connsiteY9" fmla="*/ 244929 h 971550"/>
+                  <a:gd name="connsiteX10" fmla="*/ 196133 w 302899"/>
+                  <a:gd name="connsiteY10" fmla="*/ 302079 h 971550"/>
+                  <a:gd name="connsiteX11" fmla="*/ 171640 w 302899"/>
+                  <a:gd name="connsiteY11" fmla="*/ 326571 h 971550"/>
+                  <a:gd name="connsiteX12" fmla="*/ 114490 w 302899"/>
+                  <a:gd name="connsiteY12" fmla="*/ 359229 h 971550"/>
+                  <a:gd name="connsiteX13" fmla="*/ 89997 w 302899"/>
+                  <a:gd name="connsiteY13" fmla="*/ 367393 h 971550"/>
+                  <a:gd name="connsiteX14" fmla="*/ 65505 w 302899"/>
+                  <a:gd name="connsiteY14" fmla="*/ 383721 h 971550"/>
+                  <a:gd name="connsiteX15" fmla="*/ 32847 w 302899"/>
+                  <a:gd name="connsiteY15" fmla="*/ 391886 h 971550"/>
+                  <a:gd name="connsiteX16" fmla="*/ 8355 w 302899"/>
+                  <a:gd name="connsiteY16" fmla="*/ 400050 h 971550"/>
+                  <a:gd name="connsiteX17" fmla="*/ 190 w 302899"/>
+                  <a:gd name="connsiteY17" fmla="*/ 424543 h 971550"/>
+                  <a:gd name="connsiteX18" fmla="*/ 65505 w 302899"/>
+                  <a:gd name="connsiteY18" fmla="*/ 481693 h 971550"/>
+                  <a:gd name="connsiteX19" fmla="*/ 98162 w 302899"/>
+                  <a:gd name="connsiteY19" fmla="*/ 498021 h 971550"/>
+                  <a:gd name="connsiteX20" fmla="*/ 122655 w 302899"/>
+                  <a:gd name="connsiteY20" fmla="*/ 514350 h 971550"/>
+                  <a:gd name="connsiteX21" fmla="*/ 155312 w 302899"/>
+                  <a:gd name="connsiteY21" fmla="*/ 522514 h 971550"/>
+                  <a:gd name="connsiteX22" fmla="*/ 236955 w 302899"/>
+                  <a:gd name="connsiteY22" fmla="*/ 538843 h 971550"/>
+                  <a:gd name="connsiteX23" fmla="*/ 302269 w 302899"/>
+                  <a:gd name="connsiteY23" fmla="*/ 547007 h 971550"/>
+                  <a:gd name="connsiteX24" fmla="*/ 220626 w 302899"/>
+                  <a:gd name="connsiteY24" fmla="*/ 587828 h 971550"/>
+                  <a:gd name="connsiteX25" fmla="*/ 204297 w 302899"/>
+                  <a:gd name="connsiteY25" fmla="*/ 620486 h 971550"/>
+                  <a:gd name="connsiteX26" fmla="*/ 269612 w 302899"/>
+                  <a:gd name="connsiteY26" fmla="*/ 628650 h 971550"/>
+                  <a:gd name="connsiteX27" fmla="*/ 179805 w 302899"/>
+                  <a:gd name="connsiteY27" fmla="*/ 653142 h 971550"/>
+                  <a:gd name="connsiteX28" fmla="*/ 138983 w 302899"/>
+                  <a:gd name="connsiteY28" fmla="*/ 685800 h 971550"/>
+                  <a:gd name="connsiteX29" fmla="*/ 114490 w 302899"/>
+                  <a:gd name="connsiteY29" fmla="*/ 693964 h 971550"/>
+                  <a:gd name="connsiteX30" fmla="*/ 81833 w 302899"/>
+                  <a:gd name="connsiteY30" fmla="*/ 702129 h 971550"/>
+                  <a:gd name="connsiteX31" fmla="*/ 57340 w 302899"/>
+                  <a:gd name="connsiteY31" fmla="*/ 718457 h 971550"/>
+                  <a:gd name="connsiteX32" fmla="*/ 32847 w 302899"/>
+                  <a:gd name="connsiteY32" fmla="*/ 726621 h 971550"/>
+                  <a:gd name="connsiteX33" fmla="*/ 16519 w 302899"/>
+                  <a:gd name="connsiteY33" fmla="*/ 751114 h 971550"/>
+                  <a:gd name="connsiteX34" fmla="*/ 24683 w 302899"/>
+                  <a:gd name="connsiteY34" fmla="*/ 791936 h 971550"/>
+                  <a:gd name="connsiteX35" fmla="*/ 81833 w 302899"/>
+                  <a:gd name="connsiteY35" fmla="*/ 824593 h 971550"/>
+                  <a:gd name="connsiteX36" fmla="*/ 122655 w 302899"/>
+                  <a:gd name="connsiteY36" fmla="*/ 832757 h 971550"/>
+                  <a:gd name="connsiteX37" fmla="*/ 204297 w 302899"/>
+                  <a:gd name="connsiteY37" fmla="*/ 849086 h 971550"/>
+                  <a:gd name="connsiteX38" fmla="*/ 171640 w 302899"/>
+                  <a:gd name="connsiteY38" fmla="*/ 922564 h 971550"/>
+                  <a:gd name="connsiteX39" fmla="*/ 163476 w 302899"/>
+                  <a:gd name="connsiteY39" fmla="*/ 971550 h 971550"/>
+                  <a:gd name="connsiteX0" fmla="*/ 212462 w 269807"/>
+                  <a:gd name="connsiteY0" fmla="*/ 0 h 971550"/>
+                  <a:gd name="connsiteX1" fmla="*/ 122655 w 269807"/>
+                  <a:gd name="connsiteY1" fmla="*/ 16329 h 971550"/>
+                  <a:gd name="connsiteX2" fmla="*/ 98162 w 269807"/>
+                  <a:gd name="connsiteY2" fmla="*/ 32657 h 971550"/>
+                  <a:gd name="connsiteX3" fmla="*/ 65505 w 269807"/>
+                  <a:gd name="connsiteY3" fmla="*/ 48986 h 971550"/>
+                  <a:gd name="connsiteX4" fmla="*/ 16519 w 269807"/>
+                  <a:gd name="connsiteY4" fmla="*/ 81643 h 971550"/>
+                  <a:gd name="connsiteX5" fmla="*/ 16519 w 269807"/>
+                  <a:gd name="connsiteY5" fmla="*/ 138793 h 971550"/>
+                  <a:gd name="connsiteX6" fmla="*/ 65505 w 269807"/>
+                  <a:gd name="connsiteY6" fmla="*/ 171450 h 971550"/>
+                  <a:gd name="connsiteX7" fmla="*/ 89997 w 269807"/>
+                  <a:gd name="connsiteY7" fmla="*/ 187779 h 971550"/>
+                  <a:gd name="connsiteX8" fmla="*/ 147147 w 269807"/>
+                  <a:gd name="connsiteY8" fmla="*/ 212271 h 971550"/>
+                  <a:gd name="connsiteX9" fmla="*/ 212462 w 269807"/>
+                  <a:gd name="connsiteY9" fmla="*/ 244929 h 971550"/>
+                  <a:gd name="connsiteX10" fmla="*/ 196133 w 269807"/>
+                  <a:gd name="connsiteY10" fmla="*/ 302079 h 971550"/>
+                  <a:gd name="connsiteX11" fmla="*/ 171640 w 269807"/>
+                  <a:gd name="connsiteY11" fmla="*/ 326571 h 971550"/>
+                  <a:gd name="connsiteX12" fmla="*/ 114490 w 269807"/>
+                  <a:gd name="connsiteY12" fmla="*/ 359229 h 971550"/>
+                  <a:gd name="connsiteX13" fmla="*/ 89997 w 269807"/>
+                  <a:gd name="connsiteY13" fmla="*/ 367393 h 971550"/>
+                  <a:gd name="connsiteX14" fmla="*/ 65505 w 269807"/>
+                  <a:gd name="connsiteY14" fmla="*/ 383721 h 971550"/>
+                  <a:gd name="connsiteX15" fmla="*/ 32847 w 269807"/>
+                  <a:gd name="connsiteY15" fmla="*/ 391886 h 971550"/>
+                  <a:gd name="connsiteX16" fmla="*/ 8355 w 269807"/>
+                  <a:gd name="connsiteY16" fmla="*/ 400050 h 971550"/>
+                  <a:gd name="connsiteX17" fmla="*/ 190 w 269807"/>
+                  <a:gd name="connsiteY17" fmla="*/ 424543 h 971550"/>
+                  <a:gd name="connsiteX18" fmla="*/ 65505 w 269807"/>
+                  <a:gd name="connsiteY18" fmla="*/ 481693 h 971550"/>
+                  <a:gd name="connsiteX19" fmla="*/ 98162 w 269807"/>
+                  <a:gd name="connsiteY19" fmla="*/ 498021 h 971550"/>
+                  <a:gd name="connsiteX20" fmla="*/ 122655 w 269807"/>
+                  <a:gd name="connsiteY20" fmla="*/ 514350 h 971550"/>
+                  <a:gd name="connsiteX21" fmla="*/ 155312 w 269807"/>
+                  <a:gd name="connsiteY21" fmla="*/ 522514 h 971550"/>
+                  <a:gd name="connsiteX22" fmla="*/ 236955 w 269807"/>
+                  <a:gd name="connsiteY22" fmla="*/ 538843 h 971550"/>
+                  <a:gd name="connsiteX23" fmla="*/ 196133 w 269807"/>
+                  <a:gd name="connsiteY23" fmla="*/ 595993 h 971550"/>
+                  <a:gd name="connsiteX24" fmla="*/ 220626 w 269807"/>
+                  <a:gd name="connsiteY24" fmla="*/ 587828 h 971550"/>
+                  <a:gd name="connsiteX25" fmla="*/ 204297 w 269807"/>
+                  <a:gd name="connsiteY25" fmla="*/ 620486 h 971550"/>
+                  <a:gd name="connsiteX26" fmla="*/ 269612 w 269807"/>
+                  <a:gd name="connsiteY26" fmla="*/ 628650 h 971550"/>
+                  <a:gd name="connsiteX27" fmla="*/ 179805 w 269807"/>
+                  <a:gd name="connsiteY27" fmla="*/ 653142 h 971550"/>
+                  <a:gd name="connsiteX28" fmla="*/ 138983 w 269807"/>
+                  <a:gd name="connsiteY28" fmla="*/ 685800 h 971550"/>
+                  <a:gd name="connsiteX29" fmla="*/ 114490 w 269807"/>
+                  <a:gd name="connsiteY29" fmla="*/ 693964 h 971550"/>
+                  <a:gd name="connsiteX30" fmla="*/ 81833 w 269807"/>
+                  <a:gd name="connsiteY30" fmla="*/ 702129 h 971550"/>
+                  <a:gd name="connsiteX31" fmla="*/ 57340 w 269807"/>
+                  <a:gd name="connsiteY31" fmla="*/ 718457 h 971550"/>
+                  <a:gd name="connsiteX32" fmla="*/ 32847 w 269807"/>
+                  <a:gd name="connsiteY32" fmla="*/ 726621 h 971550"/>
+                  <a:gd name="connsiteX33" fmla="*/ 16519 w 269807"/>
+                  <a:gd name="connsiteY33" fmla="*/ 751114 h 971550"/>
+                  <a:gd name="connsiteX34" fmla="*/ 24683 w 269807"/>
+                  <a:gd name="connsiteY34" fmla="*/ 791936 h 971550"/>
+                  <a:gd name="connsiteX35" fmla="*/ 81833 w 269807"/>
+                  <a:gd name="connsiteY35" fmla="*/ 824593 h 971550"/>
+                  <a:gd name="connsiteX36" fmla="*/ 122655 w 269807"/>
+                  <a:gd name="connsiteY36" fmla="*/ 832757 h 971550"/>
+                  <a:gd name="connsiteX37" fmla="*/ 204297 w 269807"/>
+                  <a:gd name="connsiteY37" fmla="*/ 849086 h 971550"/>
+                  <a:gd name="connsiteX38" fmla="*/ 171640 w 269807"/>
+                  <a:gd name="connsiteY38" fmla="*/ 922564 h 971550"/>
+                  <a:gd name="connsiteX39" fmla="*/ 163476 w 269807"/>
+                  <a:gd name="connsiteY39" fmla="*/ 971550 h 971550"/>
+                  <a:gd name="connsiteX0" fmla="*/ 212462 w 269807"/>
+                  <a:gd name="connsiteY0" fmla="*/ 0 h 971550"/>
+                  <a:gd name="connsiteX1" fmla="*/ 122655 w 269807"/>
+                  <a:gd name="connsiteY1" fmla="*/ 16329 h 971550"/>
+                  <a:gd name="connsiteX2" fmla="*/ 98162 w 269807"/>
+                  <a:gd name="connsiteY2" fmla="*/ 32657 h 971550"/>
+                  <a:gd name="connsiteX3" fmla="*/ 65505 w 269807"/>
+                  <a:gd name="connsiteY3" fmla="*/ 48986 h 971550"/>
+                  <a:gd name="connsiteX4" fmla="*/ 16519 w 269807"/>
+                  <a:gd name="connsiteY4" fmla="*/ 81643 h 971550"/>
+                  <a:gd name="connsiteX5" fmla="*/ 16519 w 269807"/>
+                  <a:gd name="connsiteY5" fmla="*/ 138793 h 971550"/>
+                  <a:gd name="connsiteX6" fmla="*/ 65505 w 269807"/>
+                  <a:gd name="connsiteY6" fmla="*/ 171450 h 971550"/>
+                  <a:gd name="connsiteX7" fmla="*/ 89997 w 269807"/>
+                  <a:gd name="connsiteY7" fmla="*/ 187779 h 971550"/>
+                  <a:gd name="connsiteX8" fmla="*/ 147147 w 269807"/>
+                  <a:gd name="connsiteY8" fmla="*/ 212271 h 971550"/>
+                  <a:gd name="connsiteX9" fmla="*/ 212462 w 269807"/>
+                  <a:gd name="connsiteY9" fmla="*/ 244929 h 971550"/>
+                  <a:gd name="connsiteX10" fmla="*/ 196133 w 269807"/>
+                  <a:gd name="connsiteY10" fmla="*/ 302079 h 971550"/>
+                  <a:gd name="connsiteX11" fmla="*/ 171640 w 269807"/>
+                  <a:gd name="connsiteY11" fmla="*/ 326571 h 971550"/>
+                  <a:gd name="connsiteX12" fmla="*/ 114490 w 269807"/>
+                  <a:gd name="connsiteY12" fmla="*/ 359229 h 971550"/>
+                  <a:gd name="connsiteX13" fmla="*/ 89997 w 269807"/>
+                  <a:gd name="connsiteY13" fmla="*/ 367393 h 971550"/>
+                  <a:gd name="connsiteX14" fmla="*/ 65505 w 269807"/>
+                  <a:gd name="connsiteY14" fmla="*/ 383721 h 971550"/>
+                  <a:gd name="connsiteX15" fmla="*/ 32847 w 269807"/>
+                  <a:gd name="connsiteY15" fmla="*/ 391886 h 971550"/>
+                  <a:gd name="connsiteX16" fmla="*/ 8355 w 269807"/>
+                  <a:gd name="connsiteY16" fmla="*/ 400050 h 971550"/>
+                  <a:gd name="connsiteX17" fmla="*/ 190 w 269807"/>
+                  <a:gd name="connsiteY17" fmla="*/ 424543 h 971550"/>
+                  <a:gd name="connsiteX18" fmla="*/ 65505 w 269807"/>
+                  <a:gd name="connsiteY18" fmla="*/ 481693 h 971550"/>
+                  <a:gd name="connsiteX19" fmla="*/ 98162 w 269807"/>
+                  <a:gd name="connsiteY19" fmla="*/ 498021 h 971550"/>
+                  <a:gd name="connsiteX20" fmla="*/ 122655 w 269807"/>
+                  <a:gd name="connsiteY20" fmla="*/ 514350 h 971550"/>
+                  <a:gd name="connsiteX21" fmla="*/ 155312 w 269807"/>
+                  <a:gd name="connsiteY21" fmla="*/ 522514 h 971550"/>
+                  <a:gd name="connsiteX22" fmla="*/ 204298 w 269807"/>
+                  <a:gd name="connsiteY22" fmla="*/ 555172 h 971550"/>
+                  <a:gd name="connsiteX23" fmla="*/ 196133 w 269807"/>
+                  <a:gd name="connsiteY23" fmla="*/ 595993 h 971550"/>
+                  <a:gd name="connsiteX24" fmla="*/ 220626 w 269807"/>
+                  <a:gd name="connsiteY24" fmla="*/ 587828 h 971550"/>
+                  <a:gd name="connsiteX25" fmla="*/ 204297 w 269807"/>
+                  <a:gd name="connsiteY25" fmla="*/ 620486 h 971550"/>
+                  <a:gd name="connsiteX26" fmla="*/ 269612 w 269807"/>
+                  <a:gd name="connsiteY26" fmla="*/ 628650 h 971550"/>
+                  <a:gd name="connsiteX27" fmla="*/ 179805 w 269807"/>
+                  <a:gd name="connsiteY27" fmla="*/ 653142 h 971550"/>
+                  <a:gd name="connsiteX28" fmla="*/ 138983 w 269807"/>
+                  <a:gd name="connsiteY28" fmla="*/ 685800 h 971550"/>
+                  <a:gd name="connsiteX29" fmla="*/ 114490 w 269807"/>
+                  <a:gd name="connsiteY29" fmla="*/ 693964 h 971550"/>
+                  <a:gd name="connsiteX30" fmla="*/ 81833 w 269807"/>
+                  <a:gd name="connsiteY30" fmla="*/ 702129 h 971550"/>
+                  <a:gd name="connsiteX31" fmla="*/ 57340 w 269807"/>
+                  <a:gd name="connsiteY31" fmla="*/ 718457 h 971550"/>
+                  <a:gd name="connsiteX32" fmla="*/ 32847 w 269807"/>
+                  <a:gd name="connsiteY32" fmla="*/ 726621 h 971550"/>
+                  <a:gd name="connsiteX33" fmla="*/ 16519 w 269807"/>
+                  <a:gd name="connsiteY33" fmla="*/ 751114 h 971550"/>
+                  <a:gd name="connsiteX34" fmla="*/ 24683 w 269807"/>
+                  <a:gd name="connsiteY34" fmla="*/ 791936 h 971550"/>
+                  <a:gd name="connsiteX35" fmla="*/ 81833 w 269807"/>
+                  <a:gd name="connsiteY35" fmla="*/ 824593 h 971550"/>
+                  <a:gd name="connsiteX36" fmla="*/ 122655 w 269807"/>
+                  <a:gd name="connsiteY36" fmla="*/ 832757 h 971550"/>
+                  <a:gd name="connsiteX37" fmla="*/ 204297 w 269807"/>
+                  <a:gd name="connsiteY37" fmla="*/ 849086 h 971550"/>
+                  <a:gd name="connsiteX38" fmla="*/ 171640 w 269807"/>
+                  <a:gd name="connsiteY38" fmla="*/ 922564 h 971550"/>
+                  <a:gd name="connsiteX39" fmla="*/ 163476 w 269807"/>
+                  <a:gd name="connsiteY39" fmla="*/ 971550 h 971550"/>
+                  <a:gd name="connsiteX0" fmla="*/ 212462 w 220713"/>
+                  <a:gd name="connsiteY0" fmla="*/ 0 h 971550"/>
+                  <a:gd name="connsiteX1" fmla="*/ 122655 w 220713"/>
+                  <a:gd name="connsiteY1" fmla="*/ 16329 h 971550"/>
+                  <a:gd name="connsiteX2" fmla="*/ 98162 w 220713"/>
+                  <a:gd name="connsiteY2" fmla="*/ 32657 h 971550"/>
+                  <a:gd name="connsiteX3" fmla="*/ 65505 w 220713"/>
+                  <a:gd name="connsiteY3" fmla="*/ 48986 h 971550"/>
+                  <a:gd name="connsiteX4" fmla="*/ 16519 w 220713"/>
+                  <a:gd name="connsiteY4" fmla="*/ 81643 h 971550"/>
+                  <a:gd name="connsiteX5" fmla="*/ 16519 w 220713"/>
+                  <a:gd name="connsiteY5" fmla="*/ 138793 h 971550"/>
+                  <a:gd name="connsiteX6" fmla="*/ 65505 w 220713"/>
+                  <a:gd name="connsiteY6" fmla="*/ 171450 h 971550"/>
+                  <a:gd name="connsiteX7" fmla="*/ 89997 w 220713"/>
+                  <a:gd name="connsiteY7" fmla="*/ 187779 h 971550"/>
+                  <a:gd name="connsiteX8" fmla="*/ 147147 w 220713"/>
+                  <a:gd name="connsiteY8" fmla="*/ 212271 h 971550"/>
+                  <a:gd name="connsiteX9" fmla="*/ 212462 w 220713"/>
+                  <a:gd name="connsiteY9" fmla="*/ 244929 h 971550"/>
+                  <a:gd name="connsiteX10" fmla="*/ 196133 w 220713"/>
+                  <a:gd name="connsiteY10" fmla="*/ 302079 h 971550"/>
+                  <a:gd name="connsiteX11" fmla="*/ 171640 w 220713"/>
+                  <a:gd name="connsiteY11" fmla="*/ 326571 h 971550"/>
+                  <a:gd name="connsiteX12" fmla="*/ 114490 w 220713"/>
+                  <a:gd name="connsiteY12" fmla="*/ 359229 h 971550"/>
+                  <a:gd name="connsiteX13" fmla="*/ 89997 w 220713"/>
+                  <a:gd name="connsiteY13" fmla="*/ 367393 h 971550"/>
+                  <a:gd name="connsiteX14" fmla="*/ 65505 w 220713"/>
+                  <a:gd name="connsiteY14" fmla="*/ 383721 h 971550"/>
+                  <a:gd name="connsiteX15" fmla="*/ 32847 w 220713"/>
+                  <a:gd name="connsiteY15" fmla="*/ 391886 h 971550"/>
+                  <a:gd name="connsiteX16" fmla="*/ 8355 w 220713"/>
+                  <a:gd name="connsiteY16" fmla="*/ 400050 h 971550"/>
+                  <a:gd name="connsiteX17" fmla="*/ 190 w 220713"/>
+                  <a:gd name="connsiteY17" fmla="*/ 424543 h 971550"/>
+                  <a:gd name="connsiteX18" fmla="*/ 65505 w 220713"/>
+                  <a:gd name="connsiteY18" fmla="*/ 481693 h 971550"/>
+                  <a:gd name="connsiteX19" fmla="*/ 98162 w 220713"/>
+                  <a:gd name="connsiteY19" fmla="*/ 498021 h 971550"/>
+                  <a:gd name="connsiteX20" fmla="*/ 122655 w 220713"/>
+                  <a:gd name="connsiteY20" fmla="*/ 514350 h 971550"/>
+                  <a:gd name="connsiteX21" fmla="*/ 155312 w 220713"/>
+                  <a:gd name="connsiteY21" fmla="*/ 522514 h 971550"/>
+                  <a:gd name="connsiteX22" fmla="*/ 204298 w 220713"/>
+                  <a:gd name="connsiteY22" fmla="*/ 555172 h 971550"/>
+                  <a:gd name="connsiteX23" fmla="*/ 196133 w 220713"/>
+                  <a:gd name="connsiteY23" fmla="*/ 595993 h 971550"/>
+                  <a:gd name="connsiteX24" fmla="*/ 220626 w 220713"/>
+                  <a:gd name="connsiteY24" fmla="*/ 587828 h 971550"/>
+                  <a:gd name="connsiteX25" fmla="*/ 204297 w 220713"/>
+                  <a:gd name="connsiteY25" fmla="*/ 620486 h 971550"/>
+                  <a:gd name="connsiteX26" fmla="*/ 204298 w 220713"/>
+                  <a:gd name="connsiteY26" fmla="*/ 628650 h 971550"/>
+                  <a:gd name="connsiteX27" fmla="*/ 179805 w 220713"/>
+                  <a:gd name="connsiteY27" fmla="*/ 653142 h 971550"/>
+                  <a:gd name="connsiteX28" fmla="*/ 138983 w 220713"/>
+                  <a:gd name="connsiteY28" fmla="*/ 685800 h 971550"/>
+                  <a:gd name="connsiteX29" fmla="*/ 114490 w 220713"/>
+                  <a:gd name="connsiteY29" fmla="*/ 693964 h 971550"/>
+                  <a:gd name="connsiteX30" fmla="*/ 81833 w 220713"/>
+                  <a:gd name="connsiteY30" fmla="*/ 702129 h 971550"/>
+                  <a:gd name="connsiteX31" fmla="*/ 57340 w 220713"/>
+                  <a:gd name="connsiteY31" fmla="*/ 718457 h 971550"/>
+                  <a:gd name="connsiteX32" fmla="*/ 32847 w 220713"/>
+                  <a:gd name="connsiteY32" fmla="*/ 726621 h 971550"/>
+                  <a:gd name="connsiteX33" fmla="*/ 16519 w 220713"/>
+                  <a:gd name="connsiteY33" fmla="*/ 751114 h 971550"/>
+                  <a:gd name="connsiteX34" fmla="*/ 24683 w 220713"/>
+                  <a:gd name="connsiteY34" fmla="*/ 791936 h 971550"/>
+                  <a:gd name="connsiteX35" fmla="*/ 81833 w 220713"/>
+                  <a:gd name="connsiteY35" fmla="*/ 824593 h 971550"/>
+                  <a:gd name="connsiteX36" fmla="*/ 122655 w 220713"/>
+                  <a:gd name="connsiteY36" fmla="*/ 832757 h 971550"/>
+                  <a:gd name="connsiteX37" fmla="*/ 204297 w 220713"/>
+                  <a:gd name="connsiteY37" fmla="*/ 849086 h 971550"/>
+                  <a:gd name="connsiteX38" fmla="*/ 171640 w 220713"/>
+                  <a:gd name="connsiteY38" fmla="*/ 922564 h 971550"/>
+                  <a:gd name="connsiteX39" fmla="*/ 163476 w 220713"/>
+                  <a:gd name="connsiteY39" fmla="*/ 971550 h 971550"/>
+                  <a:gd name="connsiteX0" fmla="*/ 147148 w 220713"/>
+                  <a:gd name="connsiteY0" fmla="*/ 0 h 1004207"/>
+                  <a:gd name="connsiteX1" fmla="*/ 122655 w 220713"/>
+                  <a:gd name="connsiteY1" fmla="*/ 48986 h 1004207"/>
+                  <a:gd name="connsiteX2" fmla="*/ 98162 w 220713"/>
+                  <a:gd name="connsiteY2" fmla="*/ 65314 h 1004207"/>
+                  <a:gd name="connsiteX3" fmla="*/ 65505 w 220713"/>
+                  <a:gd name="connsiteY3" fmla="*/ 81643 h 1004207"/>
+                  <a:gd name="connsiteX4" fmla="*/ 16519 w 220713"/>
+                  <a:gd name="connsiteY4" fmla="*/ 114300 h 1004207"/>
+                  <a:gd name="connsiteX5" fmla="*/ 16519 w 220713"/>
+                  <a:gd name="connsiteY5" fmla="*/ 171450 h 1004207"/>
+                  <a:gd name="connsiteX6" fmla="*/ 65505 w 220713"/>
+                  <a:gd name="connsiteY6" fmla="*/ 204107 h 1004207"/>
+                  <a:gd name="connsiteX7" fmla="*/ 89997 w 220713"/>
+                  <a:gd name="connsiteY7" fmla="*/ 220436 h 1004207"/>
+                  <a:gd name="connsiteX8" fmla="*/ 147147 w 220713"/>
+                  <a:gd name="connsiteY8" fmla="*/ 244928 h 1004207"/>
+                  <a:gd name="connsiteX9" fmla="*/ 212462 w 220713"/>
+                  <a:gd name="connsiteY9" fmla="*/ 277586 h 1004207"/>
+                  <a:gd name="connsiteX10" fmla="*/ 196133 w 220713"/>
+                  <a:gd name="connsiteY10" fmla="*/ 334736 h 1004207"/>
+                  <a:gd name="connsiteX11" fmla="*/ 171640 w 220713"/>
+                  <a:gd name="connsiteY11" fmla="*/ 359228 h 1004207"/>
+                  <a:gd name="connsiteX12" fmla="*/ 114490 w 220713"/>
+                  <a:gd name="connsiteY12" fmla="*/ 391886 h 1004207"/>
+                  <a:gd name="connsiteX13" fmla="*/ 89997 w 220713"/>
+                  <a:gd name="connsiteY13" fmla="*/ 400050 h 1004207"/>
+                  <a:gd name="connsiteX14" fmla="*/ 65505 w 220713"/>
+                  <a:gd name="connsiteY14" fmla="*/ 416378 h 1004207"/>
+                  <a:gd name="connsiteX15" fmla="*/ 32847 w 220713"/>
+                  <a:gd name="connsiteY15" fmla="*/ 424543 h 1004207"/>
+                  <a:gd name="connsiteX16" fmla="*/ 8355 w 220713"/>
+                  <a:gd name="connsiteY16" fmla="*/ 432707 h 1004207"/>
+                  <a:gd name="connsiteX17" fmla="*/ 190 w 220713"/>
+                  <a:gd name="connsiteY17" fmla="*/ 457200 h 1004207"/>
+                  <a:gd name="connsiteX18" fmla="*/ 65505 w 220713"/>
+                  <a:gd name="connsiteY18" fmla="*/ 514350 h 1004207"/>
+                  <a:gd name="connsiteX19" fmla="*/ 98162 w 220713"/>
+                  <a:gd name="connsiteY19" fmla="*/ 530678 h 1004207"/>
+                  <a:gd name="connsiteX20" fmla="*/ 122655 w 220713"/>
+                  <a:gd name="connsiteY20" fmla="*/ 547007 h 1004207"/>
+                  <a:gd name="connsiteX21" fmla="*/ 155312 w 220713"/>
+                  <a:gd name="connsiteY21" fmla="*/ 555171 h 1004207"/>
+                  <a:gd name="connsiteX22" fmla="*/ 204298 w 220713"/>
+                  <a:gd name="connsiteY22" fmla="*/ 587829 h 1004207"/>
+                  <a:gd name="connsiteX23" fmla="*/ 196133 w 220713"/>
+                  <a:gd name="connsiteY23" fmla="*/ 628650 h 1004207"/>
+                  <a:gd name="connsiteX24" fmla="*/ 220626 w 220713"/>
+                  <a:gd name="connsiteY24" fmla="*/ 620485 h 1004207"/>
+                  <a:gd name="connsiteX25" fmla="*/ 204297 w 220713"/>
+                  <a:gd name="connsiteY25" fmla="*/ 653143 h 1004207"/>
+                  <a:gd name="connsiteX26" fmla="*/ 204298 w 220713"/>
+                  <a:gd name="connsiteY26" fmla="*/ 661307 h 1004207"/>
+                  <a:gd name="connsiteX27" fmla="*/ 179805 w 220713"/>
+                  <a:gd name="connsiteY27" fmla="*/ 685799 h 1004207"/>
+                  <a:gd name="connsiteX28" fmla="*/ 138983 w 220713"/>
+                  <a:gd name="connsiteY28" fmla="*/ 718457 h 1004207"/>
+                  <a:gd name="connsiteX29" fmla="*/ 114490 w 220713"/>
+                  <a:gd name="connsiteY29" fmla="*/ 726621 h 1004207"/>
+                  <a:gd name="connsiteX30" fmla="*/ 81833 w 220713"/>
+                  <a:gd name="connsiteY30" fmla="*/ 734786 h 1004207"/>
+                  <a:gd name="connsiteX31" fmla="*/ 57340 w 220713"/>
+                  <a:gd name="connsiteY31" fmla="*/ 751114 h 1004207"/>
+                  <a:gd name="connsiteX32" fmla="*/ 32847 w 220713"/>
+                  <a:gd name="connsiteY32" fmla="*/ 759278 h 1004207"/>
+                  <a:gd name="connsiteX33" fmla="*/ 16519 w 220713"/>
+                  <a:gd name="connsiteY33" fmla="*/ 783771 h 1004207"/>
+                  <a:gd name="connsiteX34" fmla="*/ 24683 w 220713"/>
+                  <a:gd name="connsiteY34" fmla="*/ 824593 h 1004207"/>
+                  <a:gd name="connsiteX35" fmla="*/ 81833 w 220713"/>
+                  <a:gd name="connsiteY35" fmla="*/ 857250 h 1004207"/>
+                  <a:gd name="connsiteX36" fmla="*/ 122655 w 220713"/>
+                  <a:gd name="connsiteY36" fmla="*/ 865414 h 1004207"/>
+                  <a:gd name="connsiteX37" fmla="*/ 204297 w 220713"/>
+                  <a:gd name="connsiteY37" fmla="*/ 881743 h 1004207"/>
+                  <a:gd name="connsiteX38" fmla="*/ 171640 w 220713"/>
+                  <a:gd name="connsiteY38" fmla="*/ 955221 h 1004207"/>
+                  <a:gd name="connsiteX39" fmla="*/ 163476 w 220713"/>
+                  <a:gd name="connsiteY39" fmla="*/ 1004207 h 1004207"/>
+                </a:gdLst>
+                <a:ahLst/>
+                <a:cxnLst>
+                  <a:cxn ang="0">
+                    <a:pos x="connsiteX0" y="connsiteY0"/>
+                  </a:cxn>
+                  <a:cxn ang="0">
+                    <a:pos x="connsiteX1" y="connsiteY1"/>
+                  </a:cxn>
+                  <a:cxn ang="0">
+                    <a:pos x="connsiteX2" y="connsiteY2"/>
+                  </a:cxn>
+                  <a:cxn ang="0">
+                    <a:pos x="connsiteX3" y="connsiteY3"/>
+                  </a:cxn>
+                  <a:cxn ang="0">
+                    <a:pos x="connsiteX4" y="connsiteY4"/>
+                  </a:cxn>
+                  <a:cxn ang="0">
+                    <a:pos x="connsiteX5" y="connsiteY5"/>
+                  </a:cxn>
+                  <a:cxn ang="0">
+                    <a:pos x="connsiteX6" y="connsiteY6"/>
+                  </a:cxn>
+                  <a:cxn ang="0">
+                    <a:pos x="connsiteX7" y="connsiteY7"/>
+                  </a:cxn>
+                  <a:cxn ang="0">
+                    <a:pos x="connsiteX8" y="connsiteY8"/>
+                  </a:cxn>
+                  <a:cxn ang="0">
+                    <a:pos x="connsiteX9" y="connsiteY9"/>
+                  </a:cxn>
+                  <a:cxn ang="0">
+                    <a:pos x="connsiteX10" y="connsiteY10"/>
+                  </a:cxn>
+                  <a:cxn ang="0">
+                    <a:pos x="connsiteX11" y="connsiteY11"/>
+                  </a:cxn>
+                  <a:cxn ang="0">
+                    <a:pos x="connsiteX12" y="connsiteY12"/>
+                  </a:cxn>
+                  <a:cxn ang="0">
+                    <a:pos x="connsiteX13" y="connsiteY13"/>
+                  </a:cxn>
+                  <a:cxn ang="0">
+                    <a:pos x="connsiteX14" y="connsiteY14"/>
+                  </a:cxn>
+                  <a:cxn ang="0">
+                    <a:pos x="connsiteX15" y="connsiteY15"/>
+                  </a:cxn>
+                  <a:cxn ang="0">
+                    <a:pos x="connsiteX16" y="connsiteY16"/>
+                  </a:cxn>
+                  <a:cxn ang="0">
+                    <a:pos x="connsiteX17" y="connsiteY17"/>
+                  </a:cxn>
+                  <a:cxn ang="0">
+                    <a:pos x="connsiteX18" y="connsiteY18"/>
+                  </a:cxn>
+                  <a:cxn ang="0">
+                    <a:pos x="connsiteX19" y="connsiteY19"/>
+                  </a:cxn>
+                  <a:cxn ang="0">
+                    <a:pos x="connsiteX20" y="connsiteY20"/>
+                  </a:cxn>
+                  <a:cxn ang="0">
+                    <a:pos x="connsiteX21" y="connsiteY21"/>
+                  </a:cxn>
+                  <a:cxn ang="0">
+                    <a:pos x="connsiteX22" y="connsiteY22"/>
+                  </a:cxn>
+                  <a:cxn ang="0">
+                    <a:pos x="connsiteX23" y="connsiteY23"/>
+                  </a:cxn>
+                  <a:cxn ang="0">
+                    <a:pos x="connsiteX24" y="connsiteY24"/>
+                  </a:cxn>
+                  <a:cxn ang="0">
+                    <a:pos x="connsiteX25" y="connsiteY25"/>
+                  </a:cxn>
+                  <a:cxn ang="0">
+                    <a:pos x="connsiteX26" y="connsiteY26"/>
+                  </a:cxn>
+                  <a:cxn ang="0">
+                    <a:pos x="connsiteX27" y="connsiteY27"/>
+                  </a:cxn>
+                  <a:cxn ang="0">
+                    <a:pos x="connsiteX28" y="connsiteY28"/>
+                  </a:cxn>
+                  <a:cxn ang="0">
+                    <a:pos x="connsiteX29" y="connsiteY29"/>
+                  </a:cxn>
+                  <a:cxn ang="0">
+                    <a:pos x="connsiteX30" y="connsiteY30"/>
+                  </a:cxn>
+                  <a:cxn ang="0">
+                    <a:pos x="connsiteX31" y="connsiteY31"/>
+                  </a:cxn>
+                  <a:cxn ang="0">
+                    <a:pos x="connsiteX32" y="connsiteY32"/>
+                  </a:cxn>
+                  <a:cxn ang="0">
+                    <a:pos x="connsiteX33" y="connsiteY33"/>
+                  </a:cxn>
+                  <a:cxn ang="0">
+                    <a:pos x="connsiteX34" y="connsiteY34"/>
+                  </a:cxn>
+                  <a:cxn ang="0">
+                    <a:pos x="connsiteX35" y="connsiteY35"/>
+                  </a:cxn>
+                  <a:cxn ang="0">
+                    <a:pos x="connsiteX36" y="connsiteY36"/>
+                  </a:cxn>
+                  <a:cxn ang="0">
+                    <a:pos x="connsiteX37" y="connsiteY37"/>
+                  </a:cxn>
+                  <a:cxn ang="0">
+                    <a:pos x="connsiteX38" y="connsiteY38"/>
+                  </a:cxn>
+                  <a:cxn ang="0">
+                    <a:pos x="connsiteX39" y="connsiteY39"/>
+                  </a:cxn>
+                </a:cxnLst>
+                <a:rect l="l" t="t" r="r" b="b"/>
+                <a:pathLst>
+                  <a:path w="220713" h="1004207">
+                    <a:moveTo>
+                      <a:pt x="147148" y="0"/>
+                    </a:moveTo>
+                    <a:cubicBezTo>
+                      <a:pt x="141638" y="918"/>
+                      <a:pt x="130819" y="38100"/>
+                      <a:pt x="122655" y="48986"/>
+                    </a:cubicBezTo>
+                    <a:cubicBezTo>
+                      <a:pt x="114491" y="59872"/>
+                      <a:pt x="106681" y="60446"/>
+                      <a:pt x="98162" y="65314"/>
+                    </a:cubicBezTo>
+                    <a:cubicBezTo>
+                      <a:pt x="87595" y="71352"/>
+                      <a:pt x="75941" y="75381"/>
+                      <a:pt x="65505" y="81643"/>
+                    </a:cubicBezTo>
+                    <a:cubicBezTo>
+                      <a:pt x="48677" y="91740"/>
+                      <a:pt x="16519" y="114300"/>
+                      <a:pt x="16519" y="114300"/>
+                    </a:cubicBezTo>
+                    <a:cubicBezTo>
+                      <a:pt x="10229" y="133170"/>
+                      <a:pt x="-802" y="151655"/>
+                      <a:pt x="16519" y="171450"/>
+                    </a:cubicBezTo>
+                    <a:cubicBezTo>
+                      <a:pt x="29442" y="186219"/>
+                      <a:pt x="49176" y="193221"/>
+                      <a:pt x="65505" y="204107"/>
+                    </a:cubicBezTo>
+                    <a:cubicBezTo>
+                      <a:pt x="73669" y="209550"/>
+                      <a:pt x="80688" y="217333"/>
+                      <a:pt x="89997" y="220436"/>
+                    </a:cubicBezTo>
+                    <a:cubicBezTo>
+                      <a:pt x="140300" y="237203"/>
+                      <a:pt x="86621" y="218028"/>
+                      <a:pt x="147147" y="244928"/>
+                    </a:cubicBezTo>
+                    <a:cubicBezTo>
+                      <a:pt x="207063" y="271557"/>
+                      <a:pt x="169091" y="248671"/>
+                      <a:pt x="212462" y="277586"/>
+                    </a:cubicBezTo>
+                    <a:cubicBezTo>
+                      <a:pt x="211374" y="281937"/>
+                      <a:pt x="200816" y="327711"/>
+                      <a:pt x="196133" y="334736"/>
+                    </a:cubicBezTo>
+                    <a:cubicBezTo>
+                      <a:pt x="189728" y="344343"/>
+                      <a:pt x="180510" y="351837"/>
+                      <a:pt x="171640" y="359228"/>
+                    </a:cubicBezTo>
+                    <a:cubicBezTo>
+                      <a:pt x="157170" y="371286"/>
+                      <a:pt x="130931" y="384840"/>
+                      <a:pt x="114490" y="391886"/>
+                    </a:cubicBezTo>
+                    <a:cubicBezTo>
+                      <a:pt x="106580" y="395276"/>
+                      <a:pt x="98161" y="397329"/>
+                      <a:pt x="89997" y="400050"/>
+                    </a:cubicBezTo>
+                    <a:cubicBezTo>
+                      <a:pt x="81833" y="405493"/>
+                      <a:pt x="74524" y="412513"/>
+                      <a:pt x="65505" y="416378"/>
+                    </a:cubicBezTo>
+                    <a:cubicBezTo>
+                      <a:pt x="55191" y="420798"/>
+                      <a:pt x="43636" y="421460"/>
+                      <a:pt x="32847" y="424543"/>
+                    </a:cubicBezTo>
+                    <a:cubicBezTo>
+                      <a:pt x="24573" y="426907"/>
+                      <a:pt x="16519" y="429986"/>
+                      <a:pt x="8355" y="432707"/>
+                    </a:cubicBezTo>
+                    <a:cubicBezTo>
+                      <a:pt x="5633" y="440871"/>
+                      <a:pt x="-1225" y="448711"/>
+                      <a:pt x="190" y="457200"/>
+                    </a:cubicBezTo>
+                    <a:cubicBezTo>
+                      <a:pt x="4272" y="481693"/>
+                      <a:pt x="54620" y="508908"/>
+                      <a:pt x="65505" y="514350"/>
+                    </a:cubicBezTo>
+                    <a:cubicBezTo>
+                      <a:pt x="76391" y="519793"/>
+                      <a:pt x="87595" y="524640"/>
+                      <a:pt x="98162" y="530678"/>
+                    </a:cubicBezTo>
+                    <a:cubicBezTo>
+                      <a:pt x="106682" y="535546"/>
+                      <a:pt x="113636" y="543142"/>
+                      <a:pt x="122655" y="547007"/>
+                    </a:cubicBezTo>
+                    <a:cubicBezTo>
+                      <a:pt x="132968" y="551427"/>
+                      <a:pt x="141705" y="548367"/>
+                      <a:pt x="155312" y="555171"/>
+                    </a:cubicBezTo>
+                    <a:cubicBezTo>
+                      <a:pt x="168919" y="561975"/>
+                      <a:pt x="197495" y="575583"/>
+                      <a:pt x="204298" y="587829"/>
+                    </a:cubicBezTo>
+                    <a:cubicBezTo>
+                      <a:pt x="211101" y="600075"/>
+                      <a:pt x="209740" y="609600"/>
+                      <a:pt x="196133" y="628650"/>
+                    </a:cubicBezTo>
+                    <a:cubicBezTo>
+                      <a:pt x="204297" y="631371"/>
+                      <a:pt x="219265" y="616403"/>
+                      <a:pt x="220626" y="620485"/>
+                    </a:cubicBezTo>
+                    <a:cubicBezTo>
+                      <a:pt x="221987" y="624567"/>
+                      <a:pt x="207018" y="646339"/>
+                      <a:pt x="204297" y="653143"/>
+                    </a:cubicBezTo>
+                    <a:cubicBezTo>
+                      <a:pt x="201576" y="659947"/>
+                      <a:pt x="208380" y="655864"/>
+                      <a:pt x="204298" y="661307"/>
+                    </a:cubicBezTo>
+                    <a:cubicBezTo>
+                      <a:pt x="200216" y="666750"/>
+                      <a:pt x="190691" y="676274"/>
+                      <a:pt x="179805" y="685799"/>
+                    </a:cubicBezTo>
+                    <a:cubicBezTo>
+                      <a:pt x="168919" y="695324"/>
+                      <a:pt x="149869" y="711653"/>
+                      <a:pt x="138983" y="718457"/>
+                    </a:cubicBezTo>
+                    <a:cubicBezTo>
+                      <a:pt x="128097" y="725261"/>
+                      <a:pt x="122765" y="724257"/>
+                      <a:pt x="114490" y="726621"/>
+                    </a:cubicBezTo>
+                    <a:cubicBezTo>
+                      <a:pt x="103701" y="729704"/>
+                      <a:pt x="92719" y="732064"/>
+                      <a:pt x="81833" y="734786"/>
+                    </a:cubicBezTo>
+                    <a:cubicBezTo>
+                      <a:pt x="73669" y="740229"/>
+                      <a:pt x="66116" y="746726"/>
+                      <a:pt x="57340" y="751114"/>
+                    </a:cubicBezTo>
+                    <a:cubicBezTo>
+                      <a:pt x="49643" y="754963"/>
+                      <a:pt x="39567" y="753902"/>
+                      <a:pt x="32847" y="759278"/>
+                    </a:cubicBezTo>
+                    <a:cubicBezTo>
+                      <a:pt x="25185" y="765408"/>
+                      <a:pt x="21962" y="775607"/>
+                      <a:pt x="16519" y="783771"/>
+                    </a:cubicBezTo>
+                    <a:cubicBezTo>
+                      <a:pt x="19240" y="797378"/>
+                      <a:pt x="17328" y="812825"/>
+                      <a:pt x="24683" y="824593"/>
+                    </a:cubicBezTo>
+                    <a:cubicBezTo>
+                      <a:pt x="35678" y="842185"/>
+                      <a:pt x="62486" y="852413"/>
+                      <a:pt x="81833" y="857250"/>
+                    </a:cubicBezTo>
+                    <a:cubicBezTo>
+                      <a:pt x="95295" y="860615"/>
+                      <a:pt x="109109" y="862404"/>
+                      <a:pt x="122655" y="865414"/>
+                    </a:cubicBezTo>
+                    <a:cubicBezTo>
+                      <a:pt x="195742" y="881655"/>
+                      <a:pt x="108290" y="865740"/>
+                      <a:pt x="204297" y="881743"/>
+                    </a:cubicBezTo>
+                    <a:cubicBezTo>
+                      <a:pt x="184866" y="940037"/>
+                      <a:pt x="197516" y="916407"/>
+                      <a:pt x="171640" y="955221"/>
+                    </a:cubicBezTo>
+                    <a:cubicBezTo>
+                      <a:pt x="162156" y="993158"/>
+                      <a:pt x="163476" y="976657"/>
+                      <a:pt x="163476" y="1004207"/>
+                    </a:cubicBezTo>
+                  </a:path>
+                </a:pathLst>
+              </a:custGeom>
+              <a:noFill/>
+              <a:ln>
+                <a:solidFill>
+                  <a:schemeClr val="tx1"/>
+                </a:solidFill>
+              </a:ln>
+              <a:effectLst>
+                <a:innerShdw blurRad="63500" dist="50800" dir="13500000">
+                  <a:prstClr val="black">
+                    <a:alpha val="50000"/>
+                  </a:prstClr>
+                </a:innerShdw>
+              </a:effectLst>
+            </p:spPr>
+            <p:style>
+              <a:lnRef idx="2">
+                <a:schemeClr val="accent1">
+                  <a:shade val="50000"/>
+                </a:schemeClr>
+              </a:lnRef>
+              <a:fillRef idx="1">
+                <a:schemeClr val="accent1"/>
+              </a:fillRef>
+              <a:effectRef idx="0">
+                <a:schemeClr val="accent1"/>
+              </a:effectRef>
+              <a:fontRef idx="minor">
+                <a:schemeClr val="lt1"/>
+              </a:fontRef>
+            </p:style>
+            <p:txBody>
+              <a:bodyPr rtlCol="0" anchor="ctr"/>
+              <a:lstStyle/>
+              <a:p>
+                <a:pPr algn="ctr"/>
+                <a:endParaRPr lang="en-US" sz="1050"/>
+              </a:p>
+            </p:txBody>
+          </p:sp>
+          <p:cxnSp>
+            <p:nvCxnSpPr>
+              <p:cNvPr id="49" name="직선 화살표 연결선 48"/>
+              <p:cNvCxnSpPr>
+                <a:stCxn id="48" idx="39"/>
+              </p:cNvCxnSpPr>
+              <p:nvPr/>
+            </p:nvCxnSpPr>
+            <p:spPr>
+              <a:xfrm flipH="1">
+                <a:off x="2114266" y="6515099"/>
+                <a:ext cx="284" cy="32577"/>
+              </a:xfrm>
+              <a:prstGeom prst="straightConnector1">
+                <a:avLst/>
+              </a:prstGeom>
+              <a:ln>
+                <a:solidFill>
+                  <a:schemeClr val="tx1"/>
+                </a:solidFill>
+                <a:tailEnd type="triangle"/>
+              </a:ln>
+            </p:spPr>
+            <p:style>
+              <a:lnRef idx="1">
+                <a:schemeClr val="accent1"/>
+              </a:lnRef>
+              <a:fillRef idx="0">
+                <a:schemeClr val="accent1"/>
+              </a:fillRef>
+              <a:effectRef idx="0">
+                <a:schemeClr val="accent1"/>
+              </a:effectRef>
+              <a:fontRef idx="minor">
+                <a:schemeClr val="tx1"/>
+              </a:fontRef>
+            </p:style>
+          </p:cxnSp>
+        </p:grpSp>
+      </p:grpSp>
+      <p:grpSp>
+        <p:nvGrpSpPr>
+          <p:cNvPr id="50" name="그룹 49"/>
+          <p:cNvGrpSpPr/>
+          <p:nvPr/>
+        </p:nvGrpSpPr>
+        <p:grpSpPr>
+          <a:xfrm>
+            <a:off x="2400539" y="1023644"/>
+            <a:ext cx="205194" cy="560129"/>
+            <a:chOff x="1951074" y="5510892"/>
+            <a:chExt cx="220713" cy="1036784"/>
+          </a:xfrm>
+        </p:grpSpPr>
+        <p:sp>
+          <p:nvSpPr>
+            <p:cNvPr id="51" name="자유형 50"/>
+            <p:cNvSpPr/>
+            <p:nvPr/>
+          </p:nvSpPr>
+          <p:spPr>
+            <a:xfrm>
+              <a:off x="1951074" y="5510892"/>
+              <a:ext cx="220713" cy="1004207"/>
+            </a:xfrm>
+            <a:custGeom>
+              <a:avLst/>
+              <a:gdLst>
+                <a:gd name="connsiteX0" fmla="*/ 212462 w 327899"/>
+                <a:gd name="connsiteY0" fmla="*/ 0 h 971550"/>
+                <a:gd name="connsiteX1" fmla="*/ 122655 w 327899"/>
+                <a:gd name="connsiteY1" fmla="*/ 16329 h 971550"/>
+                <a:gd name="connsiteX2" fmla="*/ 98162 w 327899"/>
+                <a:gd name="connsiteY2" fmla="*/ 32657 h 971550"/>
+                <a:gd name="connsiteX3" fmla="*/ 65505 w 327899"/>
+                <a:gd name="connsiteY3" fmla="*/ 48986 h 971550"/>
+                <a:gd name="connsiteX4" fmla="*/ 16519 w 327899"/>
+                <a:gd name="connsiteY4" fmla="*/ 81643 h 971550"/>
+                <a:gd name="connsiteX5" fmla="*/ 16519 w 327899"/>
+                <a:gd name="connsiteY5" fmla="*/ 138793 h 971550"/>
+                <a:gd name="connsiteX6" fmla="*/ 65505 w 327899"/>
+                <a:gd name="connsiteY6" fmla="*/ 171450 h 971550"/>
+                <a:gd name="connsiteX7" fmla="*/ 89997 w 327899"/>
+                <a:gd name="connsiteY7" fmla="*/ 187779 h 971550"/>
+                <a:gd name="connsiteX8" fmla="*/ 147147 w 327899"/>
+                <a:gd name="connsiteY8" fmla="*/ 212271 h 971550"/>
+                <a:gd name="connsiteX9" fmla="*/ 212462 w 327899"/>
+                <a:gd name="connsiteY9" fmla="*/ 244929 h 971550"/>
+                <a:gd name="connsiteX10" fmla="*/ 196133 w 327899"/>
+                <a:gd name="connsiteY10" fmla="*/ 302079 h 971550"/>
+                <a:gd name="connsiteX11" fmla="*/ 171640 w 327899"/>
+                <a:gd name="connsiteY11" fmla="*/ 326571 h 971550"/>
+                <a:gd name="connsiteX12" fmla="*/ 114490 w 327899"/>
+                <a:gd name="connsiteY12" fmla="*/ 359229 h 971550"/>
+                <a:gd name="connsiteX13" fmla="*/ 89997 w 327899"/>
+                <a:gd name="connsiteY13" fmla="*/ 367393 h 971550"/>
+                <a:gd name="connsiteX14" fmla="*/ 65505 w 327899"/>
+                <a:gd name="connsiteY14" fmla="*/ 383721 h 971550"/>
+                <a:gd name="connsiteX15" fmla="*/ 32847 w 327899"/>
+                <a:gd name="connsiteY15" fmla="*/ 391886 h 971550"/>
+                <a:gd name="connsiteX16" fmla="*/ 8355 w 327899"/>
+                <a:gd name="connsiteY16" fmla="*/ 400050 h 971550"/>
+                <a:gd name="connsiteX17" fmla="*/ 190 w 327899"/>
+                <a:gd name="connsiteY17" fmla="*/ 424543 h 971550"/>
+                <a:gd name="connsiteX18" fmla="*/ 65505 w 327899"/>
+                <a:gd name="connsiteY18" fmla="*/ 481693 h 971550"/>
+                <a:gd name="connsiteX19" fmla="*/ 98162 w 327899"/>
+                <a:gd name="connsiteY19" fmla="*/ 498021 h 971550"/>
+                <a:gd name="connsiteX20" fmla="*/ 122655 w 327899"/>
+                <a:gd name="connsiteY20" fmla="*/ 514350 h 971550"/>
+                <a:gd name="connsiteX21" fmla="*/ 155312 w 327899"/>
+                <a:gd name="connsiteY21" fmla="*/ 522514 h 971550"/>
+                <a:gd name="connsiteX22" fmla="*/ 236955 w 327899"/>
+                <a:gd name="connsiteY22" fmla="*/ 538843 h 971550"/>
+                <a:gd name="connsiteX23" fmla="*/ 302269 w 327899"/>
+                <a:gd name="connsiteY23" fmla="*/ 547007 h 971550"/>
+                <a:gd name="connsiteX24" fmla="*/ 326762 w 327899"/>
+                <a:gd name="connsiteY24" fmla="*/ 555171 h 971550"/>
+                <a:gd name="connsiteX25" fmla="*/ 318597 w 327899"/>
+                <a:gd name="connsiteY25" fmla="*/ 579664 h 971550"/>
+                <a:gd name="connsiteX26" fmla="*/ 269612 w 327899"/>
+                <a:gd name="connsiteY26" fmla="*/ 628650 h 971550"/>
+                <a:gd name="connsiteX27" fmla="*/ 220626 w 327899"/>
+                <a:gd name="connsiteY27" fmla="*/ 661307 h 971550"/>
+                <a:gd name="connsiteX28" fmla="*/ 138983 w 327899"/>
+                <a:gd name="connsiteY28" fmla="*/ 685800 h 971550"/>
+                <a:gd name="connsiteX29" fmla="*/ 114490 w 327899"/>
+                <a:gd name="connsiteY29" fmla="*/ 693964 h 971550"/>
+                <a:gd name="connsiteX30" fmla="*/ 81833 w 327899"/>
+                <a:gd name="connsiteY30" fmla="*/ 702129 h 971550"/>
+                <a:gd name="connsiteX31" fmla="*/ 57340 w 327899"/>
+                <a:gd name="connsiteY31" fmla="*/ 718457 h 971550"/>
+                <a:gd name="connsiteX32" fmla="*/ 32847 w 327899"/>
+                <a:gd name="connsiteY32" fmla="*/ 726621 h 971550"/>
+                <a:gd name="connsiteX33" fmla="*/ 16519 w 327899"/>
+                <a:gd name="connsiteY33" fmla="*/ 751114 h 971550"/>
+                <a:gd name="connsiteX34" fmla="*/ 24683 w 327899"/>
+                <a:gd name="connsiteY34" fmla="*/ 791936 h 971550"/>
+                <a:gd name="connsiteX35" fmla="*/ 81833 w 327899"/>
+                <a:gd name="connsiteY35" fmla="*/ 824593 h 971550"/>
+                <a:gd name="connsiteX36" fmla="*/ 122655 w 327899"/>
+                <a:gd name="connsiteY36" fmla="*/ 832757 h 971550"/>
+                <a:gd name="connsiteX37" fmla="*/ 204297 w 327899"/>
+                <a:gd name="connsiteY37" fmla="*/ 849086 h 971550"/>
+                <a:gd name="connsiteX38" fmla="*/ 171640 w 327899"/>
+                <a:gd name="connsiteY38" fmla="*/ 922564 h 971550"/>
+                <a:gd name="connsiteX39" fmla="*/ 163476 w 327899"/>
+                <a:gd name="connsiteY39" fmla="*/ 971550 h 971550"/>
+                <a:gd name="connsiteX0" fmla="*/ 212462 w 327899"/>
+                <a:gd name="connsiteY0" fmla="*/ 0 h 971550"/>
+                <a:gd name="connsiteX1" fmla="*/ 122655 w 327899"/>
+                <a:gd name="connsiteY1" fmla="*/ 16329 h 971550"/>
+                <a:gd name="connsiteX2" fmla="*/ 98162 w 327899"/>
+                <a:gd name="connsiteY2" fmla="*/ 32657 h 971550"/>
+                <a:gd name="connsiteX3" fmla="*/ 65505 w 327899"/>
+                <a:gd name="connsiteY3" fmla="*/ 48986 h 971550"/>
+                <a:gd name="connsiteX4" fmla="*/ 16519 w 327899"/>
+                <a:gd name="connsiteY4" fmla="*/ 81643 h 971550"/>
+                <a:gd name="connsiteX5" fmla="*/ 16519 w 327899"/>
+                <a:gd name="connsiteY5" fmla="*/ 138793 h 971550"/>
+                <a:gd name="connsiteX6" fmla="*/ 65505 w 327899"/>
+                <a:gd name="connsiteY6" fmla="*/ 171450 h 971550"/>
+                <a:gd name="connsiteX7" fmla="*/ 89997 w 327899"/>
+                <a:gd name="connsiteY7" fmla="*/ 187779 h 971550"/>
+                <a:gd name="connsiteX8" fmla="*/ 147147 w 327899"/>
+                <a:gd name="connsiteY8" fmla="*/ 212271 h 971550"/>
+                <a:gd name="connsiteX9" fmla="*/ 212462 w 327899"/>
+                <a:gd name="connsiteY9" fmla="*/ 244929 h 971550"/>
+                <a:gd name="connsiteX10" fmla="*/ 196133 w 327899"/>
+                <a:gd name="connsiteY10" fmla="*/ 302079 h 971550"/>
+                <a:gd name="connsiteX11" fmla="*/ 171640 w 327899"/>
+                <a:gd name="connsiteY11" fmla="*/ 326571 h 971550"/>
+                <a:gd name="connsiteX12" fmla="*/ 114490 w 327899"/>
+                <a:gd name="connsiteY12" fmla="*/ 359229 h 971550"/>
+                <a:gd name="connsiteX13" fmla="*/ 89997 w 327899"/>
+                <a:gd name="connsiteY13" fmla="*/ 367393 h 971550"/>
+                <a:gd name="connsiteX14" fmla="*/ 65505 w 327899"/>
+                <a:gd name="connsiteY14" fmla="*/ 383721 h 971550"/>
+                <a:gd name="connsiteX15" fmla="*/ 32847 w 327899"/>
+                <a:gd name="connsiteY15" fmla="*/ 391886 h 971550"/>
+                <a:gd name="connsiteX16" fmla="*/ 8355 w 327899"/>
+                <a:gd name="connsiteY16" fmla="*/ 400050 h 971550"/>
+                <a:gd name="connsiteX17" fmla="*/ 190 w 327899"/>
+                <a:gd name="connsiteY17" fmla="*/ 424543 h 971550"/>
+                <a:gd name="connsiteX18" fmla="*/ 65505 w 327899"/>
+                <a:gd name="connsiteY18" fmla="*/ 481693 h 971550"/>
+                <a:gd name="connsiteX19" fmla="*/ 98162 w 327899"/>
+                <a:gd name="connsiteY19" fmla="*/ 498021 h 971550"/>
+                <a:gd name="connsiteX20" fmla="*/ 122655 w 327899"/>
+                <a:gd name="connsiteY20" fmla="*/ 514350 h 971550"/>
+                <a:gd name="connsiteX21" fmla="*/ 155312 w 327899"/>
+                <a:gd name="connsiteY21" fmla="*/ 522514 h 971550"/>
+                <a:gd name="connsiteX22" fmla="*/ 236955 w 327899"/>
+                <a:gd name="connsiteY22" fmla="*/ 538843 h 971550"/>
+                <a:gd name="connsiteX23" fmla="*/ 302269 w 327899"/>
+                <a:gd name="connsiteY23" fmla="*/ 547007 h 971550"/>
+                <a:gd name="connsiteX24" fmla="*/ 326762 w 327899"/>
+                <a:gd name="connsiteY24" fmla="*/ 555171 h 971550"/>
+                <a:gd name="connsiteX25" fmla="*/ 318597 w 327899"/>
+                <a:gd name="connsiteY25" fmla="*/ 579664 h 971550"/>
+                <a:gd name="connsiteX26" fmla="*/ 269612 w 327899"/>
+                <a:gd name="connsiteY26" fmla="*/ 628650 h 971550"/>
+                <a:gd name="connsiteX27" fmla="*/ 179805 w 327899"/>
+                <a:gd name="connsiteY27" fmla="*/ 653142 h 971550"/>
+                <a:gd name="connsiteX28" fmla="*/ 138983 w 327899"/>
+                <a:gd name="connsiteY28" fmla="*/ 685800 h 971550"/>
+                <a:gd name="connsiteX29" fmla="*/ 114490 w 327899"/>
+                <a:gd name="connsiteY29" fmla="*/ 693964 h 971550"/>
+                <a:gd name="connsiteX30" fmla="*/ 81833 w 327899"/>
+                <a:gd name="connsiteY30" fmla="*/ 702129 h 971550"/>
+                <a:gd name="connsiteX31" fmla="*/ 57340 w 327899"/>
+                <a:gd name="connsiteY31" fmla="*/ 718457 h 971550"/>
+                <a:gd name="connsiteX32" fmla="*/ 32847 w 327899"/>
+                <a:gd name="connsiteY32" fmla="*/ 726621 h 971550"/>
+                <a:gd name="connsiteX33" fmla="*/ 16519 w 327899"/>
+                <a:gd name="connsiteY33" fmla="*/ 751114 h 971550"/>
+                <a:gd name="connsiteX34" fmla="*/ 24683 w 327899"/>
+                <a:gd name="connsiteY34" fmla="*/ 791936 h 971550"/>
+                <a:gd name="connsiteX35" fmla="*/ 81833 w 327899"/>
+                <a:gd name="connsiteY35" fmla="*/ 824593 h 971550"/>
+                <a:gd name="connsiteX36" fmla="*/ 122655 w 327899"/>
+                <a:gd name="connsiteY36" fmla="*/ 832757 h 971550"/>
+                <a:gd name="connsiteX37" fmla="*/ 204297 w 327899"/>
+                <a:gd name="connsiteY37" fmla="*/ 849086 h 971550"/>
+                <a:gd name="connsiteX38" fmla="*/ 171640 w 327899"/>
+                <a:gd name="connsiteY38" fmla="*/ 922564 h 971550"/>
+                <a:gd name="connsiteX39" fmla="*/ 163476 w 327899"/>
+                <a:gd name="connsiteY39" fmla="*/ 971550 h 971550"/>
+                <a:gd name="connsiteX0" fmla="*/ 212462 w 331271"/>
+                <a:gd name="connsiteY0" fmla="*/ 0 h 971550"/>
+                <a:gd name="connsiteX1" fmla="*/ 122655 w 331271"/>
+                <a:gd name="connsiteY1" fmla="*/ 16329 h 971550"/>
+                <a:gd name="connsiteX2" fmla="*/ 98162 w 331271"/>
+                <a:gd name="connsiteY2" fmla="*/ 32657 h 971550"/>
+                <a:gd name="connsiteX3" fmla="*/ 65505 w 331271"/>
+                <a:gd name="connsiteY3" fmla="*/ 48986 h 971550"/>
+                <a:gd name="connsiteX4" fmla="*/ 16519 w 331271"/>
+                <a:gd name="connsiteY4" fmla="*/ 81643 h 971550"/>
+                <a:gd name="connsiteX5" fmla="*/ 16519 w 331271"/>
+                <a:gd name="connsiteY5" fmla="*/ 138793 h 971550"/>
+                <a:gd name="connsiteX6" fmla="*/ 65505 w 331271"/>
+                <a:gd name="connsiteY6" fmla="*/ 171450 h 971550"/>
+                <a:gd name="connsiteX7" fmla="*/ 89997 w 331271"/>
+                <a:gd name="connsiteY7" fmla="*/ 187779 h 971550"/>
+                <a:gd name="connsiteX8" fmla="*/ 147147 w 331271"/>
+                <a:gd name="connsiteY8" fmla="*/ 212271 h 971550"/>
+                <a:gd name="connsiteX9" fmla="*/ 212462 w 331271"/>
+                <a:gd name="connsiteY9" fmla="*/ 244929 h 971550"/>
+                <a:gd name="connsiteX10" fmla="*/ 196133 w 331271"/>
+                <a:gd name="connsiteY10" fmla="*/ 302079 h 971550"/>
+                <a:gd name="connsiteX11" fmla="*/ 171640 w 331271"/>
+                <a:gd name="connsiteY11" fmla="*/ 326571 h 971550"/>
+                <a:gd name="connsiteX12" fmla="*/ 114490 w 331271"/>
+                <a:gd name="connsiteY12" fmla="*/ 359229 h 971550"/>
+                <a:gd name="connsiteX13" fmla="*/ 89997 w 331271"/>
+                <a:gd name="connsiteY13" fmla="*/ 367393 h 971550"/>
+                <a:gd name="connsiteX14" fmla="*/ 65505 w 331271"/>
+                <a:gd name="connsiteY14" fmla="*/ 383721 h 971550"/>
+                <a:gd name="connsiteX15" fmla="*/ 32847 w 331271"/>
+                <a:gd name="connsiteY15" fmla="*/ 391886 h 971550"/>
+                <a:gd name="connsiteX16" fmla="*/ 8355 w 331271"/>
+                <a:gd name="connsiteY16" fmla="*/ 400050 h 971550"/>
+                <a:gd name="connsiteX17" fmla="*/ 190 w 331271"/>
+                <a:gd name="connsiteY17" fmla="*/ 424543 h 971550"/>
+                <a:gd name="connsiteX18" fmla="*/ 65505 w 331271"/>
+                <a:gd name="connsiteY18" fmla="*/ 481693 h 971550"/>
+                <a:gd name="connsiteX19" fmla="*/ 98162 w 331271"/>
+                <a:gd name="connsiteY19" fmla="*/ 498021 h 971550"/>
+                <a:gd name="connsiteX20" fmla="*/ 122655 w 331271"/>
+                <a:gd name="connsiteY20" fmla="*/ 514350 h 971550"/>
+                <a:gd name="connsiteX21" fmla="*/ 155312 w 331271"/>
+                <a:gd name="connsiteY21" fmla="*/ 522514 h 971550"/>
+                <a:gd name="connsiteX22" fmla="*/ 236955 w 331271"/>
+                <a:gd name="connsiteY22" fmla="*/ 538843 h 971550"/>
+                <a:gd name="connsiteX23" fmla="*/ 302269 w 331271"/>
+                <a:gd name="connsiteY23" fmla="*/ 547007 h 971550"/>
+                <a:gd name="connsiteX24" fmla="*/ 326762 w 331271"/>
+                <a:gd name="connsiteY24" fmla="*/ 555171 h 971550"/>
+                <a:gd name="connsiteX25" fmla="*/ 204297 w 331271"/>
+                <a:gd name="connsiteY25" fmla="*/ 620486 h 971550"/>
+                <a:gd name="connsiteX26" fmla="*/ 269612 w 331271"/>
+                <a:gd name="connsiteY26" fmla="*/ 628650 h 971550"/>
+                <a:gd name="connsiteX27" fmla="*/ 179805 w 331271"/>
+                <a:gd name="connsiteY27" fmla="*/ 653142 h 971550"/>
+                <a:gd name="connsiteX28" fmla="*/ 138983 w 331271"/>
+                <a:gd name="connsiteY28" fmla="*/ 685800 h 971550"/>
+                <a:gd name="connsiteX29" fmla="*/ 114490 w 331271"/>
+                <a:gd name="connsiteY29" fmla="*/ 693964 h 971550"/>
+                <a:gd name="connsiteX30" fmla="*/ 81833 w 331271"/>
+                <a:gd name="connsiteY30" fmla="*/ 702129 h 971550"/>
+                <a:gd name="connsiteX31" fmla="*/ 57340 w 331271"/>
+                <a:gd name="connsiteY31" fmla="*/ 718457 h 971550"/>
+                <a:gd name="connsiteX32" fmla="*/ 32847 w 331271"/>
+                <a:gd name="connsiteY32" fmla="*/ 726621 h 971550"/>
+                <a:gd name="connsiteX33" fmla="*/ 16519 w 331271"/>
+                <a:gd name="connsiteY33" fmla="*/ 751114 h 971550"/>
+                <a:gd name="connsiteX34" fmla="*/ 24683 w 331271"/>
+                <a:gd name="connsiteY34" fmla="*/ 791936 h 971550"/>
+                <a:gd name="connsiteX35" fmla="*/ 81833 w 331271"/>
+                <a:gd name="connsiteY35" fmla="*/ 824593 h 971550"/>
+                <a:gd name="connsiteX36" fmla="*/ 122655 w 331271"/>
+                <a:gd name="connsiteY36" fmla="*/ 832757 h 971550"/>
+                <a:gd name="connsiteX37" fmla="*/ 204297 w 331271"/>
+                <a:gd name="connsiteY37" fmla="*/ 849086 h 971550"/>
+                <a:gd name="connsiteX38" fmla="*/ 171640 w 331271"/>
+                <a:gd name="connsiteY38" fmla="*/ 922564 h 971550"/>
+                <a:gd name="connsiteX39" fmla="*/ 163476 w 331271"/>
+                <a:gd name="connsiteY39" fmla="*/ 971550 h 971550"/>
+                <a:gd name="connsiteX0" fmla="*/ 212462 w 302899"/>
+                <a:gd name="connsiteY0" fmla="*/ 0 h 971550"/>
+                <a:gd name="connsiteX1" fmla="*/ 122655 w 302899"/>
+                <a:gd name="connsiteY1" fmla="*/ 16329 h 971550"/>
+                <a:gd name="connsiteX2" fmla="*/ 98162 w 302899"/>
+                <a:gd name="connsiteY2" fmla="*/ 32657 h 971550"/>
+                <a:gd name="connsiteX3" fmla="*/ 65505 w 302899"/>
+                <a:gd name="connsiteY3" fmla="*/ 48986 h 971550"/>
+                <a:gd name="connsiteX4" fmla="*/ 16519 w 302899"/>
+                <a:gd name="connsiteY4" fmla="*/ 81643 h 971550"/>
+                <a:gd name="connsiteX5" fmla="*/ 16519 w 302899"/>
+                <a:gd name="connsiteY5" fmla="*/ 138793 h 971550"/>
+                <a:gd name="connsiteX6" fmla="*/ 65505 w 302899"/>
+                <a:gd name="connsiteY6" fmla="*/ 171450 h 971550"/>
+                <a:gd name="connsiteX7" fmla="*/ 89997 w 302899"/>
+                <a:gd name="connsiteY7" fmla="*/ 187779 h 971550"/>
+                <a:gd name="connsiteX8" fmla="*/ 147147 w 302899"/>
+                <a:gd name="connsiteY8" fmla="*/ 212271 h 971550"/>
+                <a:gd name="connsiteX9" fmla="*/ 212462 w 302899"/>
+                <a:gd name="connsiteY9" fmla="*/ 244929 h 971550"/>
+                <a:gd name="connsiteX10" fmla="*/ 196133 w 302899"/>
+                <a:gd name="connsiteY10" fmla="*/ 302079 h 971550"/>
+                <a:gd name="connsiteX11" fmla="*/ 171640 w 302899"/>
+                <a:gd name="connsiteY11" fmla="*/ 326571 h 971550"/>
+                <a:gd name="connsiteX12" fmla="*/ 114490 w 302899"/>
+                <a:gd name="connsiteY12" fmla="*/ 359229 h 971550"/>
+                <a:gd name="connsiteX13" fmla="*/ 89997 w 302899"/>
+                <a:gd name="connsiteY13" fmla="*/ 367393 h 971550"/>
+                <a:gd name="connsiteX14" fmla="*/ 65505 w 302899"/>
+                <a:gd name="connsiteY14" fmla="*/ 383721 h 971550"/>
+                <a:gd name="connsiteX15" fmla="*/ 32847 w 302899"/>
+                <a:gd name="connsiteY15" fmla="*/ 391886 h 971550"/>
+                <a:gd name="connsiteX16" fmla="*/ 8355 w 302899"/>
+                <a:gd name="connsiteY16" fmla="*/ 400050 h 971550"/>
+                <a:gd name="connsiteX17" fmla="*/ 190 w 302899"/>
+                <a:gd name="connsiteY17" fmla="*/ 424543 h 971550"/>
+                <a:gd name="connsiteX18" fmla="*/ 65505 w 302899"/>
+                <a:gd name="connsiteY18" fmla="*/ 481693 h 971550"/>
+                <a:gd name="connsiteX19" fmla="*/ 98162 w 302899"/>
+                <a:gd name="connsiteY19" fmla="*/ 498021 h 971550"/>
+                <a:gd name="connsiteX20" fmla="*/ 122655 w 302899"/>
+                <a:gd name="connsiteY20" fmla="*/ 514350 h 971550"/>
+                <a:gd name="connsiteX21" fmla="*/ 155312 w 302899"/>
+                <a:gd name="connsiteY21" fmla="*/ 522514 h 971550"/>
+                <a:gd name="connsiteX22" fmla="*/ 236955 w 302899"/>
+                <a:gd name="connsiteY22" fmla="*/ 538843 h 971550"/>
+                <a:gd name="connsiteX23" fmla="*/ 302269 w 302899"/>
+                <a:gd name="connsiteY23" fmla="*/ 547007 h 971550"/>
+                <a:gd name="connsiteX24" fmla="*/ 220626 w 302899"/>
+                <a:gd name="connsiteY24" fmla="*/ 587828 h 971550"/>
+                <a:gd name="connsiteX25" fmla="*/ 204297 w 302899"/>
+                <a:gd name="connsiteY25" fmla="*/ 620486 h 971550"/>
+                <a:gd name="connsiteX26" fmla="*/ 269612 w 302899"/>
+                <a:gd name="connsiteY26" fmla="*/ 628650 h 971550"/>
+                <a:gd name="connsiteX27" fmla="*/ 179805 w 302899"/>
+                <a:gd name="connsiteY27" fmla="*/ 653142 h 971550"/>
+                <a:gd name="connsiteX28" fmla="*/ 138983 w 302899"/>
+                <a:gd name="connsiteY28" fmla="*/ 685800 h 971550"/>
+                <a:gd name="connsiteX29" fmla="*/ 114490 w 302899"/>
+                <a:gd name="connsiteY29" fmla="*/ 693964 h 971550"/>
+                <a:gd name="connsiteX30" fmla="*/ 81833 w 302899"/>
+                <a:gd name="connsiteY30" fmla="*/ 702129 h 971550"/>
+                <a:gd name="connsiteX31" fmla="*/ 57340 w 302899"/>
+                <a:gd name="connsiteY31" fmla="*/ 718457 h 971550"/>
+                <a:gd name="connsiteX32" fmla="*/ 32847 w 302899"/>
+                <a:gd name="connsiteY32" fmla="*/ 726621 h 971550"/>
+                <a:gd name="connsiteX33" fmla="*/ 16519 w 302899"/>
+                <a:gd name="connsiteY33" fmla="*/ 751114 h 971550"/>
+                <a:gd name="connsiteX34" fmla="*/ 24683 w 302899"/>
+                <a:gd name="connsiteY34" fmla="*/ 791936 h 971550"/>
+                <a:gd name="connsiteX35" fmla="*/ 81833 w 302899"/>
+                <a:gd name="connsiteY35" fmla="*/ 824593 h 971550"/>
+                <a:gd name="connsiteX36" fmla="*/ 122655 w 302899"/>
+                <a:gd name="connsiteY36" fmla="*/ 832757 h 971550"/>
+                <a:gd name="connsiteX37" fmla="*/ 204297 w 302899"/>
+                <a:gd name="connsiteY37" fmla="*/ 849086 h 971550"/>
+                <a:gd name="connsiteX38" fmla="*/ 171640 w 302899"/>
+                <a:gd name="connsiteY38" fmla="*/ 922564 h 971550"/>
+                <a:gd name="connsiteX39" fmla="*/ 163476 w 302899"/>
+                <a:gd name="connsiteY39" fmla="*/ 971550 h 971550"/>
+                <a:gd name="connsiteX0" fmla="*/ 212462 w 269807"/>
+                <a:gd name="connsiteY0" fmla="*/ 0 h 971550"/>
+                <a:gd name="connsiteX1" fmla="*/ 122655 w 269807"/>
+                <a:gd name="connsiteY1" fmla="*/ 16329 h 971550"/>
+                <a:gd name="connsiteX2" fmla="*/ 98162 w 269807"/>
+                <a:gd name="connsiteY2" fmla="*/ 32657 h 971550"/>
+                <a:gd name="connsiteX3" fmla="*/ 65505 w 269807"/>
+                <a:gd name="connsiteY3" fmla="*/ 48986 h 971550"/>
+                <a:gd name="connsiteX4" fmla="*/ 16519 w 269807"/>
+                <a:gd name="connsiteY4" fmla="*/ 81643 h 971550"/>
+                <a:gd name="connsiteX5" fmla="*/ 16519 w 269807"/>
+                <a:gd name="connsiteY5" fmla="*/ 138793 h 971550"/>
+                <a:gd name="connsiteX6" fmla="*/ 65505 w 269807"/>
+                <a:gd name="connsiteY6" fmla="*/ 171450 h 971550"/>
+                <a:gd name="connsiteX7" fmla="*/ 89997 w 269807"/>
+                <a:gd name="connsiteY7" fmla="*/ 187779 h 971550"/>
+                <a:gd name="connsiteX8" fmla="*/ 147147 w 269807"/>
+                <a:gd name="connsiteY8" fmla="*/ 212271 h 971550"/>
+                <a:gd name="connsiteX9" fmla="*/ 212462 w 269807"/>
+                <a:gd name="connsiteY9" fmla="*/ 244929 h 971550"/>
+                <a:gd name="connsiteX10" fmla="*/ 196133 w 269807"/>
+                <a:gd name="connsiteY10" fmla="*/ 302079 h 971550"/>
+                <a:gd name="connsiteX11" fmla="*/ 171640 w 269807"/>
+                <a:gd name="connsiteY11" fmla="*/ 326571 h 971550"/>
+                <a:gd name="connsiteX12" fmla="*/ 114490 w 269807"/>
+                <a:gd name="connsiteY12" fmla="*/ 359229 h 971550"/>
+                <a:gd name="connsiteX13" fmla="*/ 89997 w 269807"/>
+                <a:gd name="connsiteY13" fmla="*/ 367393 h 971550"/>
+                <a:gd name="connsiteX14" fmla="*/ 65505 w 269807"/>
+                <a:gd name="connsiteY14" fmla="*/ 383721 h 971550"/>
+                <a:gd name="connsiteX15" fmla="*/ 32847 w 269807"/>
+                <a:gd name="connsiteY15" fmla="*/ 391886 h 971550"/>
+                <a:gd name="connsiteX16" fmla="*/ 8355 w 269807"/>
+                <a:gd name="connsiteY16" fmla="*/ 400050 h 971550"/>
+                <a:gd name="connsiteX17" fmla="*/ 190 w 269807"/>
+                <a:gd name="connsiteY17" fmla="*/ 424543 h 971550"/>
+                <a:gd name="connsiteX18" fmla="*/ 65505 w 269807"/>
+                <a:gd name="connsiteY18" fmla="*/ 481693 h 971550"/>
+                <a:gd name="connsiteX19" fmla="*/ 98162 w 269807"/>
+                <a:gd name="connsiteY19" fmla="*/ 498021 h 971550"/>
+                <a:gd name="connsiteX20" fmla="*/ 122655 w 269807"/>
+                <a:gd name="connsiteY20" fmla="*/ 514350 h 971550"/>
+                <a:gd name="connsiteX21" fmla="*/ 155312 w 269807"/>
+                <a:gd name="connsiteY21" fmla="*/ 522514 h 971550"/>
+                <a:gd name="connsiteX22" fmla="*/ 236955 w 269807"/>
+                <a:gd name="connsiteY22" fmla="*/ 538843 h 971550"/>
+                <a:gd name="connsiteX23" fmla="*/ 196133 w 269807"/>
+                <a:gd name="connsiteY23" fmla="*/ 595993 h 971550"/>
+                <a:gd name="connsiteX24" fmla="*/ 220626 w 269807"/>
+                <a:gd name="connsiteY24" fmla="*/ 587828 h 971550"/>
+                <a:gd name="connsiteX25" fmla="*/ 204297 w 269807"/>
+                <a:gd name="connsiteY25" fmla="*/ 620486 h 971550"/>
+                <a:gd name="connsiteX26" fmla="*/ 269612 w 269807"/>
+                <a:gd name="connsiteY26" fmla="*/ 628650 h 971550"/>
+                <a:gd name="connsiteX27" fmla="*/ 179805 w 269807"/>
+                <a:gd name="connsiteY27" fmla="*/ 653142 h 971550"/>
+                <a:gd name="connsiteX28" fmla="*/ 138983 w 269807"/>
+                <a:gd name="connsiteY28" fmla="*/ 685800 h 971550"/>
+                <a:gd name="connsiteX29" fmla="*/ 114490 w 269807"/>
+                <a:gd name="connsiteY29" fmla="*/ 693964 h 971550"/>
+                <a:gd name="connsiteX30" fmla="*/ 81833 w 269807"/>
+                <a:gd name="connsiteY30" fmla="*/ 702129 h 971550"/>
+                <a:gd name="connsiteX31" fmla="*/ 57340 w 269807"/>
+                <a:gd name="connsiteY31" fmla="*/ 718457 h 971550"/>
+                <a:gd name="connsiteX32" fmla="*/ 32847 w 269807"/>
+                <a:gd name="connsiteY32" fmla="*/ 726621 h 971550"/>
+                <a:gd name="connsiteX33" fmla="*/ 16519 w 269807"/>
+                <a:gd name="connsiteY33" fmla="*/ 751114 h 971550"/>
+                <a:gd name="connsiteX34" fmla="*/ 24683 w 269807"/>
+                <a:gd name="connsiteY34" fmla="*/ 791936 h 971550"/>
+                <a:gd name="connsiteX35" fmla="*/ 81833 w 269807"/>
+                <a:gd name="connsiteY35" fmla="*/ 824593 h 971550"/>
+                <a:gd name="connsiteX36" fmla="*/ 122655 w 269807"/>
+                <a:gd name="connsiteY36" fmla="*/ 832757 h 971550"/>
+                <a:gd name="connsiteX37" fmla="*/ 204297 w 269807"/>
+                <a:gd name="connsiteY37" fmla="*/ 849086 h 971550"/>
+                <a:gd name="connsiteX38" fmla="*/ 171640 w 269807"/>
+                <a:gd name="connsiteY38" fmla="*/ 922564 h 971550"/>
+                <a:gd name="connsiteX39" fmla="*/ 163476 w 269807"/>
+                <a:gd name="connsiteY39" fmla="*/ 971550 h 971550"/>
+                <a:gd name="connsiteX0" fmla="*/ 212462 w 269807"/>
+                <a:gd name="connsiteY0" fmla="*/ 0 h 971550"/>
+                <a:gd name="connsiteX1" fmla="*/ 122655 w 269807"/>
+                <a:gd name="connsiteY1" fmla="*/ 16329 h 971550"/>
+                <a:gd name="connsiteX2" fmla="*/ 98162 w 269807"/>
+                <a:gd name="connsiteY2" fmla="*/ 32657 h 971550"/>
+                <a:gd name="connsiteX3" fmla="*/ 65505 w 269807"/>
+                <a:gd name="connsiteY3" fmla="*/ 48986 h 971550"/>
+                <a:gd name="connsiteX4" fmla="*/ 16519 w 269807"/>
+                <a:gd name="connsiteY4" fmla="*/ 81643 h 971550"/>
+                <a:gd name="connsiteX5" fmla="*/ 16519 w 269807"/>
+                <a:gd name="connsiteY5" fmla="*/ 138793 h 971550"/>
+                <a:gd name="connsiteX6" fmla="*/ 65505 w 269807"/>
+                <a:gd name="connsiteY6" fmla="*/ 171450 h 971550"/>
+                <a:gd name="connsiteX7" fmla="*/ 89997 w 269807"/>
+                <a:gd name="connsiteY7" fmla="*/ 187779 h 971550"/>
+                <a:gd name="connsiteX8" fmla="*/ 147147 w 269807"/>
+                <a:gd name="connsiteY8" fmla="*/ 212271 h 971550"/>
+                <a:gd name="connsiteX9" fmla="*/ 212462 w 269807"/>
+                <a:gd name="connsiteY9" fmla="*/ 244929 h 971550"/>
+                <a:gd name="connsiteX10" fmla="*/ 196133 w 269807"/>
+                <a:gd name="connsiteY10" fmla="*/ 302079 h 971550"/>
+                <a:gd name="connsiteX11" fmla="*/ 171640 w 269807"/>
+                <a:gd name="connsiteY11" fmla="*/ 326571 h 971550"/>
+                <a:gd name="connsiteX12" fmla="*/ 114490 w 269807"/>
+                <a:gd name="connsiteY12" fmla="*/ 359229 h 971550"/>
+                <a:gd name="connsiteX13" fmla="*/ 89997 w 269807"/>
+                <a:gd name="connsiteY13" fmla="*/ 367393 h 971550"/>
+                <a:gd name="connsiteX14" fmla="*/ 65505 w 269807"/>
+                <a:gd name="connsiteY14" fmla="*/ 383721 h 971550"/>
+                <a:gd name="connsiteX15" fmla="*/ 32847 w 269807"/>
+                <a:gd name="connsiteY15" fmla="*/ 391886 h 971550"/>
+                <a:gd name="connsiteX16" fmla="*/ 8355 w 269807"/>
+                <a:gd name="connsiteY16" fmla="*/ 400050 h 971550"/>
+                <a:gd name="connsiteX17" fmla="*/ 190 w 269807"/>
+                <a:gd name="connsiteY17" fmla="*/ 424543 h 971550"/>
+                <a:gd name="connsiteX18" fmla="*/ 65505 w 269807"/>
+                <a:gd name="connsiteY18" fmla="*/ 481693 h 971550"/>
+                <a:gd name="connsiteX19" fmla="*/ 98162 w 269807"/>
+                <a:gd name="connsiteY19" fmla="*/ 498021 h 971550"/>
+                <a:gd name="connsiteX20" fmla="*/ 122655 w 269807"/>
+                <a:gd name="connsiteY20" fmla="*/ 514350 h 971550"/>
+                <a:gd name="connsiteX21" fmla="*/ 155312 w 269807"/>
+                <a:gd name="connsiteY21" fmla="*/ 522514 h 971550"/>
+                <a:gd name="connsiteX22" fmla="*/ 204298 w 269807"/>
+                <a:gd name="connsiteY22" fmla="*/ 555172 h 971550"/>
+                <a:gd name="connsiteX23" fmla="*/ 196133 w 269807"/>
+                <a:gd name="connsiteY23" fmla="*/ 595993 h 971550"/>
+                <a:gd name="connsiteX24" fmla="*/ 220626 w 269807"/>
+                <a:gd name="connsiteY24" fmla="*/ 587828 h 971550"/>
+                <a:gd name="connsiteX25" fmla="*/ 204297 w 269807"/>
+                <a:gd name="connsiteY25" fmla="*/ 620486 h 971550"/>
+                <a:gd name="connsiteX26" fmla="*/ 269612 w 269807"/>
+                <a:gd name="connsiteY26" fmla="*/ 628650 h 971550"/>
+                <a:gd name="connsiteX27" fmla="*/ 179805 w 269807"/>
+                <a:gd name="connsiteY27" fmla="*/ 653142 h 971550"/>
+                <a:gd name="connsiteX28" fmla="*/ 138983 w 269807"/>
+                <a:gd name="connsiteY28" fmla="*/ 685800 h 971550"/>
+                <a:gd name="connsiteX29" fmla="*/ 114490 w 269807"/>
+                <a:gd name="connsiteY29" fmla="*/ 693964 h 971550"/>
+                <a:gd name="connsiteX30" fmla="*/ 81833 w 269807"/>
+                <a:gd name="connsiteY30" fmla="*/ 702129 h 971550"/>
+                <a:gd name="connsiteX31" fmla="*/ 57340 w 269807"/>
+                <a:gd name="connsiteY31" fmla="*/ 718457 h 971550"/>
+                <a:gd name="connsiteX32" fmla="*/ 32847 w 269807"/>
+                <a:gd name="connsiteY32" fmla="*/ 726621 h 971550"/>
+                <a:gd name="connsiteX33" fmla="*/ 16519 w 269807"/>
+                <a:gd name="connsiteY33" fmla="*/ 751114 h 971550"/>
+                <a:gd name="connsiteX34" fmla="*/ 24683 w 269807"/>
+                <a:gd name="connsiteY34" fmla="*/ 791936 h 971550"/>
+                <a:gd name="connsiteX35" fmla="*/ 81833 w 269807"/>
+                <a:gd name="connsiteY35" fmla="*/ 824593 h 971550"/>
+                <a:gd name="connsiteX36" fmla="*/ 122655 w 269807"/>
+                <a:gd name="connsiteY36" fmla="*/ 832757 h 971550"/>
+                <a:gd name="connsiteX37" fmla="*/ 204297 w 269807"/>
+                <a:gd name="connsiteY37" fmla="*/ 849086 h 971550"/>
+                <a:gd name="connsiteX38" fmla="*/ 171640 w 269807"/>
+                <a:gd name="connsiteY38" fmla="*/ 922564 h 971550"/>
+                <a:gd name="connsiteX39" fmla="*/ 163476 w 269807"/>
+                <a:gd name="connsiteY39" fmla="*/ 971550 h 971550"/>
+                <a:gd name="connsiteX0" fmla="*/ 212462 w 220713"/>
+                <a:gd name="connsiteY0" fmla="*/ 0 h 971550"/>
+                <a:gd name="connsiteX1" fmla="*/ 122655 w 220713"/>
+                <a:gd name="connsiteY1" fmla="*/ 16329 h 971550"/>
+                <a:gd name="connsiteX2" fmla="*/ 98162 w 220713"/>
+                <a:gd name="connsiteY2" fmla="*/ 32657 h 971550"/>
+                <a:gd name="connsiteX3" fmla="*/ 65505 w 220713"/>
+                <a:gd name="connsiteY3" fmla="*/ 48986 h 971550"/>
+                <a:gd name="connsiteX4" fmla="*/ 16519 w 220713"/>
+                <a:gd name="connsiteY4" fmla="*/ 81643 h 971550"/>
+                <a:gd name="connsiteX5" fmla="*/ 16519 w 220713"/>
+                <a:gd name="connsiteY5" fmla="*/ 138793 h 971550"/>
+                <a:gd name="connsiteX6" fmla="*/ 65505 w 220713"/>
+                <a:gd name="connsiteY6" fmla="*/ 171450 h 971550"/>
+                <a:gd name="connsiteX7" fmla="*/ 89997 w 220713"/>
+                <a:gd name="connsiteY7" fmla="*/ 187779 h 971550"/>
+                <a:gd name="connsiteX8" fmla="*/ 147147 w 220713"/>
+                <a:gd name="connsiteY8" fmla="*/ 212271 h 971550"/>
+                <a:gd name="connsiteX9" fmla="*/ 212462 w 220713"/>
+                <a:gd name="connsiteY9" fmla="*/ 244929 h 971550"/>
+                <a:gd name="connsiteX10" fmla="*/ 196133 w 220713"/>
+                <a:gd name="connsiteY10" fmla="*/ 302079 h 971550"/>
+                <a:gd name="connsiteX11" fmla="*/ 171640 w 220713"/>
+                <a:gd name="connsiteY11" fmla="*/ 326571 h 971550"/>
+                <a:gd name="connsiteX12" fmla="*/ 114490 w 220713"/>
+                <a:gd name="connsiteY12" fmla="*/ 359229 h 971550"/>
+                <a:gd name="connsiteX13" fmla="*/ 89997 w 220713"/>
+                <a:gd name="connsiteY13" fmla="*/ 367393 h 971550"/>
+                <a:gd name="connsiteX14" fmla="*/ 65505 w 220713"/>
+                <a:gd name="connsiteY14" fmla="*/ 383721 h 971550"/>
+                <a:gd name="connsiteX15" fmla="*/ 32847 w 220713"/>
+                <a:gd name="connsiteY15" fmla="*/ 391886 h 971550"/>
+                <a:gd name="connsiteX16" fmla="*/ 8355 w 220713"/>
+                <a:gd name="connsiteY16" fmla="*/ 400050 h 971550"/>
+                <a:gd name="connsiteX17" fmla="*/ 190 w 220713"/>
+                <a:gd name="connsiteY17" fmla="*/ 424543 h 971550"/>
+                <a:gd name="connsiteX18" fmla="*/ 65505 w 220713"/>
+                <a:gd name="connsiteY18" fmla="*/ 481693 h 971550"/>
+                <a:gd name="connsiteX19" fmla="*/ 98162 w 220713"/>
+                <a:gd name="connsiteY19" fmla="*/ 498021 h 971550"/>
+                <a:gd name="connsiteX20" fmla="*/ 122655 w 220713"/>
+                <a:gd name="connsiteY20" fmla="*/ 514350 h 971550"/>
+                <a:gd name="connsiteX21" fmla="*/ 155312 w 220713"/>
+                <a:gd name="connsiteY21" fmla="*/ 522514 h 971550"/>
+                <a:gd name="connsiteX22" fmla="*/ 204298 w 220713"/>
+                <a:gd name="connsiteY22" fmla="*/ 555172 h 971550"/>
+                <a:gd name="connsiteX23" fmla="*/ 196133 w 220713"/>
+                <a:gd name="connsiteY23" fmla="*/ 595993 h 971550"/>
+                <a:gd name="connsiteX24" fmla="*/ 220626 w 220713"/>
+                <a:gd name="connsiteY24" fmla="*/ 587828 h 971550"/>
+                <a:gd name="connsiteX25" fmla="*/ 204297 w 220713"/>
+                <a:gd name="connsiteY25" fmla="*/ 620486 h 971550"/>
+                <a:gd name="connsiteX26" fmla="*/ 204298 w 220713"/>
+                <a:gd name="connsiteY26" fmla="*/ 628650 h 971550"/>
+                <a:gd name="connsiteX27" fmla="*/ 179805 w 220713"/>
+                <a:gd name="connsiteY27" fmla="*/ 653142 h 971550"/>
+                <a:gd name="connsiteX28" fmla="*/ 138983 w 220713"/>
+                <a:gd name="connsiteY28" fmla="*/ 685800 h 971550"/>
+                <a:gd name="connsiteX29" fmla="*/ 114490 w 220713"/>
+                <a:gd name="connsiteY29" fmla="*/ 693964 h 971550"/>
+                <a:gd name="connsiteX30" fmla="*/ 81833 w 220713"/>
+                <a:gd name="connsiteY30" fmla="*/ 702129 h 971550"/>
+                <a:gd name="connsiteX31" fmla="*/ 57340 w 220713"/>
+                <a:gd name="connsiteY31" fmla="*/ 718457 h 971550"/>
+                <a:gd name="connsiteX32" fmla="*/ 32847 w 220713"/>
+                <a:gd name="connsiteY32" fmla="*/ 726621 h 971550"/>
+                <a:gd name="connsiteX33" fmla="*/ 16519 w 220713"/>
+                <a:gd name="connsiteY33" fmla="*/ 751114 h 971550"/>
+                <a:gd name="connsiteX34" fmla="*/ 24683 w 220713"/>
+                <a:gd name="connsiteY34" fmla="*/ 791936 h 971550"/>
+                <a:gd name="connsiteX35" fmla="*/ 81833 w 220713"/>
+                <a:gd name="connsiteY35" fmla="*/ 824593 h 971550"/>
+                <a:gd name="connsiteX36" fmla="*/ 122655 w 220713"/>
+                <a:gd name="connsiteY36" fmla="*/ 832757 h 971550"/>
+                <a:gd name="connsiteX37" fmla="*/ 204297 w 220713"/>
+                <a:gd name="connsiteY37" fmla="*/ 849086 h 971550"/>
+                <a:gd name="connsiteX38" fmla="*/ 171640 w 220713"/>
+                <a:gd name="connsiteY38" fmla="*/ 922564 h 971550"/>
+                <a:gd name="connsiteX39" fmla="*/ 163476 w 220713"/>
+                <a:gd name="connsiteY39" fmla="*/ 971550 h 971550"/>
+                <a:gd name="connsiteX0" fmla="*/ 147148 w 220713"/>
+                <a:gd name="connsiteY0" fmla="*/ 0 h 1004207"/>
+                <a:gd name="connsiteX1" fmla="*/ 122655 w 220713"/>
+                <a:gd name="connsiteY1" fmla="*/ 48986 h 1004207"/>
+                <a:gd name="connsiteX2" fmla="*/ 98162 w 220713"/>
+                <a:gd name="connsiteY2" fmla="*/ 65314 h 1004207"/>
+                <a:gd name="connsiteX3" fmla="*/ 65505 w 220713"/>
+                <a:gd name="connsiteY3" fmla="*/ 81643 h 1004207"/>
+                <a:gd name="connsiteX4" fmla="*/ 16519 w 220713"/>
+                <a:gd name="connsiteY4" fmla="*/ 114300 h 1004207"/>
+                <a:gd name="connsiteX5" fmla="*/ 16519 w 220713"/>
+                <a:gd name="connsiteY5" fmla="*/ 171450 h 1004207"/>
+                <a:gd name="connsiteX6" fmla="*/ 65505 w 220713"/>
+                <a:gd name="connsiteY6" fmla="*/ 204107 h 1004207"/>
+                <a:gd name="connsiteX7" fmla="*/ 89997 w 220713"/>
+                <a:gd name="connsiteY7" fmla="*/ 220436 h 1004207"/>
+                <a:gd name="connsiteX8" fmla="*/ 147147 w 220713"/>
+                <a:gd name="connsiteY8" fmla="*/ 244928 h 1004207"/>
+                <a:gd name="connsiteX9" fmla="*/ 212462 w 220713"/>
+                <a:gd name="connsiteY9" fmla="*/ 277586 h 1004207"/>
+                <a:gd name="connsiteX10" fmla="*/ 196133 w 220713"/>
+                <a:gd name="connsiteY10" fmla="*/ 334736 h 1004207"/>
+                <a:gd name="connsiteX11" fmla="*/ 171640 w 220713"/>
+                <a:gd name="connsiteY11" fmla="*/ 359228 h 1004207"/>
+                <a:gd name="connsiteX12" fmla="*/ 114490 w 220713"/>
+                <a:gd name="connsiteY12" fmla="*/ 391886 h 1004207"/>
+                <a:gd name="connsiteX13" fmla="*/ 89997 w 220713"/>
+                <a:gd name="connsiteY13" fmla="*/ 400050 h 1004207"/>
+                <a:gd name="connsiteX14" fmla="*/ 65505 w 220713"/>
+                <a:gd name="connsiteY14" fmla="*/ 416378 h 1004207"/>
+                <a:gd name="connsiteX15" fmla="*/ 32847 w 220713"/>
+                <a:gd name="connsiteY15" fmla="*/ 424543 h 1004207"/>
+                <a:gd name="connsiteX16" fmla="*/ 8355 w 220713"/>
+                <a:gd name="connsiteY16" fmla="*/ 432707 h 1004207"/>
+                <a:gd name="connsiteX17" fmla="*/ 190 w 220713"/>
+                <a:gd name="connsiteY17" fmla="*/ 457200 h 1004207"/>
+                <a:gd name="connsiteX18" fmla="*/ 65505 w 220713"/>
+                <a:gd name="connsiteY18" fmla="*/ 514350 h 1004207"/>
+                <a:gd name="connsiteX19" fmla="*/ 98162 w 220713"/>
+                <a:gd name="connsiteY19" fmla="*/ 530678 h 1004207"/>
+                <a:gd name="connsiteX20" fmla="*/ 122655 w 220713"/>
+                <a:gd name="connsiteY20" fmla="*/ 547007 h 1004207"/>
+                <a:gd name="connsiteX21" fmla="*/ 155312 w 220713"/>
+                <a:gd name="connsiteY21" fmla="*/ 555171 h 1004207"/>
+                <a:gd name="connsiteX22" fmla="*/ 204298 w 220713"/>
+                <a:gd name="connsiteY22" fmla="*/ 587829 h 1004207"/>
+                <a:gd name="connsiteX23" fmla="*/ 196133 w 220713"/>
+                <a:gd name="connsiteY23" fmla="*/ 628650 h 1004207"/>
+                <a:gd name="connsiteX24" fmla="*/ 220626 w 220713"/>
+                <a:gd name="connsiteY24" fmla="*/ 620485 h 1004207"/>
+                <a:gd name="connsiteX25" fmla="*/ 204297 w 220713"/>
+                <a:gd name="connsiteY25" fmla="*/ 653143 h 1004207"/>
+                <a:gd name="connsiteX26" fmla="*/ 204298 w 220713"/>
+                <a:gd name="connsiteY26" fmla="*/ 661307 h 1004207"/>
+                <a:gd name="connsiteX27" fmla="*/ 179805 w 220713"/>
+                <a:gd name="connsiteY27" fmla="*/ 685799 h 1004207"/>
+                <a:gd name="connsiteX28" fmla="*/ 138983 w 220713"/>
+                <a:gd name="connsiteY28" fmla="*/ 718457 h 1004207"/>
+                <a:gd name="connsiteX29" fmla="*/ 114490 w 220713"/>
+                <a:gd name="connsiteY29" fmla="*/ 726621 h 1004207"/>
+                <a:gd name="connsiteX30" fmla="*/ 81833 w 220713"/>
+                <a:gd name="connsiteY30" fmla="*/ 734786 h 1004207"/>
+                <a:gd name="connsiteX31" fmla="*/ 57340 w 220713"/>
+                <a:gd name="connsiteY31" fmla="*/ 751114 h 1004207"/>
+                <a:gd name="connsiteX32" fmla="*/ 32847 w 220713"/>
+                <a:gd name="connsiteY32" fmla="*/ 759278 h 1004207"/>
+                <a:gd name="connsiteX33" fmla="*/ 16519 w 220713"/>
+                <a:gd name="connsiteY33" fmla="*/ 783771 h 1004207"/>
+                <a:gd name="connsiteX34" fmla="*/ 24683 w 220713"/>
+                <a:gd name="connsiteY34" fmla="*/ 824593 h 1004207"/>
+                <a:gd name="connsiteX35" fmla="*/ 81833 w 220713"/>
+                <a:gd name="connsiteY35" fmla="*/ 857250 h 1004207"/>
+                <a:gd name="connsiteX36" fmla="*/ 122655 w 220713"/>
+                <a:gd name="connsiteY36" fmla="*/ 865414 h 1004207"/>
+                <a:gd name="connsiteX37" fmla="*/ 204297 w 220713"/>
+                <a:gd name="connsiteY37" fmla="*/ 881743 h 1004207"/>
+                <a:gd name="connsiteX38" fmla="*/ 171640 w 220713"/>
+                <a:gd name="connsiteY38" fmla="*/ 955221 h 1004207"/>
+                <a:gd name="connsiteX39" fmla="*/ 163476 w 220713"/>
+                <a:gd name="connsiteY39" fmla="*/ 1004207 h 1004207"/>
+              </a:gdLst>
+              <a:ahLst/>
+              <a:cxnLst>
+                <a:cxn ang="0">
+                  <a:pos x="connsiteX0" y="connsiteY0"/>
+                </a:cxn>
+                <a:cxn ang="0">
+                  <a:pos x="connsiteX1" y="connsiteY1"/>
+                </a:cxn>
+                <a:cxn ang="0">
+                  <a:pos x="connsiteX2" y="connsiteY2"/>
+                </a:cxn>
+                <a:cxn ang="0">
+                  <a:pos x="connsiteX3" y="connsiteY3"/>
+                </a:cxn>
+                <a:cxn ang="0">
+                  <a:pos x="connsiteX4" y="connsiteY4"/>
+                </a:cxn>
+                <a:cxn ang="0">
+                  <a:pos x="connsiteX5" y="connsiteY5"/>
+                </a:cxn>
+                <a:cxn ang="0">
+                  <a:pos x="connsiteX6" y="connsiteY6"/>
+                </a:cxn>
+                <a:cxn ang="0">
+                  <a:pos x="connsiteX7" y="connsiteY7"/>
+                </a:cxn>
+                <a:cxn ang="0">
+                  <a:pos x="connsiteX8" y="connsiteY8"/>
+                </a:cxn>
+                <a:cxn ang="0">
+                  <a:pos x="connsiteX9" y="connsiteY9"/>
+                </a:cxn>
+                <a:cxn ang="0">
+                  <a:pos x="connsiteX10" y="connsiteY10"/>
+                </a:cxn>
+                <a:cxn ang="0">
+                  <a:pos x="connsiteX11" y="connsiteY11"/>
+                </a:cxn>
+                <a:cxn ang="0">
+                  <a:pos x="connsiteX12" y="connsiteY12"/>
+                </a:cxn>
+                <a:cxn ang="0">
+                  <a:pos x="connsiteX13" y="connsiteY13"/>
+                </a:cxn>
+                <a:cxn ang="0">
+                  <a:pos x="connsiteX14" y="connsiteY14"/>
+                </a:cxn>
+                <a:cxn ang="0">
+                  <a:pos x="connsiteX15" y="connsiteY15"/>
+                </a:cxn>
+                <a:cxn ang="0">
+                  <a:pos x="connsiteX16" y="connsiteY16"/>
+                </a:cxn>
+                <a:cxn ang="0">
+                  <a:pos x="connsiteX17" y="connsiteY17"/>
+                </a:cxn>
+                <a:cxn ang="0">
+                  <a:pos x="connsiteX18" y="connsiteY18"/>
+                </a:cxn>
+                <a:cxn ang="0">
+                  <a:pos x="connsiteX19" y="connsiteY19"/>
+                </a:cxn>
+                <a:cxn ang="0">
+                  <a:pos x="connsiteX20" y="connsiteY20"/>
+                </a:cxn>
+                <a:cxn ang="0">
+                  <a:pos x="connsiteX21" y="connsiteY21"/>
+                </a:cxn>
+                <a:cxn ang="0">
+                  <a:pos x="connsiteX22" y="connsiteY22"/>
+                </a:cxn>
+                <a:cxn ang="0">
+                  <a:pos x="connsiteX23" y="connsiteY23"/>
+                </a:cxn>
+                <a:cxn ang="0">
+                  <a:pos x="connsiteX24" y="connsiteY24"/>
+                </a:cxn>
+                <a:cxn ang="0">
+                  <a:pos x="connsiteX25" y="connsiteY25"/>
+                </a:cxn>
+                <a:cxn ang="0">
+                  <a:pos x="connsiteX26" y="connsiteY26"/>
+                </a:cxn>
+                <a:cxn ang="0">
+                  <a:pos x="connsiteX27" y="connsiteY27"/>
+                </a:cxn>
+                <a:cxn ang="0">
+                  <a:pos x="connsiteX28" y="connsiteY28"/>
+                </a:cxn>
+                <a:cxn ang="0">
+                  <a:pos x="connsiteX29" y="connsiteY29"/>
+                </a:cxn>
+                <a:cxn ang="0">
+                  <a:pos x="connsiteX30" y="connsiteY30"/>
+                </a:cxn>
+                <a:cxn ang="0">
+                  <a:pos x="connsiteX31" y="connsiteY31"/>
+                </a:cxn>
+                <a:cxn ang="0">
+                  <a:pos x="connsiteX32" y="connsiteY32"/>
+                </a:cxn>
+                <a:cxn ang="0">
+                  <a:pos x="connsiteX33" y="connsiteY33"/>
+                </a:cxn>
+                <a:cxn ang="0">
+                  <a:pos x="connsiteX34" y="connsiteY34"/>
+                </a:cxn>
+                <a:cxn ang="0">
+                  <a:pos x="connsiteX35" y="connsiteY35"/>
+                </a:cxn>
+                <a:cxn ang="0">
+                  <a:pos x="connsiteX36" y="connsiteY36"/>
+                </a:cxn>
+                <a:cxn ang="0">
+                  <a:pos x="connsiteX37" y="connsiteY37"/>
+                </a:cxn>
+                <a:cxn ang="0">
+                  <a:pos x="connsiteX38" y="connsiteY38"/>
+                </a:cxn>
+                <a:cxn ang="0">
+                  <a:pos x="connsiteX39" y="connsiteY39"/>
+                </a:cxn>
+              </a:cxnLst>
+              <a:rect l="l" t="t" r="r" b="b"/>
+              <a:pathLst>
+                <a:path w="220713" h="1004207">
+                  <a:moveTo>
+                    <a:pt x="147148" y="0"/>
+                  </a:moveTo>
+                  <a:cubicBezTo>
+                    <a:pt x="141638" y="918"/>
+                    <a:pt x="130819" y="38100"/>
+                    <a:pt x="122655" y="48986"/>
+                  </a:cubicBezTo>
+                  <a:cubicBezTo>
+                    <a:pt x="114491" y="59872"/>
+                    <a:pt x="106681" y="60446"/>
+                    <a:pt x="98162" y="65314"/>
+                  </a:cubicBezTo>
+                  <a:cubicBezTo>
+                    <a:pt x="87595" y="71352"/>
+                    <a:pt x="75941" y="75381"/>
+                    <a:pt x="65505" y="81643"/>
+                  </a:cubicBezTo>
+                  <a:cubicBezTo>
+                    <a:pt x="48677" y="91740"/>
+                    <a:pt x="16519" y="114300"/>
+                    <a:pt x="16519" y="114300"/>
+                  </a:cubicBezTo>
+                  <a:cubicBezTo>
+                    <a:pt x="10229" y="133170"/>
+                    <a:pt x="-802" y="151655"/>
+                    <a:pt x="16519" y="171450"/>
+                  </a:cubicBezTo>
+                  <a:cubicBezTo>
+                    <a:pt x="29442" y="186219"/>
+                    <a:pt x="49176" y="193221"/>
+                    <a:pt x="65505" y="204107"/>
+                  </a:cubicBezTo>
+                  <a:cubicBezTo>
+                    <a:pt x="73669" y="209550"/>
+                    <a:pt x="80688" y="217333"/>
+                    <a:pt x="89997" y="220436"/>
+                  </a:cubicBezTo>
+                  <a:cubicBezTo>
+                    <a:pt x="140300" y="237203"/>
+                    <a:pt x="86621" y="218028"/>
+                    <a:pt x="147147" y="244928"/>
+                  </a:cubicBezTo>
+                  <a:cubicBezTo>
+                    <a:pt x="207063" y="271557"/>
+                    <a:pt x="169091" y="248671"/>
+                    <a:pt x="212462" y="277586"/>
+                  </a:cubicBezTo>
+                  <a:cubicBezTo>
+                    <a:pt x="211374" y="281937"/>
+                    <a:pt x="200816" y="327711"/>
+                    <a:pt x="196133" y="334736"/>
+                  </a:cubicBezTo>
+                  <a:cubicBezTo>
+                    <a:pt x="189728" y="344343"/>
+                    <a:pt x="180510" y="351837"/>
+                    <a:pt x="171640" y="359228"/>
+                  </a:cubicBezTo>
+                  <a:cubicBezTo>
+                    <a:pt x="157170" y="371286"/>
+                    <a:pt x="130931" y="384840"/>
+                    <a:pt x="114490" y="391886"/>
+                  </a:cubicBezTo>
+                  <a:cubicBezTo>
+                    <a:pt x="106580" y="395276"/>
+                    <a:pt x="98161" y="397329"/>
+                    <a:pt x="89997" y="400050"/>
+                  </a:cubicBezTo>
+                  <a:cubicBezTo>
+                    <a:pt x="81833" y="405493"/>
+                    <a:pt x="74524" y="412513"/>
+                    <a:pt x="65505" y="416378"/>
+                  </a:cubicBezTo>
+                  <a:cubicBezTo>
+                    <a:pt x="55191" y="420798"/>
+                    <a:pt x="43636" y="421460"/>
+                    <a:pt x="32847" y="424543"/>
+                  </a:cubicBezTo>
+                  <a:cubicBezTo>
+                    <a:pt x="24573" y="426907"/>
+                    <a:pt x="16519" y="429986"/>
+                    <a:pt x="8355" y="432707"/>
+                  </a:cubicBezTo>
+                  <a:cubicBezTo>
+                    <a:pt x="5633" y="440871"/>
+                    <a:pt x="-1225" y="448711"/>
+                    <a:pt x="190" y="457200"/>
+                  </a:cubicBezTo>
+                  <a:cubicBezTo>
+                    <a:pt x="4272" y="481693"/>
+                    <a:pt x="54620" y="508908"/>
+                    <a:pt x="65505" y="514350"/>
+                  </a:cubicBezTo>
+                  <a:cubicBezTo>
+                    <a:pt x="76391" y="519793"/>
+                    <a:pt x="87595" y="524640"/>
+                    <a:pt x="98162" y="530678"/>
+                  </a:cubicBezTo>
+                  <a:cubicBezTo>
+                    <a:pt x="106682" y="535546"/>
+                    <a:pt x="113636" y="543142"/>
+                    <a:pt x="122655" y="547007"/>
+                  </a:cubicBezTo>
+                  <a:cubicBezTo>
+                    <a:pt x="132968" y="551427"/>
+                    <a:pt x="141705" y="548367"/>
+                    <a:pt x="155312" y="555171"/>
+                  </a:cubicBezTo>
+                  <a:cubicBezTo>
+                    <a:pt x="168919" y="561975"/>
+                    <a:pt x="197495" y="575583"/>
+                    <a:pt x="204298" y="587829"/>
+                  </a:cubicBezTo>
+                  <a:cubicBezTo>
+                    <a:pt x="211101" y="600075"/>
+                    <a:pt x="209740" y="609600"/>
+                    <a:pt x="196133" y="628650"/>
+                  </a:cubicBezTo>
+                  <a:cubicBezTo>
+                    <a:pt x="204297" y="631371"/>
+                    <a:pt x="219265" y="616403"/>
+                    <a:pt x="220626" y="620485"/>
+                  </a:cubicBezTo>
+                  <a:cubicBezTo>
+                    <a:pt x="221987" y="624567"/>
+                    <a:pt x="207018" y="646339"/>
+                    <a:pt x="204297" y="653143"/>
+                  </a:cubicBezTo>
+                  <a:cubicBezTo>
+                    <a:pt x="201576" y="659947"/>
+                    <a:pt x="208380" y="655864"/>
+                    <a:pt x="204298" y="661307"/>
+                  </a:cubicBezTo>
+                  <a:cubicBezTo>
+                    <a:pt x="200216" y="666750"/>
+                    <a:pt x="190691" y="676274"/>
+                    <a:pt x="179805" y="685799"/>
+                  </a:cubicBezTo>
+                  <a:cubicBezTo>
+                    <a:pt x="168919" y="695324"/>
+                    <a:pt x="149869" y="711653"/>
+                    <a:pt x="138983" y="718457"/>
+                  </a:cubicBezTo>
+                  <a:cubicBezTo>
+                    <a:pt x="128097" y="725261"/>
+                    <a:pt x="122765" y="724257"/>
+                    <a:pt x="114490" y="726621"/>
+                  </a:cubicBezTo>
+                  <a:cubicBezTo>
+                    <a:pt x="103701" y="729704"/>
+                    <a:pt x="92719" y="732064"/>
+                    <a:pt x="81833" y="734786"/>
+                  </a:cubicBezTo>
+                  <a:cubicBezTo>
+                    <a:pt x="73669" y="740229"/>
+                    <a:pt x="66116" y="746726"/>
+                    <a:pt x="57340" y="751114"/>
+                  </a:cubicBezTo>
+                  <a:cubicBezTo>
+                    <a:pt x="49643" y="754963"/>
+                    <a:pt x="39567" y="753902"/>
+                    <a:pt x="32847" y="759278"/>
+                  </a:cubicBezTo>
+                  <a:cubicBezTo>
+                    <a:pt x="25185" y="765408"/>
+                    <a:pt x="21962" y="775607"/>
+                    <a:pt x="16519" y="783771"/>
+                  </a:cubicBezTo>
+                  <a:cubicBezTo>
+                    <a:pt x="19240" y="797378"/>
+                    <a:pt x="17328" y="812825"/>
+                    <a:pt x="24683" y="824593"/>
+                  </a:cubicBezTo>
+                  <a:cubicBezTo>
+                    <a:pt x="35678" y="842185"/>
+                    <a:pt x="62486" y="852413"/>
+                    <a:pt x="81833" y="857250"/>
+                  </a:cubicBezTo>
+                  <a:cubicBezTo>
+                    <a:pt x="95295" y="860615"/>
+                    <a:pt x="109109" y="862404"/>
+                    <a:pt x="122655" y="865414"/>
+                  </a:cubicBezTo>
+                  <a:cubicBezTo>
+                    <a:pt x="195742" y="881655"/>
+                    <a:pt x="108290" y="865740"/>
+                    <a:pt x="204297" y="881743"/>
+                  </a:cubicBezTo>
+                  <a:cubicBezTo>
+                    <a:pt x="184866" y="940037"/>
+                    <a:pt x="197516" y="916407"/>
+                    <a:pt x="171640" y="955221"/>
+                  </a:cubicBezTo>
+                  <a:cubicBezTo>
+                    <a:pt x="162156" y="993158"/>
+                    <a:pt x="163476" y="976657"/>
+                    <a:pt x="163476" y="1004207"/>
+                  </a:cubicBezTo>
+                </a:path>
+              </a:pathLst>
+            </a:custGeom>
+            <a:noFill/>
+            <a:ln>
+              <a:solidFill>
+                <a:schemeClr val="tx1"/>
+              </a:solidFill>
+            </a:ln>
+            <a:effectLst>
+              <a:innerShdw blurRad="63500" dist="50800" dir="13500000">
+                <a:prstClr val="black">
+                  <a:alpha val="50000"/>
+                </a:prstClr>
+              </a:innerShdw>
+            </a:effectLst>
+          </p:spPr>
+          <p:style>
+            <a:lnRef idx="2">
+              <a:schemeClr val="accent1">
+                <a:shade val="50000"/>
+              </a:schemeClr>
+            </a:lnRef>
+            <a:fillRef idx="1">
+              <a:schemeClr val="accent1"/>
+            </a:fillRef>
+            <a:effectRef idx="0">
+              <a:schemeClr val="accent1"/>
+            </a:effectRef>
+            <a:fontRef idx="minor">
+              <a:schemeClr val="lt1"/>
+            </a:fontRef>
+          </p:style>
+          <p:txBody>
+            <a:bodyPr rtlCol="0" anchor="ctr"/>
+            <a:lstStyle/>
+            <a:p>
+              <a:pPr algn="ctr"/>
+              <a:endParaRPr lang="en-US"/>
+            </a:p>
+          </p:txBody>
+        </p:sp>
+        <p:cxnSp>
+          <p:nvCxnSpPr>
+            <p:cNvPr id="52" name="직선 화살표 연결선 51"/>
+            <p:cNvCxnSpPr>
+              <a:stCxn id="51" idx="39"/>
+            </p:cNvCxnSpPr>
+            <p:nvPr/>
+          </p:nvCxnSpPr>
+          <p:spPr>
+            <a:xfrm flipH="1">
+              <a:off x="2114266" y="6515099"/>
+              <a:ext cx="284" cy="32577"/>
+            </a:xfrm>
+            <a:prstGeom prst="straightConnector1">
+              <a:avLst/>
+            </a:prstGeom>
+            <a:ln>
+              <a:solidFill>
+                <a:schemeClr val="tx1"/>
+              </a:solidFill>
+              <a:tailEnd type="triangle"/>
+            </a:ln>
+          </p:spPr>
+          <p:style>
+            <a:lnRef idx="1">
+              <a:schemeClr val="accent1"/>
+            </a:lnRef>
+            <a:fillRef idx="0">
+              <a:schemeClr val="accent1"/>
+            </a:fillRef>
+            <a:effectRef idx="0">
+              <a:schemeClr val="accent1"/>
+            </a:effectRef>
+            <a:fontRef idx="minor">
+              <a:schemeClr val="tx1"/>
+            </a:fontRef>
+          </p:style>
+        </p:cxnSp>
+      </p:grpSp>
+      <p:sp>
+        <p:nvSpPr>
+          <p:cNvPr id="6" name="TextBox 5"/>
+          <p:cNvSpPr txBox="1"/>
+          <p:nvPr/>
+        </p:nvSpPr>
+        <p:spPr>
+          <a:xfrm>
+            <a:off x="732737" y="1569246"/>
+            <a:ext cx="1904689" cy="246221"/>
+          </a:xfrm>
+          <a:prstGeom prst="rect">
+            <a:avLst/>
+          </a:prstGeom>
+          <a:noFill/>
+        </p:spPr>
+        <p:txBody>
+          <a:bodyPr wrap="none" rtlCol="0">
+            <a:spAutoFit/>
+          </a:bodyPr>
+          <a:lstStyle/>
+          <a:p>
+            <a:r>
+              <a:rPr lang="en-US" altLang="ko-KR" sz="1000" dirty="0" smtClean="0"/>
+              <a:t>(a) Vanilla MSCTS with expansion</a:t>
+            </a:r>
+            <a:endParaRPr lang="ko-KR" altLang="en-US" sz="1000" dirty="0"/>
+          </a:p>
+        </p:txBody>
+      </p:sp>
+      <p:sp>
+        <p:nvSpPr>
+          <p:cNvPr id="53" name="TextBox 52"/>
+          <p:cNvSpPr txBox="1"/>
+          <p:nvPr/>
+        </p:nvSpPr>
+        <p:spPr>
+          <a:xfrm>
+            <a:off x="3498261" y="1549163"/>
+            <a:ext cx="2470548" cy="246221"/>
+          </a:xfrm>
+          <a:prstGeom prst="rect">
+            <a:avLst/>
+          </a:prstGeom>
+          <a:noFill/>
+        </p:spPr>
+        <p:txBody>
+          <a:bodyPr wrap="none" rtlCol="0">
+            <a:spAutoFit/>
+          </a:bodyPr>
+          <a:lstStyle/>
+          <a:p>
+            <a:r>
+              <a:rPr lang="en-US" altLang="ko-KR" sz="1000" dirty="0" smtClean="0"/>
+              <a:t>(b) Simplified MSCTS with limited expansion</a:t>
+            </a:r>
+            <a:endParaRPr lang="ko-KR" altLang="en-US" sz="1000" dirty="0"/>
+          </a:p>
+        </p:txBody>
+      </p:sp>
+    </p:spTree>
+    <p:extLst>
+      <p:ext uri="{BB962C8B-B14F-4D97-AF65-F5344CB8AC3E}">
+        <p14:creationId xmlns:p14="http://schemas.microsoft.com/office/powerpoint/2010/main" val="3249727582"/>
+      </p:ext>
+    </p:extLst>
+  </p:cSld>
+  <p:clrMapOvr>
+    <a:masterClrMapping/>
+  </p:clrMapOvr>
+</p:sld>
+</file>
+
+<file path=ppt/slides/slide3.xml><?xml version="1.0" encoding="utf-8"?>
+<p:sld xmlns:a="http://schemas.openxmlformats.org/drawingml/2006/main" xmlns:r="http://schemas.openxmlformats.org/officeDocument/2006/relationships" xmlns:p="http://schemas.openxmlformats.org/presentationml/2006/main">
+  <p:cSld>
+    <p:spTree>
+      <p:nvGrpSpPr>
+        <p:cNvPr id="1" name=""/>
+        <p:cNvGrpSpPr/>
+        <p:nvPr/>
+      </p:nvGrpSpPr>
+      <p:grpSpPr>
+        <a:xfrm>
+          <a:off x="0" y="0"/>
+          <a:ext cx="0" cy="0"/>
+          <a:chOff x="0" y="0"/>
+          <a:chExt cx="0" cy="0"/>
+        </a:xfrm>
+      </p:grpSpPr>
+      <p:graphicFrame>
+        <p:nvGraphicFramePr>
+          <p:cNvPr id="18" name="차트 17"/>
+          <p:cNvGraphicFramePr>
+            <a:graphicFrameLocks/>
+          </p:cNvGraphicFramePr>
+          <p:nvPr>
+            <p:extLst>
+              <p:ext uri="{D42A27DB-BD31-4B8C-83A1-F6EECF244321}">
+                <p14:modId xmlns:p14="http://schemas.microsoft.com/office/powerpoint/2010/main" val="401536647"/>
+              </p:ext>
+            </p:extLst>
+          </p:nvPr>
+        </p:nvGraphicFramePr>
+        <p:xfrm>
+          <a:off x="-140820" y="-67933"/>
+          <a:ext cx="6485779" cy="2175939"/>
+        </p:xfrm>
+        <a:graphic>
+          <a:graphicData uri="http://schemas.openxmlformats.org/drawingml/2006/chart">
+            <c:chart xmlns:c="http://schemas.openxmlformats.org/drawingml/2006/chart" xmlns:r="http://schemas.openxmlformats.org/officeDocument/2006/relationships" r:id="rId2"/>
+          </a:graphicData>
+        </a:graphic>
+      </p:graphicFrame>
+      <p:cxnSp>
+        <p:nvCxnSpPr>
+          <p:cNvPr id="19" name="직선 연결선 18"/>
+          <p:cNvCxnSpPr/>
+          <p:nvPr/>
+        </p:nvCxnSpPr>
+        <p:spPr>
+          <a:xfrm flipH="1">
+            <a:off x="2482379" y="146583"/>
+            <a:ext cx="3370044" cy="881289"/>
+          </a:xfrm>
+          <a:prstGeom prst="line">
+            <a:avLst/>
+          </a:prstGeom>
+          <a:ln w="19050">
+            <a:prstDash val="dash"/>
+          </a:ln>
+        </p:spPr>
+        <p:style>
+          <a:lnRef idx="1">
+            <a:schemeClr val="dk1"/>
+          </a:lnRef>
+          <a:fillRef idx="0">
+            <a:schemeClr val="dk1"/>
+          </a:fillRef>
+          <a:effectRef idx="0">
+            <a:schemeClr val="dk1"/>
+          </a:effectRef>
+          <a:fontRef idx="minor">
+            <a:schemeClr val="tx1"/>
+          </a:fontRef>
+        </p:style>
+      </p:cxnSp>
+    </p:spTree>
+    <p:extLst>
+      <p:ext uri="{BB962C8B-B14F-4D97-AF65-F5344CB8AC3E}">
+        <p14:creationId xmlns:p14="http://schemas.microsoft.com/office/powerpoint/2010/main" val="2060409831"/>
+      </p:ext>
+    </p:extLst>
+  </p:cSld>
+  <p:clrMapOvr>
+    <a:masterClrMapping/>
+  </p:clrMapOvr>
+</p:sld>
+</file>
+
+<file path=ppt/slides/slide4.xml><?xml version="1.0" encoding="utf-8"?>
 <p:sld xmlns:a="http://schemas.openxmlformats.org/drawingml/2006/main" xmlns:r="http://schemas.openxmlformats.org/officeDocument/2006/relationships" xmlns:p="http://schemas.openxmlformats.org/presentationml/2006/main">
   <p:cSld>
     <p:spTree>
@@ -3681,7 +8900,7 @@
 </p:sld>
 </file>
 
-<file path=ppt/slides/slide3.xml><?xml version="1.0" encoding="utf-8"?>
+<file path=ppt/slides/slide5.xml><?xml version="1.0" encoding="utf-8"?>
 <p:sld xmlns:a="http://schemas.openxmlformats.org/drawingml/2006/main" xmlns:r="http://schemas.openxmlformats.org/officeDocument/2006/relationships" xmlns:p="http://schemas.openxmlformats.org/presentationml/2006/main">
   <p:cSld>
     <p:spTree>
@@ -3777,6 +8996,533 @@
     <p:extLst>
       <p:ext uri="{BB962C8B-B14F-4D97-AF65-F5344CB8AC3E}">
         <p14:creationId xmlns:p14="http://schemas.microsoft.com/office/powerpoint/2010/main" val="3128453868"/>
+      </p:ext>
+    </p:extLst>
+  </p:cSld>
+  <p:clrMapOvr>
+    <a:masterClrMapping/>
+  </p:clrMapOvr>
+</p:sld>
+</file>
+
+<file path=ppt/slides/slide6.xml><?xml version="1.0" encoding="utf-8"?>
+<p:sld xmlns:a="http://schemas.openxmlformats.org/drawingml/2006/main" xmlns:r="http://schemas.openxmlformats.org/officeDocument/2006/relationships" xmlns:p="http://schemas.openxmlformats.org/presentationml/2006/main">
+  <p:cSld>
+    <p:spTree>
+      <p:nvGrpSpPr>
+        <p:cNvPr id="1" name=""/>
+        <p:cNvGrpSpPr/>
+        <p:nvPr/>
+      </p:nvGrpSpPr>
+      <p:grpSpPr>
+        <a:xfrm>
+          <a:off x="0" y="0"/>
+          <a:ext cx="0" cy="0"/>
+          <a:chOff x="0" y="0"/>
+          <a:chExt cx="0" cy="0"/>
+        </a:xfrm>
+      </p:grpSpPr>
+      <p:grpSp>
+        <p:nvGrpSpPr>
+          <p:cNvPr id="55" name="그룹 54"/>
+          <p:cNvGrpSpPr/>
+          <p:nvPr/>
+        </p:nvGrpSpPr>
+        <p:grpSpPr>
+          <a:xfrm>
+            <a:off x="27401" y="24267"/>
+            <a:ext cx="6181600" cy="1776674"/>
+            <a:chOff x="523714" y="4143356"/>
+            <a:chExt cx="8096572" cy="2678296"/>
+          </a:xfrm>
+        </p:grpSpPr>
+        <p:pic>
+          <p:nvPicPr>
+            <p:cNvPr id="56" name="Picture 2" descr="https://upload.wikimedia.org/wikipedia/commons/thumb/6/62/MCTS_%28English%29_-_Updated_2017-11-19.svg/808px-MCTS_%28English%29_-_Updated_2017-11-19.svg.png"/>
+            <p:cNvPicPr>
+              <a:picLocks noChangeAspect="1" noChangeArrowheads="1"/>
+            </p:cNvPicPr>
+            <p:nvPr/>
+          </p:nvPicPr>
+          <p:blipFill>
+            <a:blip r:embed="rId2">
+              <a:extLst>
+                <a:ext uri="{28A0092B-C50C-407E-A947-70E740481C1C}">
+                  <a14:useLocalDpi xmlns:a14="http://schemas.microsoft.com/office/drawing/2010/main" val="0"/>
+                </a:ext>
+              </a:extLst>
+            </a:blip>
+            <a:srcRect/>
+            <a:stretch>
+              <a:fillRect/>
+            </a:stretch>
+          </p:blipFill>
+          <p:spPr bwMode="auto">
+            <a:xfrm>
+              <a:off x="523714" y="4143356"/>
+              <a:ext cx="8096572" cy="2678296"/>
+            </a:xfrm>
+            <a:prstGeom prst="rect">
+              <a:avLst/>
+            </a:prstGeom>
+            <a:noFill/>
+            <a:extLst>
+              <a:ext uri="{909E8E84-426E-40DD-AFC4-6F175D3DCCD1}">
+                <a14:hiddenFill xmlns:a14="http://schemas.microsoft.com/office/drawing/2010/main">
+                  <a:solidFill>
+                    <a:srgbClr val="FFFFFF"/>
+                  </a:solidFill>
+                </a14:hiddenFill>
+              </a:ext>
+            </a:extLst>
+          </p:spPr>
+        </p:pic>
+        <p:grpSp>
+          <p:nvGrpSpPr>
+            <p:cNvPr id="57" name="그룹 56"/>
+            <p:cNvGrpSpPr/>
+            <p:nvPr/>
+          </p:nvGrpSpPr>
+          <p:grpSpPr>
+            <a:xfrm>
+              <a:off x="884352" y="4663296"/>
+              <a:ext cx="653152" cy="1115182"/>
+              <a:chOff x="884352" y="4663296"/>
+              <a:chExt cx="653152" cy="1115182"/>
+            </a:xfrm>
+          </p:grpSpPr>
+          <p:cxnSp>
+            <p:nvCxnSpPr>
+              <p:cNvPr id="65" name="직선 화살표 연결선 64"/>
+              <p:cNvCxnSpPr/>
+              <p:nvPr/>
+            </p:nvCxnSpPr>
+            <p:spPr>
+              <a:xfrm flipH="1">
+                <a:off x="961440" y="4663296"/>
+                <a:ext cx="576064" cy="288032"/>
+              </a:xfrm>
+              <a:prstGeom prst="straightConnector1">
+                <a:avLst/>
+              </a:prstGeom>
+              <a:ln w="38100">
+                <a:solidFill>
+                  <a:srgbClr val="FF0000"/>
+                </a:solidFill>
+                <a:tailEnd type="triangle"/>
+              </a:ln>
+            </p:spPr>
+            <p:style>
+              <a:lnRef idx="1">
+                <a:schemeClr val="accent1"/>
+              </a:lnRef>
+              <a:fillRef idx="0">
+                <a:schemeClr val="accent1"/>
+              </a:fillRef>
+              <a:effectRef idx="0">
+                <a:schemeClr val="accent1"/>
+              </a:effectRef>
+              <a:fontRef idx="minor">
+                <a:schemeClr val="tx1"/>
+              </a:fontRef>
+            </p:style>
+          </p:cxnSp>
+          <p:cxnSp>
+            <p:nvCxnSpPr>
+              <p:cNvPr id="66" name="직선 화살표 연결선 65"/>
+              <p:cNvCxnSpPr/>
+              <p:nvPr/>
+            </p:nvCxnSpPr>
+            <p:spPr>
+              <a:xfrm>
+                <a:off x="884352" y="5162272"/>
+                <a:ext cx="72008" cy="144016"/>
+              </a:xfrm>
+              <a:prstGeom prst="straightConnector1">
+                <a:avLst/>
+              </a:prstGeom>
+              <a:ln w="38100">
+                <a:solidFill>
+                  <a:srgbClr val="FF0000"/>
+                </a:solidFill>
+                <a:tailEnd type="triangle"/>
+              </a:ln>
+            </p:spPr>
+            <p:style>
+              <a:lnRef idx="1">
+                <a:schemeClr val="accent1"/>
+              </a:lnRef>
+              <a:fillRef idx="0">
+                <a:schemeClr val="accent1"/>
+              </a:fillRef>
+              <a:effectRef idx="0">
+                <a:schemeClr val="accent1"/>
+              </a:effectRef>
+              <a:fontRef idx="minor">
+                <a:schemeClr val="tx1"/>
+              </a:fontRef>
+            </p:style>
+          </p:cxnSp>
+          <p:cxnSp>
+            <p:nvCxnSpPr>
+              <p:cNvPr id="67" name="직선 화살표 연결선 66"/>
+              <p:cNvCxnSpPr/>
+              <p:nvPr/>
+            </p:nvCxnSpPr>
+            <p:spPr>
+              <a:xfrm>
+                <a:off x="1028368" y="5522312"/>
+                <a:ext cx="144016" cy="256166"/>
+              </a:xfrm>
+              <a:prstGeom prst="straightConnector1">
+                <a:avLst/>
+              </a:prstGeom>
+              <a:ln w="38100">
+                <a:solidFill>
+                  <a:srgbClr val="FF0000"/>
+                </a:solidFill>
+                <a:tailEnd type="triangle"/>
+              </a:ln>
+            </p:spPr>
+            <p:style>
+              <a:lnRef idx="1">
+                <a:schemeClr val="accent1"/>
+              </a:lnRef>
+              <a:fillRef idx="0">
+                <a:schemeClr val="accent1"/>
+              </a:fillRef>
+              <a:effectRef idx="0">
+                <a:schemeClr val="accent1"/>
+              </a:effectRef>
+              <a:fontRef idx="minor">
+                <a:schemeClr val="tx1"/>
+              </a:fontRef>
+            </p:style>
+          </p:cxnSp>
+        </p:grpSp>
+        <p:cxnSp>
+          <p:nvCxnSpPr>
+            <p:cNvPr id="58" name="직선 화살표 연결선 57"/>
+            <p:cNvCxnSpPr/>
+            <p:nvPr/>
+          </p:nvCxnSpPr>
+          <p:spPr>
+            <a:xfrm>
+              <a:off x="3327544" y="5949280"/>
+              <a:ext cx="0" cy="220162"/>
+            </a:xfrm>
+            <a:prstGeom prst="straightConnector1">
+              <a:avLst/>
+            </a:prstGeom>
+            <a:ln w="38100">
+              <a:solidFill>
+                <a:srgbClr val="FF0000"/>
+              </a:solidFill>
+              <a:tailEnd type="triangle"/>
+            </a:ln>
+          </p:spPr>
+          <p:style>
+            <a:lnRef idx="1">
+              <a:schemeClr val="accent1"/>
+            </a:lnRef>
+            <a:fillRef idx="0">
+              <a:schemeClr val="accent1"/>
+            </a:fillRef>
+            <a:effectRef idx="0">
+              <a:schemeClr val="accent1"/>
+            </a:effectRef>
+            <a:fontRef idx="minor">
+              <a:schemeClr val="tx1"/>
+            </a:fontRef>
+          </p:style>
+        </p:cxnSp>
+        <p:sp>
+          <p:nvSpPr>
+            <p:cNvPr id="59" name="줄무늬가 있는 오른쪽 화살표 58"/>
+            <p:cNvSpPr/>
+            <p:nvPr/>
+          </p:nvSpPr>
+          <p:spPr>
+            <a:xfrm rot="5400000">
+              <a:off x="5297254" y="6353320"/>
+              <a:ext cx="333691" cy="378328"/>
+            </a:xfrm>
+            <a:prstGeom prst="stripedRightArrow">
+              <a:avLst>
+                <a:gd name="adj1" fmla="val 36656"/>
+                <a:gd name="adj2" fmla="val 37301"/>
+              </a:avLst>
+            </a:prstGeom>
+            <a:solidFill>
+              <a:srgbClr val="FF0000"/>
+            </a:solidFill>
+            <a:ln/>
+          </p:spPr>
+          <p:style>
+            <a:lnRef idx="2">
+              <a:schemeClr val="accent2">
+                <a:shade val="50000"/>
+              </a:schemeClr>
+            </a:lnRef>
+            <a:fillRef idx="1">
+              <a:schemeClr val="accent2"/>
+            </a:fillRef>
+            <a:effectRef idx="0">
+              <a:schemeClr val="accent2"/>
+            </a:effectRef>
+            <a:fontRef idx="minor">
+              <a:schemeClr val="lt1"/>
+            </a:fontRef>
+          </p:style>
+          <p:txBody>
+            <a:bodyPr rtlCol="0" anchor="ctr"/>
+            <a:lstStyle/>
+            <a:p>
+              <a:pPr algn="ctr"/>
+              <a:endParaRPr lang="ko-KR" altLang="en-US"/>
+            </a:p>
+          </p:txBody>
+        </p:sp>
+        <p:grpSp>
+          <p:nvGrpSpPr>
+            <p:cNvPr id="60" name="그룹 59"/>
+            <p:cNvGrpSpPr/>
+            <p:nvPr/>
+          </p:nvGrpSpPr>
+          <p:grpSpPr>
+            <a:xfrm>
+              <a:off x="7264309" y="4645008"/>
+              <a:ext cx="732704" cy="1133470"/>
+              <a:chOff x="846453" y="4639509"/>
+              <a:chExt cx="732704" cy="1133470"/>
+            </a:xfrm>
+          </p:grpSpPr>
+          <p:cxnSp>
+            <p:nvCxnSpPr>
+              <p:cNvPr id="62" name="직선 화살표 연결선 61"/>
+              <p:cNvCxnSpPr/>
+              <p:nvPr/>
+            </p:nvCxnSpPr>
+            <p:spPr>
+              <a:xfrm flipV="1">
+                <a:off x="981072" y="4639509"/>
+                <a:ext cx="598085" cy="299044"/>
+              </a:xfrm>
+              <a:prstGeom prst="straightConnector1">
+                <a:avLst/>
+              </a:prstGeom>
+              <a:ln w="38100">
+                <a:solidFill>
+                  <a:srgbClr val="FF0000"/>
+                </a:solidFill>
+                <a:tailEnd type="triangle"/>
+              </a:ln>
+            </p:spPr>
+            <p:style>
+              <a:lnRef idx="1">
+                <a:schemeClr val="accent1"/>
+              </a:lnRef>
+              <a:fillRef idx="0">
+                <a:schemeClr val="accent1"/>
+              </a:fillRef>
+              <a:effectRef idx="0">
+                <a:schemeClr val="accent1"/>
+              </a:effectRef>
+              <a:fontRef idx="minor">
+                <a:schemeClr val="tx1"/>
+              </a:fontRef>
+            </p:style>
+          </p:cxnSp>
+          <p:cxnSp>
+            <p:nvCxnSpPr>
+              <p:cNvPr id="63" name="직선 화살표 연결선 62"/>
+              <p:cNvCxnSpPr/>
+              <p:nvPr/>
+            </p:nvCxnSpPr>
+            <p:spPr>
+              <a:xfrm flipH="1" flipV="1">
+                <a:off x="846453" y="5085781"/>
+                <a:ext cx="116003" cy="232004"/>
+              </a:xfrm>
+              <a:prstGeom prst="straightConnector1">
+                <a:avLst/>
+              </a:prstGeom>
+              <a:ln w="38100">
+                <a:solidFill>
+                  <a:srgbClr val="FF0000"/>
+                </a:solidFill>
+                <a:tailEnd type="triangle"/>
+              </a:ln>
+            </p:spPr>
+            <p:style>
+              <a:lnRef idx="1">
+                <a:schemeClr val="accent1"/>
+              </a:lnRef>
+              <a:fillRef idx="0">
+                <a:schemeClr val="accent1"/>
+              </a:fillRef>
+              <a:effectRef idx="0">
+                <a:schemeClr val="accent1"/>
+              </a:effectRef>
+              <a:fontRef idx="minor">
+                <a:schemeClr val="tx1"/>
+              </a:fontRef>
+            </p:style>
+          </p:cxnSp>
+          <p:cxnSp>
+            <p:nvCxnSpPr>
+              <p:cNvPr id="64" name="직선 화살표 연결선 63"/>
+              <p:cNvCxnSpPr/>
+              <p:nvPr/>
+            </p:nvCxnSpPr>
+            <p:spPr>
+              <a:xfrm flipH="1" flipV="1">
+                <a:off x="1014736" y="5505970"/>
+                <a:ext cx="150112" cy="267009"/>
+              </a:xfrm>
+              <a:prstGeom prst="straightConnector1">
+                <a:avLst/>
+              </a:prstGeom>
+              <a:ln w="38100">
+                <a:solidFill>
+                  <a:srgbClr val="FF0000"/>
+                </a:solidFill>
+                <a:tailEnd type="triangle"/>
+              </a:ln>
+            </p:spPr>
+            <p:style>
+              <a:lnRef idx="1">
+                <a:schemeClr val="accent1"/>
+              </a:lnRef>
+              <a:fillRef idx="0">
+                <a:schemeClr val="accent1"/>
+              </a:fillRef>
+              <a:effectRef idx="0">
+                <a:schemeClr val="accent1"/>
+              </a:effectRef>
+              <a:fontRef idx="minor">
+                <a:schemeClr val="tx1"/>
+              </a:fontRef>
+            </p:style>
+          </p:cxnSp>
+        </p:grpSp>
+        <p:cxnSp>
+          <p:nvCxnSpPr>
+            <p:cNvPr id="61" name="직선 화살표 연결선 60"/>
+            <p:cNvCxnSpPr/>
+            <p:nvPr/>
+          </p:nvCxnSpPr>
+          <p:spPr>
+            <a:xfrm flipV="1">
+              <a:off x="7602432" y="5949280"/>
+              <a:ext cx="0" cy="220162"/>
+            </a:xfrm>
+            <a:prstGeom prst="straightConnector1">
+              <a:avLst/>
+            </a:prstGeom>
+            <a:ln w="38100">
+              <a:solidFill>
+                <a:srgbClr val="FF0000"/>
+              </a:solidFill>
+              <a:tailEnd type="triangle"/>
+            </a:ln>
+          </p:spPr>
+          <p:style>
+            <a:lnRef idx="1">
+              <a:schemeClr val="accent1"/>
+            </a:lnRef>
+            <a:fillRef idx="0">
+              <a:schemeClr val="accent1"/>
+            </a:fillRef>
+            <a:effectRef idx="0">
+              <a:schemeClr val="accent1"/>
+            </a:effectRef>
+            <a:fontRef idx="minor">
+              <a:schemeClr val="tx1"/>
+            </a:fontRef>
+          </p:style>
+        </p:cxnSp>
+      </p:grpSp>
+      <p:sp>
+        <p:nvSpPr>
+          <p:cNvPr id="7" name="TextBox 6"/>
+          <p:cNvSpPr txBox="1"/>
+          <p:nvPr/>
+        </p:nvSpPr>
+        <p:spPr>
+          <a:xfrm>
+            <a:off x="547322" y="1017902"/>
+            <a:ext cx="243978" cy="261610"/>
+          </a:xfrm>
+          <a:prstGeom prst="rect">
+            <a:avLst/>
+          </a:prstGeom>
+          <a:noFill/>
+        </p:spPr>
+        <p:txBody>
+          <a:bodyPr wrap="none" rtlCol="0">
+            <a:spAutoFit/>
+          </a:bodyPr>
+          <a:lstStyle/>
+          <a:p>
+            <a:r>
+              <a:rPr lang="en-US" altLang="ko-KR" sz="1050" b="1" dirty="0" smtClean="0">
+                <a:solidFill>
+                  <a:srgbClr val="FF0000"/>
+                </a:solidFill>
+              </a:rPr>
+              <a:t>L</a:t>
+            </a:r>
+            <a:endParaRPr lang="ko-KR" altLang="en-US" sz="1050" b="1" dirty="0">
+              <a:solidFill>
+                <a:srgbClr val="FF0000"/>
+              </a:solidFill>
+            </a:endParaRPr>
+          </a:p>
+        </p:txBody>
+      </p:sp>
+      <p:sp>
+        <p:nvSpPr>
+          <p:cNvPr id="68" name="TextBox 67"/>
+          <p:cNvSpPr txBox="1"/>
+          <p:nvPr/>
+        </p:nvSpPr>
+        <p:spPr>
+          <a:xfrm>
+            <a:off x="2199236" y="1295267"/>
+            <a:ext cx="255198" cy="253916"/>
+          </a:xfrm>
+          <a:prstGeom prst="rect">
+            <a:avLst/>
+          </a:prstGeom>
+          <a:noFill/>
+        </p:spPr>
+        <p:txBody>
+          <a:bodyPr wrap="none" rtlCol="0">
+            <a:spAutoFit/>
+          </a:bodyPr>
+          <a:lstStyle/>
+          <a:p>
+            <a:r>
+              <a:rPr lang="en-US" altLang="ko-KR" sz="1050" b="1" dirty="0">
+                <a:solidFill>
+                  <a:srgbClr val="FF0000"/>
+                </a:solidFill>
+              </a:rPr>
+              <a:t>C</a:t>
+            </a:r>
+            <a:endParaRPr lang="ko-KR" altLang="en-US" sz="1050" b="1" dirty="0">
+              <a:solidFill>
+                <a:srgbClr val="FF0000"/>
+              </a:solidFill>
+            </a:endParaRPr>
+          </a:p>
+        </p:txBody>
+      </p:sp>
+    </p:spTree>
+    <p:extLst>
+      <p:ext uri="{BB962C8B-B14F-4D97-AF65-F5344CB8AC3E}">
+        <p14:creationId xmlns:p14="http://schemas.microsoft.com/office/powerpoint/2010/main" val="1912535403"/>
       </p:ext>
     </p:extLst>
   </p:cSld>
